--- a/Zwischenpräsentation_RWeiss.pptx
+++ b/Zwischenpräsentation_RWeiss.pptx
@@ -142,7 +142,7 @@
 <file path=ppt/revisionInfo.xml><?xml version="1.0" encoding="utf-8"?>
 <p1510:revInfo xmlns:a="http://schemas.openxmlformats.org/drawingml/2006/main" xmlns:r="http://schemas.openxmlformats.org/officeDocument/2006/relationships" xmlns:p1510="http://schemas.microsoft.com/office/powerpoint/2015/10/main">
   <p1510:revLst>
-    <p1510:client id="{668BA428-5802-4083-A523-811327345F8C}" v="52" dt="2025-10-22T20:31:18.527"/>
+    <p1510:client id="{668BA428-5802-4083-A523-811327345F8C}" v="54" dt="2025-10-22T20:44:09.823"/>
   </p1510:revLst>
 </p1510:revInfo>
 </file>
@@ -152,7 +152,7 @@
   <pc:docChgLst>
     <pc:chgData name="Weiss Raphael" userId="3e22ddfc-305e-4818-afd2-461c131e7fef" providerId="ADAL" clId="{C58D6F28-9485-48BB-8FCA-CCB75D90EE27}"/>
     <pc:docChg chg="undo redo custSel addSld delSld modSld sldOrd">
-      <pc:chgData name="Weiss Raphael" userId="3e22ddfc-305e-4818-afd2-461c131e7fef" providerId="ADAL" clId="{C58D6F28-9485-48BB-8FCA-CCB75D90EE27}" dt="2025-10-22T20:32:04.833" v="2018" actId="14100"/>
+      <pc:chgData name="Weiss Raphael" userId="3e22ddfc-305e-4818-afd2-461c131e7fef" providerId="ADAL" clId="{C58D6F28-9485-48BB-8FCA-CCB75D90EE27}" dt="2025-10-22T20:44:31.881" v="2051" actId="1076"/>
       <pc:docMkLst>
         <pc:docMk/>
       </pc:docMkLst>
@@ -271,7 +271,7 @@
         </pc:graphicFrameChg>
       </pc:sldChg>
       <pc:sldChg chg="addSp delSp modSp mod ord">
-        <pc:chgData name="Weiss Raphael" userId="3e22ddfc-305e-4818-afd2-461c131e7fef" providerId="ADAL" clId="{C58D6F28-9485-48BB-8FCA-CCB75D90EE27}" dt="2025-10-22T20:11:15.906" v="1981" actId="113"/>
+        <pc:chgData name="Weiss Raphael" userId="3e22ddfc-305e-4818-afd2-461c131e7fef" providerId="ADAL" clId="{C58D6F28-9485-48BB-8FCA-CCB75D90EE27}" dt="2025-10-22T20:44:31.881" v="2051" actId="1076"/>
         <pc:sldMkLst>
           <pc:docMk/>
           <pc:sldMk cId="2040037930" sldId="273"/>
@@ -285,7 +285,7 @@
           </ac:spMkLst>
         </pc:spChg>
         <pc:spChg chg="add mod">
-          <ac:chgData name="Weiss Raphael" userId="3e22ddfc-305e-4818-afd2-461c131e7fef" providerId="ADAL" clId="{C58D6F28-9485-48BB-8FCA-CCB75D90EE27}" dt="2025-10-22T20:11:15.906" v="1981" actId="113"/>
+          <ac:chgData name="Weiss Raphael" userId="3e22ddfc-305e-4818-afd2-461c131e7fef" providerId="ADAL" clId="{C58D6F28-9485-48BB-8FCA-CCB75D90EE27}" dt="2025-10-22T20:44:31.881" v="2051" actId="1076"/>
           <ac:spMkLst>
             <pc:docMk/>
             <pc:sldMk cId="2040037930" sldId="273"/>
@@ -325,7 +325,7 @@
           </ac:picMkLst>
         </pc:picChg>
         <pc:picChg chg="add mod">
-          <ac:chgData name="Weiss Raphael" userId="3e22ddfc-305e-4818-afd2-461c131e7fef" providerId="ADAL" clId="{C58D6F28-9485-48BB-8FCA-CCB75D90EE27}" dt="2025-10-22T20:09:51.962" v="1930" actId="1076"/>
+          <ac:chgData name="Weiss Raphael" userId="3e22ddfc-305e-4818-afd2-461c131e7fef" providerId="ADAL" clId="{C58D6F28-9485-48BB-8FCA-CCB75D90EE27}" dt="2025-10-22T20:44:20.737" v="2047" actId="1076"/>
           <ac:picMkLst>
             <pc:docMk/>
             <pc:sldMk cId="2040037930" sldId="273"/>
@@ -341,7 +341,7 @@
           </ac:picMkLst>
         </pc:picChg>
         <pc:picChg chg="add mod">
-          <ac:chgData name="Weiss Raphael" userId="3e22ddfc-305e-4818-afd2-461c131e7fef" providerId="ADAL" clId="{C58D6F28-9485-48BB-8FCA-CCB75D90EE27}" dt="2025-10-22T20:10:21.435" v="1955" actId="1076"/>
+          <ac:chgData name="Weiss Raphael" userId="3e22ddfc-305e-4818-afd2-461c131e7fef" providerId="ADAL" clId="{C58D6F28-9485-48BB-8FCA-CCB75D90EE27}" dt="2025-10-22T20:44:22.678" v="2048" actId="1076"/>
           <ac:picMkLst>
             <pc:docMk/>
             <pc:sldMk cId="2040037930" sldId="273"/>
@@ -7352,7 +7352,7 @@
         </p:blipFill>
         <p:spPr>
           <a:xfrm>
-            <a:off x="3118089" y="1417638"/>
+            <a:off x="2657208" y="1417638"/>
             <a:ext cx="1914792" cy="4448796"/>
           </a:xfrm>
           <a:prstGeom prst="rect">
@@ -7382,7 +7382,7 @@
         </p:blipFill>
         <p:spPr>
           <a:xfrm>
-            <a:off x="5941245" y="1322375"/>
+            <a:off x="5195687" y="1370006"/>
             <a:ext cx="2867425" cy="4544059"/>
           </a:xfrm>
           <a:prstGeom prst="rect">
@@ -7404,8 +7404,8 @@
         </p:nvSpPr>
         <p:spPr>
           <a:xfrm>
-            <a:off x="5941245" y="5866434"/>
-            <a:ext cx="3202756" cy="923330"/>
+            <a:off x="4883842" y="5866434"/>
+            <a:ext cx="3491113" cy="923330"/>
           </a:xfrm>
           <a:prstGeom prst="rect">
             <a:avLst/>
@@ -7428,13 +7428,16 @@
             </a:r>
             <a:r>
               <a:rPr lang="de-CH" dirty="0"/>
-              <a:t> Mutual Information /  Wie häufig treten </a:t>
+              <a:t> Mutual Information /  Wie stark </a:t>
             </a:r>
             <a:r>
               <a:rPr lang="de-DE" dirty="0"/>
               <a:t>Wörter gemeinsam auf</a:t>
             </a:r>
-            <a:endParaRPr lang="de-CH" dirty="0"/>
+            <a:r>
+              <a:rPr lang="de-CH" dirty="0"/>
+              <a:t>treten, verglichen mit Zufall.</a:t>
+            </a:r>
           </a:p>
         </p:txBody>
       </p:sp>

--- a/Zwischenpräsentation_RWeiss.pptx
+++ b/Zwischenpräsentation_RWeiss.pptx
@@ -152,7 +152,7 @@
   <pc:docChgLst>
     <pc:chgData name="Weiss Raphael" userId="3e22ddfc-305e-4818-afd2-461c131e7fef" providerId="ADAL" clId="{C58D6F28-9485-48BB-8FCA-CCB75D90EE27}"/>
     <pc:docChg chg="undo redo custSel addSld delSld modSld sldOrd">
-      <pc:chgData name="Weiss Raphael" userId="3e22ddfc-305e-4818-afd2-461c131e7fef" providerId="ADAL" clId="{C58D6F28-9485-48BB-8FCA-CCB75D90EE27}" dt="2025-10-22T20:44:31.881" v="2051" actId="1076"/>
+      <pc:chgData name="Weiss Raphael" userId="3e22ddfc-305e-4818-afd2-461c131e7fef" providerId="ADAL" clId="{C58D6F28-9485-48BB-8FCA-CCB75D90EE27}" dt="2025-10-23T10:02:48.149" v="2124" actId="113"/>
       <pc:docMkLst>
         <pc:docMk/>
       </pc:docMkLst>
@@ -366,7 +366,7 @@
         </pc:picChg>
       </pc:sldChg>
       <pc:sldChg chg="addSp delSp modSp mod">
-        <pc:chgData name="Weiss Raphael" userId="3e22ddfc-305e-4818-afd2-461c131e7fef" providerId="ADAL" clId="{C58D6F28-9485-48BB-8FCA-CCB75D90EE27}" dt="2025-10-22T19:47:21.936" v="1843" actId="20577"/>
+        <pc:chgData name="Weiss Raphael" userId="3e22ddfc-305e-4818-afd2-461c131e7fef" providerId="ADAL" clId="{C58D6F28-9485-48BB-8FCA-CCB75D90EE27}" dt="2025-10-23T10:02:48.149" v="2124" actId="113"/>
         <pc:sldMkLst>
           <pc:docMk/>
           <pc:sldMk cId="2297258433" sldId="274"/>
@@ -380,7 +380,7 @@
           </ac:spMkLst>
         </pc:spChg>
         <pc:graphicFrameChg chg="mod modGraphic">
-          <ac:chgData name="Weiss Raphael" userId="3e22ddfc-305e-4818-afd2-461c131e7fef" providerId="ADAL" clId="{C58D6F28-9485-48BB-8FCA-CCB75D90EE27}" dt="2025-10-22T19:47:21.936" v="1843" actId="20577"/>
+          <ac:chgData name="Weiss Raphael" userId="3e22ddfc-305e-4818-afd2-461c131e7fef" providerId="ADAL" clId="{C58D6F28-9485-48BB-8FCA-CCB75D90EE27}" dt="2025-10-23T10:02:48.149" v="2124" actId="113"/>
           <ac:graphicFrameMkLst>
             <pc:docMk/>
             <pc:sldMk cId="2297258433" sldId="274"/>
@@ -692,7 +692,7 @@
           <a:p>
             <a:fld id="{85FA9D6F-9DB8-4C36-BD78-BC6F0F3EA98B}" type="datetimeFigureOut">
               <a:rPr lang="de-CH" smtClean="0"/>
-              <a:t>22.10.2025</a:t>
+              <a:t>23.10.2025</a:t>
             </a:fld>
             <a:endParaRPr lang="de-CH"/>
           </a:p>
@@ -2240,7 +2240,7 @@
           <a:p>
             <a:fld id="{5BCAD085-E8A6-8845-BD4E-CB4CCA059FC4}" type="datetimeFigureOut">
               <a:rPr lang="en-US" smtClean="0"/>
-              <a:t>10/22/2025</a:t>
+              <a:t>10/23/2025</a:t>
             </a:fld>
             <a:endParaRPr lang="en-US"/>
           </a:p>
@@ -2408,7 +2408,7 @@
           <a:p>
             <a:fld id="{5BCAD085-E8A6-8845-BD4E-CB4CCA059FC4}" type="datetimeFigureOut">
               <a:rPr lang="en-US" smtClean="0"/>
-              <a:t>10/22/2025</a:t>
+              <a:t>10/23/2025</a:t>
             </a:fld>
             <a:endParaRPr lang="en-US"/>
           </a:p>
@@ -2586,7 +2586,7 @@
           <a:p>
             <a:fld id="{5BCAD085-E8A6-8845-BD4E-CB4CCA059FC4}" type="datetimeFigureOut">
               <a:rPr lang="en-US" smtClean="0"/>
-              <a:t>10/22/2025</a:t>
+              <a:t>10/23/2025</a:t>
             </a:fld>
             <a:endParaRPr lang="en-US"/>
           </a:p>
@@ -2754,7 +2754,7 @@
           <a:p>
             <a:fld id="{5BCAD085-E8A6-8845-BD4E-CB4CCA059FC4}" type="datetimeFigureOut">
               <a:rPr lang="en-US" smtClean="0"/>
-              <a:t>10/22/2025</a:t>
+              <a:t>10/23/2025</a:t>
             </a:fld>
             <a:endParaRPr lang="en-US"/>
           </a:p>
@@ -2999,7 +2999,7 @@
           <a:p>
             <a:fld id="{5BCAD085-E8A6-8845-BD4E-CB4CCA059FC4}" type="datetimeFigureOut">
               <a:rPr lang="en-US" smtClean="0"/>
-              <a:t>10/22/2025</a:t>
+              <a:t>10/23/2025</a:t>
             </a:fld>
             <a:endParaRPr lang="en-US"/>
           </a:p>
@@ -3284,7 +3284,7 @@
           <a:p>
             <a:fld id="{5BCAD085-E8A6-8845-BD4E-CB4CCA059FC4}" type="datetimeFigureOut">
               <a:rPr lang="en-US" smtClean="0"/>
-              <a:t>10/22/2025</a:t>
+              <a:t>10/23/2025</a:t>
             </a:fld>
             <a:endParaRPr lang="en-US"/>
           </a:p>
@@ -3703,7 +3703,7 @@
           <a:p>
             <a:fld id="{5BCAD085-E8A6-8845-BD4E-CB4CCA059FC4}" type="datetimeFigureOut">
               <a:rPr lang="en-US" smtClean="0"/>
-              <a:t>10/22/2025</a:t>
+              <a:t>10/23/2025</a:t>
             </a:fld>
             <a:endParaRPr lang="en-US"/>
           </a:p>
@@ -3820,7 +3820,7 @@
           <a:p>
             <a:fld id="{5BCAD085-E8A6-8845-BD4E-CB4CCA059FC4}" type="datetimeFigureOut">
               <a:rPr lang="en-US" smtClean="0"/>
-              <a:t>10/22/2025</a:t>
+              <a:t>10/23/2025</a:t>
             </a:fld>
             <a:endParaRPr lang="en-US"/>
           </a:p>
@@ -3915,7 +3915,7 @@
           <a:p>
             <a:fld id="{5BCAD085-E8A6-8845-BD4E-CB4CCA059FC4}" type="datetimeFigureOut">
               <a:rPr lang="en-US" smtClean="0"/>
-              <a:t>10/22/2025</a:t>
+              <a:t>10/23/2025</a:t>
             </a:fld>
             <a:endParaRPr lang="en-US"/>
           </a:p>
@@ -4190,7 +4190,7 @@
           <a:p>
             <a:fld id="{5BCAD085-E8A6-8845-BD4E-CB4CCA059FC4}" type="datetimeFigureOut">
               <a:rPr lang="en-US" smtClean="0"/>
-              <a:t>10/22/2025</a:t>
+              <a:t>10/23/2025</a:t>
             </a:fld>
             <a:endParaRPr lang="en-US"/>
           </a:p>
@@ -4442,7 +4442,7 @@
           <a:p>
             <a:fld id="{5BCAD085-E8A6-8845-BD4E-CB4CCA059FC4}" type="datetimeFigureOut">
               <a:rPr lang="en-US" smtClean="0"/>
-              <a:t>10/22/2025</a:t>
+              <a:t>10/23/2025</a:t>
             </a:fld>
             <a:endParaRPr lang="en-US"/>
           </a:p>
@@ -4653,7 +4653,7 @@
           <a:p>
             <a:fld id="{5BCAD085-E8A6-8845-BD4E-CB4CCA059FC4}" type="datetimeFigureOut">
               <a:rPr lang="en-US" smtClean="0"/>
-              <a:t>10/22/2025</a:t>
+              <a:t>10/23/2025</a:t>
             </a:fld>
             <a:endParaRPr lang="en-US"/>
           </a:p>
@@ -5803,7 +5803,7 @@
           <p:nvPr>
             <p:extLst>
               <p:ext uri="{D42A27DB-BD31-4B8C-83A1-F6EECF244321}">
-                <p14:modId xmlns:p14="http://schemas.microsoft.com/office/powerpoint/2010/main" val="2767405795"/>
+                <p14:modId xmlns:p14="http://schemas.microsoft.com/office/powerpoint/2010/main" val="1844020770"/>
               </p:ext>
             </p:extLst>
           </p:nvPr>
@@ -5907,26 +5907,26 @@
                         <a:defRPr sz="1150"/>
                       </a:pPr>
                       <a:r>
-                        <a:rPr sz="1600" b="1" dirty="0"/>
+                        <a:rPr sz="1600" b="0" dirty="0"/>
                         <a:t>Mehr </a:t>
                       </a:r>
                       <a:r>
-                        <a:rPr lang="de-CH" sz="1600" b="1" dirty="0"/>
+                        <a:rPr lang="de-CH" sz="1600" b="0" dirty="0"/>
                         <a:t>(realistische) </a:t>
                       </a:r>
                       <a:r>
-                        <a:rPr sz="1600" b="1" dirty="0"/>
+                        <a:rPr sz="1600" b="0" dirty="0"/>
                         <a:t>Daten &amp; </a:t>
                       </a:r>
                       <a:r>
-                        <a:rPr sz="1600" b="1" dirty="0" err="1"/>
+                        <a:rPr sz="1600" b="0" dirty="0" err="1"/>
                         <a:t>Kontext</a:t>
                       </a:r>
                       <a:r>
-                        <a:rPr lang="de-CH" sz="1600" b="1" dirty="0"/>
+                        <a:rPr lang="de-CH" sz="1600" b="0" dirty="0"/>
                         <a:t>!</a:t>
                       </a:r>
-                      <a:endParaRPr sz="1600" b="1" dirty="0"/>
+                      <a:endParaRPr sz="1600" b="0" dirty="0"/>
                     </a:p>
                   </a:txBody>
                   <a:tcPr/>
@@ -6052,7 +6052,7 @@
                       </a:r>
                       <a:r>
                         <a:rPr lang="de-CH" sz="1600" dirty="0"/>
-                        <a:t>, Dialekt-Mapping</a:t>
+                        <a:t>, Dialekt-Mapping (auch für SBERT!)</a:t>
                       </a:r>
                       <a:endParaRPr sz="1600" dirty="0"/>
                     </a:p>
@@ -6068,9 +6068,10 @@
                         <a:defRPr sz="1150"/>
                       </a:pPr>
                       <a:r>
-                        <a:rPr sz="1600"/>
-                        <a:t>BoW / TF‑IDF</a:t>
-                      </a:r>
+                        <a:rPr lang="de-CH" sz="1600" dirty="0"/>
+                        <a:t>alle</a:t>
+                      </a:r>
+                      <a:endParaRPr sz="1600" dirty="0"/>
                     </a:p>
                   </a:txBody>
                   <a:tcPr/>

--- a/Zwischenpräsentation_RWeiss.pptx
+++ b/Zwischenpräsentation_RWeiss.pptx
@@ -5,23 +5,25 @@
     <p:sldMasterId id="2147483648" r:id="rId1"/>
   </p:sldMasterIdLst>
   <p:notesMasterIdLst>
-    <p:notesMasterId r:id="rId16"/>
+    <p:notesMasterId r:id="rId18"/>
   </p:notesMasterIdLst>
   <p:sldIdLst>
     <p:sldId id="256" r:id="rId2"/>
     <p:sldId id="280" r:id="rId3"/>
     <p:sldId id="257" r:id="rId4"/>
     <p:sldId id="258" r:id="rId5"/>
-    <p:sldId id="279" r:id="rId6"/>
-    <p:sldId id="273" r:id="rId7"/>
-    <p:sldId id="272" r:id="rId8"/>
-    <p:sldId id="275" r:id="rId9"/>
-    <p:sldId id="276" r:id="rId10"/>
-    <p:sldId id="277" r:id="rId11"/>
-    <p:sldId id="278" r:id="rId12"/>
-    <p:sldId id="281" r:id="rId13"/>
-    <p:sldId id="270" r:id="rId14"/>
-    <p:sldId id="274" r:id="rId15"/>
+    <p:sldId id="284" r:id="rId6"/>
+    <p:sldId id="279" r:id="rId7"/>
+    <p:sldId id="273" r:id="rId8"/>
+    <p:sldId id="272" r:id="rId9"/>
+    <p:sldId id="275" r:id="rId10"/>
+    <p:sldId id="276" r:id="rId11"/>
+    <p:sldId id="277" r:id="rId12"/>
+    <p:sldId id="278" r:id="rId13"/>
+    <p:sldId id="281" r:id="rId14"/>
+    <p:sldId id="270" r:id="rId15"/>
+    <p:sldId id="282" r:id="rId16"/>
+    <p:sldId id="274" r:id="rId17"/>
   </p:sldIdLst>
   <p:sldSz cx="9144000" cy="6858000" type="screen4x3"/>
   <p:notesSz cx="6858000" cy="9144000"/>
@@ -142,7 +144,7 @@
 <file path=ppt/revisionInfo.xml><?xml version="1.0" encoding="utf-8"?>
 <p1510:revInfo xmlns:a="http://schemas.openxmlformats.org/drawingml/2006/main" xmlns:r="http://schemas.openxmlformats.org/officeDocument/2006/relationships" xmlns:p1510="http://schemas.microsoft.com/office/powerpoint/2015/10/main">
   <p1510:revLst>
-    <p1510:client id="{668BA428-5802-4083-A523-811327345F8C}" v="54" dt="2025-10-22T20:44:09.823"/>
+    <p1510:client id="{668BA428-5802-4083-A523-811327345F8C}" v="217" dt="2025-10-24T19:52:31.112"/>
   </p1510:revLst>
 </p1510:revInfo>
 </file>
@@ -152,18 +154,18 @@
   <pc:docChgLst>
     <pc:chgData name="Weiss Raphael" userId="3e22ddfc-305e-4818-afd2-461c131e7fef" providerId="ADAL" clId="{C58D6F28-9485-48BB-8FCA-CCB75D90EE27}"/>
     <pc:docChg chg="undo redo custSel addSld delSld modSld sldOrd">
-      <pc:chgData name="Weiss Raphael" userId="3e22ddfc-305e-4818-afd2-461c131e7fef" providerId="ADAL" clId="{C58D6F28-9485-48BB-8FCA-CCB75D90EE27}" dt="2025-10-23T10:02:48.149" v="2124" actId="113"/>
+      <pc:chgData name="Weiss Raphael" userId="3e22ddfc-305e-4818-afd2-461c131e7fef" providerId="ADAL" clId="{C58D6F28-9485-48BB-8FCA-CCB75D90EE27}" dt="2025-10-24T20:05:03.204" v="3678" actId="47"/>
       <pc:docMkLst>
         <pc:docMk/>
       </pc:docMkLst>
       <pc:sldChg chg="modSp mod">
-        <pc:chgData name="Weiss Raphael" userId="3e22ddfc-305e-4818-afd2-461c131e7fef" providerId="ADAL" clId="{C58D6F28-9485-48BB-8FCA-CCB75D90EE27}" dt="2025-10-19T14:30:09.613" v="895" actId="20577"/>
+        <pc:chgData name="Weiss Raphael" userId="3e22ddfc-305e-4818-afd2-461c131e7fef" providerId="ADAL" clId="{C58D6F28-9485-48BB-8FCA-CCB75D90EE27}" dt="2025-10-24T08:24:13.203" v="2328" actId="20577"/>
         <pc:sldMkLst>
           <pc:docMk/>
           <pc:sldMk cId="0" sldId="256"/>
         </pc:sldMkLst>
         <pc:spChg chg="mod">
-          <ac:chgData name="Weiss Raphael" userId="3e22ddfc-305e-4818-afd2-461c131e7fef" providerId="ADAL" clId="{C58D6F28-9485-48BB-8FCA-CCB75D90EE27}" dt="2025-10-19T14:16:11.357" v="769"/>
+          <ac:chgData name="Weiss Raphael" userId="3e22ddfc-305e-4818-afd2-461c131e7fef" providerId="ADAL" clId="{C58D6F28-9485-48BB-8FCA-CCB75D90EE27}" dt="2025-10-24T08:24:13.203" v="2328" actId="20577"/>
           <ac:spMkLst>
             <pc:docMk/>
             <pc:sldMk cId="0" sldId="256"/>
@@ -180,13 +182,13 @@
         </pc:spChg>
       </pc:sldChg>
       <pc:sldChg chg="modSp mod">
-        <pc:chgData name="Weiss Raphael" userId="3e22ddfc-305e-4818-afd2-461c131e7fef" providerId="ADAL" clId="{C58D6F28-9485-48BB-8FCA-CCB75D90EE27}" dt="2025-10-19T14:32:16.184" v="1006" actId="20577"/>
+        <pc:chgData name="Weiss Raphael" userId="3e22ddfc-305e-4818-afd2-461c131e7fef" providerId="ADAL" clId="{C58D6F28-9485-48BB-8FCA-CCB75D90EE27}" dt="2025-10-24T12:24:35.260" v="2337" actId="20577"/>
         <pc:sldMkLst>
           <pc:docMk/>
           <pc:sldMk cId="0" sldId="257"/>
         </pc:sldMkLst>
         <pc:spChg chg="mod">
-          <ac:chgData name="Weiss Raphael" userId="3e22ddfc-305e-4818-afd2-461c131e7fef" providerId="ADAL" clId="{C58D6F28-9485-48BB-8FCA-CCB75D90EE27}" dt="2025-10-19T14:32:16.184" v="1006" actId="20577"/>
+          <ac:chgData name="Weiss Raphael" userId="3e22ddfc-305e-4818-afd2-461c131e7fef" providerId="ADAL" clId="{C58D6F28-9485-48BB-8FCA-CCB75D90EE27}" dt="2025-10-24T12:24:35.260" v="2337" actId="20577"/>
           <ac:spMkLst>
             <pc:docMk/>
             <pc:sldMk cId="0" sldId="257"/>
@@ -194,8 +196,8 @@
           </ac:spMkLst>
         </pc:spChg>
       </pc:sldChg>
-      <pc:sldChg chg="modSp mod">
-        <pc:chgData name="Weiss Raphael" userId="3e22ddfc-305e-4818-afd2-461c131e7fef" providerId="ADAL" clId="{C58D6F28-9485-48BB-8FCA-CCB75D90EE27}" dt="2025-10-22T20:03:57.597" v="1903" actId="20577"/>
+      <pc:sldChg chg="modSp mod modAnim">
+        <pc:chgData name="Weiss Raphael" userId="3e22ddfc-305e-4818-afd2-461c131e7fef" providerId="ADAL" clId="{C58D6F28-9485-48BB-8FCA-CCB75D90EE27}" dt="2025-10-24T05:59:27.220" v="2145" actId="20577"/>
         <pc:sldMkLst>
           <pc:docMk/>
           <pc:sldMk cId="0" sldId="258"/>
@@ -209,7 +211,7 @@
           </ac:spMkLst>
         </pc:spChg>
         <pc:spChg chg="mod">
-          <ac:chgData name="Weiss Raphael" userId="3e22ddfc-305e-4818-afd2-461c131e7fef" providerId="ADAL" clId="{C58D6F28-9485-48BB-8FCA-CCB75D90EE27}" dt="2025-10-22T19:43:15.790" v="1797" actId="114"/>
+          <ac:chgData name="Weiss Raphael" userId="3e22ddfc-305e-4818-afd2-461c131e7fef" providerId="ADAL" clId="{C58D6F28-9485-48BB-8FCA-CCB75D90EE27}" dt="2025-10-24T05:59:27.220" v="2145" actId="20577"/>
           <ac:spMkLst>
             <pc:docMk/>
             <pc:sldMk cId="0" sldId="258"/>
@@ -270,8 +272,8 @@
           </ac:graphicFrameMkLst>
         </pc:graphicFrameChg>
       </pc:sldChg>
-      <pc:sldChg chg="addSp delSp modSp mod ord">
-        <pc:chgData name="Weiss Raphael" userId="3e22ddfc-305e-4818-afd2-461c131e7fef" providerId="ADAL" clId="{C58D6F28-9485-48BB-8FCA-CCB75D90EE27}" dt="2025-10-22T20:44:31.881" v="2051" actId="1076"/>
+      <pc:sldChg chg="addSp delSp modSp mod ord modAnim">
+        <pc:chgData name="Weiss Raphael" userId="3e22ddfc-305e-4818-afd2-461c131e7fef" providerId="ADAL" clId="{C58D6F28-9485-48BB-8FCA-CCB75D90EE27}" dt="2025-10-24T19:31:55.344" v="3203" actId="1076"/>
         <pc:sldMkLst>
           <pc:docMk/>
           <pc:sldMk cId="2040037930" sldId="273"/>
@@ -285,88 +287,40 @@
           </ac:spMkLst>
         </pc:spChg>
         <pc:spChg chg="add mod">
-          <ac:chgData name="Weiss Raphael" userId="3e22ddfc-305e-4818-afd2-461c131e7fef" providerId="ADAL" clId="{C58D6F28-9485-48BB-8FCA-CCB75D90EE27}" dt="2025-10-22T20:44:31.881" v="2051" actId="1076"/>
+          <ac:chgData name="Weiss Raphael" userId="3e22ddfc-305e-4818-afd2-461c131e7fef" providerId="ADAL" clId="{C58D6F28-9485-48BB-8FCA-CCB75D90EE27}" dt="2025-10-24T19:31:53.977" v="3202" actId="1076"/>
           <ac:spMkLst>
             <pc:docMk/>
             <pc:sldMk cId="2040037930" sldId="273"/>
             <ac:spMk id="16" creationId="{7923275E-6D50-9800-8B57-4E3569ED9665}"/>
           </ac:spMkLst>
         </pc:spChg>
-        <pc:picChg chg="del">
-          <ac:chgData name="Weiss Raphael" userId="3e22ddfc-305e-4818-afd2-461c131e7fef" providerId="ADAL" clId="{C58D6F28-9485-48BB-8FCA-CCB75D90EE27}" dt="2025-10-22T20:06:39.597" v="1904" actId="478"/>
-          <ac:picMkLst>
-            <pc:docMk/>
-            <pc:sldMk cId="2040037930" sldId="273"/>
-            <ac:picMk id="4" creationId="{D4643140-D700-9A6E-D4B9-2BEB325D9A5B}"/>
-          </ac:picMkLst>
-        </pc:picChg>
         <pc:picChg chg="add mod">
-          <ac:chgData name="Weiss Raphael" userId="3e22ddfc-305e-4818-afd2-461c131e7fef" providerId="ADAL" clId="{C58D6F28-9485-48BB-8FCA-CCB75D90EE27}" dt="2025-10-22T20:06:44.609" v="1911" actId="1076"/>
+          <ac:chgData name="Weiss Raphael" userId="3e22ddfc-305e-4818-afd2-461c131e7fef" providerId="ADAL" clId="{C58D6F28-9485-48BB-8FCA-CCB75D90EE27}" dt="2025-10-24T19:30:51.804" v="3193" actId="1076"/>
           <ac:picMkLst>
             <pc:docMk/>
             <pc:sldMk cId="2040037930" sldId="273"/>
             <ac:picMk id="5" creationId="{32E2C73C-F0B1-3C62-A973-0E0146B529C1}"/>
           </ac:picMkLst>
         </pc:picChg>
-        <pc:picChg chg="del">
-          <ac:chgData name="Weiss Raphael" userId="3e22ddfc-305e-4818-afd2-461c131e7fef" providerId="ADAL" clId="{C58D6F28-9485-48BB-8FCA-CCB75D90EE27}" dt="2025-10-22T20:06:40.064" v="1905" actId="478"/>
-          <ac:picMkLst>
-            <pc:docMk/>
-            <pc:sldMk cId="2040037930" sldId="273"/>
-            <ac:picMk id="6" creationId="{76E95FEB-3464-B479-087F-8E7D78C27972}"/>
-          </ac:picMkLst>
-        </pc:picChg>
-        <pc:picChg chg="del">
-          <ac:chgData name="Weiss Raphael" userId="3e22ddfc-305e-4818-afd2-461c131e7fef" providerId="ADAL" clId="{C58D6F28-9485-48BB-8FCA-CCB75D90EE27}" dt="2025-10-22T20:06:40.412" v="1906" actId="478"/>
-          <ac:picMkLst>
-            <pc:docMk/>
-            <pc:sldMk cId="2040037930" sldId="273"/>
-            <ac:picMk id="8" creationId="{56C5C845-3852-F33F-4381-3BACBD9DFD2F}"/>
-          </ac:picMkLst>
-        </pc:picChg>
         <pc:picChg chg="add mod">
-          <ac:chgData name="Weiss Raphael" userId="3e22ddfc-305e-4818-afd2-461c131e7fef" providerId="ADAL" clId="{C58D6F28-9485-48BB-8FCA-CCB75D90EE27}" dt="2025-10-22T20:44:20.737" v="2047" actId="1076"/>
+          <ac:chgData name="Weiss Raphael" userId="3e22ddfc-305e-4818-afd2-461c131e7fef" providerId="ADAL" clId="{C58D6F28-9485-48BB-8FCA-CCB75D90EE27}" dt="2025-10-24T19:31:05.722" v="3195" actId="1076"/>
           <ac:picMkLst>
             <pc:docMk/>
             <pc:sldMk cId="2040037930" sldId="273"/>
             <ac:picMk id="9" creationId="{5F630E76-4D4D-3ECD-353D-22969D8C121D}"/>
           </ac:picMkLst>
         </pc:picChg>
-        <pc:picChg chg="del">
-          <ac:chgData name="Weiss Raphael" userId="3e22ddfc-305e-4818-afd2-461c131e7fef" providerId="ADAL" clId="{C58D6F28-9485-48BB-8FCA-CCB75D90EE27}" dt="2025-10-22T20:06:41.463" v="1909" actId="478"/>
-          <ac:picMkLst>
-            <pc:docMk/>
-            <pc:sldMk cId="2040037930" sldId="273"/>
-            <ac:picMk id="10" creationId="{2B50D3A5-1431-67C0-C6C3-01129E32CEEC}"/>
-          </ac:picMkLst>
-        </pc:picChg>
         <pc:picChg chg="add mod">
-          <ac:chgData name="Weiss Raphael" userId="3e22ddfc-305e-4818-afd2-461c131e7fef" providerId="ADAL" clId="{C58D6F28-9485-48BB-8FCA-CCB75D90EE27}" dt="2025-10-22T20:44:22.678" v="2048" actId="1076"/>
+          <ac:chgData name="Weiss Raphael" userId="3e22ddfc-305e-4818-afd2-461c131e7fef" providerId="ADAL" clId="{C58D6F28-9485-48BB-8FCA-CCB75D90EE27}" dt="2025-10-24T19:31:55.344" v="3203" actId="1076"/>
           <ac:picMkLst>
             <pc:docMk/>
             <pc:sldMk cId="2040037930" sldId="273"/>
             <ac:picMk id="12" creationId="{56CB1110-1828-C31E-87A7-571AF88856FE}"/>
           </ac:picMkLst>
         </pc:picChg>
-        <pc:picChg chg="del">
-          <ac:chgData name="Weiss Raphael" userId="3e22ddfc-305e-4818-afd2-461c131e7fef" providerId="ADAL" clId="{C58D6F28-9485-48BB-8FCA-CCB75D90EE27}" dt="2025-10-22T20:06:41.147" v="1908" actId="478"/>
-          <ac:picMkLst>
-            <pc:docMk/>
-            <pc:sldMk cId="2040037930" sldId="273"/>
-            <ac:picMk id="13" creationId="{8A86CC34-8E72-CC86-AD9C-B00BF68BBD1C}"/>
-          </ac:picMkLst>
-        </pc:picChg>
-        <pc:picChg chg="del">
-          <ac:chgData name="Weiss Raphael" userId="3e22ddfc-305e-4818-afd2-461c131e7fef" providerId="ADAL" clId="{C58D6F28-9485-48BB-8FCA-CCB75D90EE27}" dt="2025-10-22T20:06:40.784" v="1907" actId="478"/>
-          <ac:picMkLst>
-            <pc:docMk/>
-            <pc:sldMk cId="2040037930" sldId="273"/>
-            <ac:picMk id="15" creationId="{5CA954F7-D87C-7183-B186-59F7CD72CB8A}"/>
-          </ac:picMkLst>
-        </pc:picChg>
       </pc:sldChg>
       <pc:sldChg chg="addSp delSp modSp mod">
-        <pc:chgData name="Weiss Raphael" userId="3e22ddfc-305e-4818-afd2-461c131e7fef" providerId="ADAL" clId="{C58D6F28-9485-48BB-8FCA-CCB75D90EE27}" dt="2025-10-23T10:02:48.149" v="2124" actId="113"/>
+        <pc:chgData name="Weiss Raphael" userId="3e22ddfc-305e-4818-afd2-461c131e7fef" providerId="ADAL" clId="{C58D6F28-9485-48BB-8FCA-CCB75D90EE27}" dt="2025-10-24T19:52:06.264" v="3660" actId="20577"/>
         <pc:sldMkLst>
           <pc:docMk/>
           <pc:sldMk cId="2297258433" sldId="274"/>
@@ -380,7 +334,7 @@
           </ac:spMkLst>
         </pc:spChg>
         <pc:graphicFrameChg chg="mod modGraphic">
-          <ac:chgData name="Weiss Raphael" userId="3e22ddfc-305e-4818-afd2-461c131e7fef" providerId="ADAL" clId="{C58D6F28-9485-48BB-8FCA-CCB75D90EE27}" dt="2025-10-23T10:02:48.149" v="2124" actId="113"/>
+          <ac:chgData name="Weiss Raphael" userId="3e22ddfc-305e-4818-afd2-461c131e7fef" providerId="ADAL" clId="{C58D6F28-9485-48BB-8FCA-CCB75D90EE27}" dt="2025-10-24T19:52:06.264" v="3660" actId="20577"/>
           <ac:graphicFrameMkLst>
             <pc:docMk/>
             <pc:sldMk cId="2297258433" sldId="274"/>
@@ -417,14 +371,6 @@
           <pc:docMk/>
           <pc:sldMk cId="606213314" sldId="276"/>
         </pc:sldMkLst>
-        <pc:picChg chg="add del mod modCrop">
-          <ac:chgData name="Weiss Raphael" userId="3e22ddfc-305e-4818-afd2-461c131e7fef" providerId="ADAL" clId="{C58D6F28-9485-48BB-8FCA-CCB75D90EE27}" dt="2025-10-22T20:31:13.736" v="2008" actId="478"/>
-          <ac:picMkLst>
-            <pc:docMk/>
-            <pc:sldMk cId="606213314" sldId="276"/>
-            <ac:picMk id="4" creationId="{0D11ED93-C200-C1B1-C753-3BE1CF6BBF97}"/>
-          </ac:picMkLst>
-        </pc:picChg>
         <pc:picChg chg="add mod modCrop">
           <ac:chgData name="Weiss Raphael" userId="3e22ddfc-305e-4818-afd2-461c131e7fef" providerId="ADAL" clId="{C58D6F28-9485-48BB-8FCA-CCB75D90EE27}" dt="2025-10-22T20:31:38.348" v="2015" actId="14100"/>
           <ac:picMkLst>
@@ -440,14 +386,6 @@
           <pc:docMk/>
           <pc:sldMk cId="1345667485" sldId="277"/>
         </pc:sldMkLst>
-        <pc:picChg chg="add del mod modCrop">
-          <ac:chgData name="Weiss Raphael" userId="3e22ddfc-305e-4818-afd2-461c131e7fef" providerId="ADAL" clId="{C58D6F28-9485-48BB-8FCA-CCB75D90EE27}" dt="2025-10-22T20:30:26.088" v="1997" actId="478"/>
-          <ac:picMkLst>
-            <pc:docMk/>
-            <pc:sldMk cId="1345667485" sldId="277"/>
-            <ac:picMk id="4" creationId="{D7E80AEA-4A75-23E3-26DB-C1FB8A9E9F38}"/>
-          </ac:picMkLst>
-        </pc:picChg>
         <pc:picChg chg="add mod modCrop">
           <ac:chgData name="Weiss Raphael" userId="3e22ddfc-305e-4818-afd2-461c131e7fef" providerId="ADAL" clId="{C58D6F28-9485-48BB-8FCA-CCB75D90EE27}" dt="2025-10-22T20:32:04.833" v="2018" actId="14100"/>
           <ac:picMkLst>
@@ -458,93 +396,21 @@
         </pc:picChg>
       </pc:sldChg>
       <pc:sldChg chg="addSp delSp modSp mod">
-        <pc:chgData name="Weiss Raphael" userId="3e22ddfc-305e-4818-afd2-461c131e7fef" providerId="ADAL" clId="{C58D6F28-9485-48BB-8FCA-CCB75D90EE27}" dt="2025-10-22T20:28:35.191" v="1996" actId="22"/>
+        <pc:chgData name="Weiss Raphael" userId="3e22ddfc-305e-4818-afd2-461c131e7fef" providerId="ADAL" clId="{C58D6F28-9485-48BB-8FCA-CCB75D90EE27}" dt="2025-10-24T07:16:49.779" v="2243" actId="22"/>
         <pc:sldMkLst>
           <pc:docMk/>
           <pc:sldMk cId="3871077788" sldId="278"/>
         </pc:sldMkLst>
-        <pc:picChg chg="add del mod modCrop">
-          <ac:chgData name="Weiss Raphael" userId="3e22ddfc-305e-4818-afd2-461c131e7fef" providerId="ADAL" clId="{C58D6F28-9485-48BB-8FCA-CCB75D90EE27}" dt="2025-10-22T20:19:38.046" v="1993" actId="478"/>
+        <pc:picChg chg="add">
+          <ac:chgData name="Weiss Raphael" userId="3e22ddfc-305e-4818-afd2-461c131e7fef" providerId="ADAL" clId="{C58D6F28-9485-48BB-8FCA-CCB75D90EE27}" dt="2025-10-24T07:16:49.779" v="2243" actId="22"/>
           <ac:picMkLst>
             <pc:docMk/>
             <pc:sldMk cId="3871077788" sldId="278"/>
-            <ac:picMk id="4" creationId="{A72164E0-082E-157D-9313-3FBD89D70D8E}"/>
-          </ac:picMkLst>
-        </pc:picChg>
-        <pc:picChg chg="add del mod modCrop">
-          <ac:chgData name="Weiss Raphael" userId="3e22ddfc-305e-4818-afd2-461c131e7fef" providerId="ADAL" clId="{C58D6F28-9485-48BB-8FCA-CCB75D90EE27}" dt="2025-10-22T20:19:36.606" v="1991" actId="478"/>
-          <ac:picMkLst>
-            <pc:docMk/>
-            <pc:sldMk cId="3871077788" sldId="278"/>
-            <ac:picMk id="6" creationId="{DCEF5D9C-F9C9-030B-FEE5-95EC5A9BDA95}"/>
-          </ac:picMkLst>
-        </pc:picChg>
-        <pc:picChg chg="add del mod">
-          <ac:chgData name="Weiss Raphael" userId="3e22ddfc-305e-4818-afd2-461c131e7fef" providerId="ADAL" clId="{C58D6F28-9485-48BB-8FCA-CCB75D90EE27}" dt="2025-10-22T17:01:27.439" v="1091" actId="478"/>
-          <ac:picMkLst>
-            <pc:docMk/>
-            <pc:sldMk cId="3871077788" sldId="278"/>
-            <ac:picMk id="7" creationId="{B81F8817-B820-F05C-954C-63D0870EBFD0}"/>
-          </ac:picMkLst>
-        </pc:picChg>
-        <pc:picChg chg="add del mod">
-          <ac:chgData name="Weiss Raphael" userId="3e22ddfc-305e-4818-afd2-461c131e7fef" providerId="ADAL" clId="{C58D6F28-9485-48BB-8FCA-CCB75D90EE27}" dt="2025-10-22T16:57:03.430" v="1080" actId="478"/>
-          <ac:picMkLst>
-            <pc:docMk/>
-            <pc:sldMk cId="3871077788" sldId="278"/>
-            <ac:picMk id="9" creationId="{3C26E8CC-286A-69E8-0AE1-C9E2B168DC66}"/>
-          </ac:picMkLst>
-        </pc:picChg>
-        <pc:picChg chg="add del mod modCrop">
-          <ac:chgData name="Weiss Raphael" userId="3e22ddfc-305e-4818-afd2-461c131e7fef" providerId="ADAL" clId="{C58D6F28-9485-48BB-8FCA-CCB75D90EE27}" dt="2025-10-22T17:15:45.820" v="1168" actId="478"/>
-          <ac:picMkLst>
-            <pc:docMk/>
-            <pc:sldMk cId="3871077788" sldId="278"/>
-            <ac:picMk id="10" creationId="{B421F108-B579-F527-8880-CBD80BB30D71}"/>
-          </ac:picMkLst>
-        </pc:picChg>
-        <pc:picChg chg="add del mod">
-          <ac:chgData name="Weiss Raphael" userId="3e22ddfc-305e-4818-afd2-461c131e7fef" providerId="ADAL" clId="{C58D6F28-9485-48BB-8FCA-CCB75D90EE27}" dt="2025-10-22T17:01:34.195" v="1092" actId="478"/>
-          <ac:picMkLst>
-            <pc:docMk/>
-            <pc:sldMk cId="3871077788" sldId="278"/>
-            <ac:picMk id="11" creationId="{59A09DB8-CEDD-BA76-6651-8C1B5D6A6EC5}"/>
-          </ac:picMkLst>
-        </pc:picChg>
-        <pc:picChg chg="add del mod">
-          <ac:chgData name="Weiss Raphael" userId="3e22ddfc-305e-4818-afd2-461c131e7fef" providerId="ADAL" clId="{C58D6F28-9485-48BB-8FCA-CCB75D90EE27}" dt="2025-10-22T20:19:37.371" v="1992" actId="478"/>
-          <ac:picMkLst>
-            <pc:docMk/>
-            <pc:sldMk cId="3871077788" sldId="278"/>
-            <ac:picMk id="13" creationId="{533B886D-2FF0-DD79-9457-0336F07A22C6}"/>
-          </ac:picMkLst>
-        </pc:picChg>
-        <pc:picChg chg="add del mod modCrop">
-          <ac:chgData name="Weiss Raphael" userId="3e22ddfc-305e-4818-afd2-461c131e7fef" providerId="ADAL" clId="{C58D6F28-9485-48BB-8FCA-CCB75D90EE27}" dt="2025-10-22T17:18:56.612" v="1176" actId="478"/>
-          <ac:picMkLst>
-            <pc:docMk/>
-            <pc:sldMk cId="3871077788" sldId="278"/>
-            <ac:picMk id="15" creationId="{619E4D76-3368-6A5E-895D-8C0698CF29D9}"/>
-          </ac:picMkLst>
-        </pc:picChg>
-        <pc:picChg chg="add del mod modCrop">
-          <ac:chgData name="Weiss Raphael" userId="3e22ddfc-305e-4818-afd2-461c131e7fef" providerId="ADAL" clId="{C58D6F28-9485-48BB-8FCA-CCB75D90EE27}" dt="2025-10-22T20:19:35.982" v="1990" actId="478"/>
-          <ac:picMkLst>
-            <pc:docMk/>
-            <pc:sldMk cId="3871077788" sldId="278"/>
-            <ac:picMk id="17" creationId="{84B5C694-4418-B768-5280-E626B8561E94}"/>
+            <ac:picMk id="4" creationId="{AA948FE5-F891-09BD-EF98-81BA9079B50F}"/>
           </ac:picMkLst>
         </pc:picChg>
         <pc:picChg chg="add del">
-          <ac:chgData name="Weiss Raphael" userId="3e22ddfc-305e-4818-afd2-461c131e7fef" providerId="ADAL" clId="{C58D6F28-9485-48BB-8FCA-CCB75D90EE27}" dt="2025-10-22T20:28:35.060" v="1995" actId="478"/>
-          <ac:picMkLst>
-            <pc:docMk/>
-            <pc:sldMk cId="3871077788" sldId="278"/>
-            <ac:picMk id="19" creationId="{8A14CBD2-FB5E-72CD-D5CA-58EB552D715C}"/>
-          </ac:picMkLst>
-        </pc:picChg>
-        <pc:picChg chg="add">
-          <ac:chgData name="Weiss Raphael" userId="3e22ddfc-305e-4818-afd2-461c131e7fef" providerId="ADAL" clId="{C58D6F28-9485-48BB-8FCA-CCB75D90EE27}" dt="2025-10-22T20:28:35.191" v="1996" actId="22"/>
+          <ac:chgData name="Weiss Raphael" userId="3e22ddfc-305e-4818-afd2-461c131e7fef" providerId="ADAL" clId="{C58D6F28-9485-48BB-8FCA-CCB75D90EE27}" dt="2025-10-24T07:16:49.380" v="2242" actId="478"/>
           <ac:picMkLst>
             <pc:docMk/>
             <pc:sldMk cId="3871077788" sldId="278"/>
@@ -574,14 +440,6 @@
             <ac:picMk id="4" creationId="{4260DBA4-0738-F14F-6AC2-68E086094B70}"/>
           </ac:picMkLst>
         </pc:picChg>
-        <pc:picChg chg="del">
-          <ac:chgData name="Weiss Raphael" userId="3e22ddfc-305e-4818-afd2-461c131e7fef" providerId="ADAL" clId="{C58D6F28-9485-48BB-8FCA-CCB75D90EE27}" dt="2025-10-22T20:11:47.384" v="1982" actId="478"/>
-          <ac:picMkLst>
-            <pc:docMk/>
-            <pc:sldMk cId="432339490" sldId="279"/>
-            <ac:picMk id="17" creationId="{B4CB950F-3763-7B80-15DE-B64BFF9286EF}"/>
-          </ac:picMkLst>
-        </pc:picChg>
       </pc:sldChg>
       <pc:sldChg chg="addSp delSp modSp new mod ord">
         <pc:chgData name="Weiss Raphael" userId="3e22ddfc-305e-4818-afd2-461c131e7fef" providerId="ADAL" clId="{C58D6F28-9485-48BB-8FCA-CCB75D90EE27}" dt="2025-10-19T14:30:54.990" v="908" actId="1076"/>
@@ -598,12 +456,240 @@
           </ac:spMkLst>
         </pc:spChg>
       </pc:sldChg>
-      <pc:sldChg chg="add mod modShow">
-        <pc:chgData name="Weiss Raphael" userId="3e22ddfc-305e-4818-afd2-461c131e7fef" providerId="ADAL" clId="{C58D6F28-9485-48BB-8FCA-CCB75D90EE27}" dt="2025-10-22T20:19:32.640" v="1989" actId="729"/>
+      <pc:sldChg chg="addSp delSp modSp add mod delAnim modAnim modShow">
+        <pc:chgData name="Weiss Raphael" userId="3e22ddfc-305e-4818-afd2-461c131e7fef" providerId="ADAL" clId="{C58D6F28-9485-48BB-8FCA-CCB75D90EE27}" dt="2025-10-24T07:10:44.714" v="2241"/>
         <pc:sldMkLst>
           <pc:docMk/>
           <pc:sldMk cId="3338374624" sldId="281"/>
         </pc:sldMkLst>
+        <pc:picChg chg="del">
+          <ac:chgData name="Weiss Raphael" userId="3e22ddfc-305e-4818-afd2-461c131e7fef" providerId="ADAL" clId="{C58D6F28-9485-48BB-8FCA-CCB75D90EE27}" dt="2025-10-24T06:32:53.855" v="2149" actId="21"/>
+          <ac:picMkLst>
+            <pc:docMk/>
+            <pc:sldMk cId="3338374624" sldId="281"/>
+            <ac:picMk id="4" creationId="{AEEC0607-4D34-81DB-3469-64C5A8433FD0}"/>
+          </ac:picMkLst>
+        </pc:picChg>
+        <pc:picChg chg="add del mod modCrop">
+          <ac:chgData name="Weiss Raphael" userId="3e22ddfc-305e-4818-afd2-461c131e7fef" providerId="ADAL" clId="{C58D6F28-9485-48BB-8FCA-CCB75D90EE27}" dt="2025-10-24T06:37:21.477" v="2166" actId="478"/>
+          <ac:picMkLst>
+            <pc:docMk/>
+            <pc:sldMk cId="3338374624" sldId="281"/>
+            <ac:picMk id="5" creationId="{F2982814-7FBB-1258-A781-91BC0FB0A099}"/>
+          </ac:picMkLst>
+        </pc:picChg>
+        <pc:picChg chg="del mod">
+          <ac:chgData name="Weiss Raphael" userId="3e22ddfc-305e-4818-afd2-461c131e7fef" providerId="ADAL" clId="{C58D6F28-9485-48BB-8FCA-CCB75D90EE27}" dt="2025-10-24T06:38:43.212" v="2171" actId="478"/>
+          <ac:picMkLst>
+            <pc:docMk/>
+            <pc:sldMk cId="3338374624" sldId="281"/>
+            <ac:picMk id="6" creationId="{F69B6F88-58B9-BE9F-04CE-23D21141C045}"/>
+          </ac:picMkLst>
+        </pc:picChg>
+        <pc:picChg chg="add del mod modCrop">
+          <ac:chgData name="Weiss Raphael" userId="3e22ddfc-305e-4818-afd2-461c131e7fef" providerId="ADAL" clId="{C58D6F28-9485-48BB-8FCA-CCB75D90EE27}" dt="2025-10-24T06:45:59.045" v="2198" actId="478"/>
+          <ac:picMkLst>
+            <pc:docMk/>
+            <pc:sldMk cId="3338374624" sldId="281"/>
+            <ac:picMk id="8" creationId="{23048198-2622-C7B0-D139-16EFFFE0154B}"/>
+          </ac:picMkLst>
+        </pc:picChg>
+        <pc:picChg chg="add mod modCrop">
+          <ac:chgData name="Weiss Raphael" userId="3e22ddfc-305e-4818-afd2-461c131e7fef" providerId="ADAL" clId="{C58D6F28-9485-48BB-8FCA-CCB75D90EE27}" dt="2025-10-24T07:09:55.418" v="2229" actId="732"/>
+          <ac:picMkLst>
+            <pc:docMk/>
+            <pc:sldMk cId="3338374624" sldId="281"/>
+            <ac:picMk id="10" creationId="{34ED3022-A56A-883E-D808-9A77C960DB46}"/>
+          </ac:picMkLst>
+        </pc:picChg>
+        <pc:picChg chg="add mod modCrop">
+          <ac:chgData name="Weiss Raphael" userId="3e22ddfc-305e-4818-afd2-461c131e7fef" providerId="ADAL" clId="{C58D6F28-9485-48BB-8FCA-CCB75D90EE27}" dt="2025-10-24T07:10:08.963" v="2234" actId="1076"/>
+          <ac:picMkLst>
+            <pc:docMk/>
+            <pc:sldMk cId="3338374624" sldId="281"/>
+            <ac:picMk id="12" creationId="{8A2D4D93-C41A-BE13-5F86-5D2AFFB6222F}"/>
+          </ac:picMkLst>
+        </pc:picChg>
+        <pc:picChg chg="del mod">
+          <ac:chgData name="Weiss Raphael" userId="3e22ddfc-305e-4818-afd2-461c131e7fef" providerId="ADAL" clId="{C58D6F28-9485-48BB-8FCA-CCB75D90EE27}" dt="2025-10-24T06:40:54.409" v="2182" actId="478"/>
+          <ac:picMkLst>
+            <pc:docMk/>
+            <pc:sldMk cId="3338374624" sldId="281"/>
+            <ac:picMk id="13" creationId="{E6BD1207-2825-C6F7-E865-E8727640CCBD}"/>
+          </ac:picMkLst>
+        </pc:picChg>
+        <pc:picChg chg="add del mod modCrop">
+          <ac:chgData name="Weiss Raphael" userId="3e22ddfc-305e-4818-afd2-461c131e7fef" providerId="ADAL" clId="{C58D6F28-9485-48BB-8FCA-CCB75D90EE27}" dt="2025-10-24T06:44:55.287" v="2190" actId="478"/>
+          <ac:picMkLst>
+            <pc:docMk/>
+            <pc:sldMk cId="3338374624" sldId="281"/>
+            <ac:picMk id="15" creationId="{360FC1DB-8C36-17F5-01FB-0C8D630FF004}"/>
+          </ac:picMkLst>
+        </pc:picChg>
+        <pc:picChg chg="del">
+          <ac:chgData name="Weiss Raphael" userId="3e22ddfc-305e-4818-afd2-461c131e7fef" providerId="ADAL" clId="{C58D6F28-9485-48BB-8FCA-CCB75D90EE27}" dt="2025-10-24T06:39:06.485" v="2174" actId="478"/>
+          <ac:picMkLst>
+            <pc:docMk/>
+            <pc:sldMk cId="3338374624" sldId="281"/>
+            <ac:picMk id="17" creationId="{47201D0B-654A-1A0C-D38B-35E4CB6BE346}"/>
+          </ac:picMkLst>
+        </pc:picChg>
+        <pc:picChg chg="add mod modCrop">
+          <ac:chgData name="Weiss Raphael" userId="3e22ddfc-305e-4818-afd2-461c131e7fef" providerId="ADAL" clId="{C58D6F28-9485-48BB-8FCA-CCB75D90EE27}" dt="2025-10-24T06:47:13.589" v="2207" actId="14100"/>
+          <ac:picMkLst>
+            <pc:docMk/>
+            <pc:sldMk cId="3338374624" sldId="281"/>
+            <ac:picMk id="18" creationId="{0E847036-3B42-E0F9-854D-B060D8EC4E1C}"/>
+          </ac:picMkLst>
+        </pc:picChg>
+        <pc:picChg chg="add mod modCrop">
+          <ac:chgData name="Weiss Raphael" userId="3e22ddfc-305e-4818-afd2-461c131e7fef" providerId="ADAL" clId="{C58D6F28-9485-48BB-8FCA-CCB75D90EE27}" dt="2025-10-24T07:10:10.548" v="2235" actId="1076"/>
+          <ac:picMkLst>
+            <pc:docMk/>
+            <pc:sldMk cId="3338374624" sldId="281"/>
+            <ac:picMk id="20" creationId="{12EC8082-2191-59A4-F05B-84BE5C461431}"/>
+          </ac:picMkLst>
+        </pc:picChg>
+        <pc:picChg chg="add mod modCrop">
+          <ac:chgData name="Weiss Raphael" userId="3e22ddfc-305e-4818-afd2-461c131e7fef" providerId="ADAL" clId="{C58D6F28-9485-48BB-8FCA-CCB75D90EE27}" dt="2025-10-24T07:10:12.790" v="2236" actId="1076"/>
+          <ac:picMkLst>
+            <pc:docMk/>
+            <pc:sldMk cId="3338374624" sldId="281"/>
+            <ac:picMk id="22" creationId="{8C88B2FC-A900-389D-7407-9DDA0405BEB8}"/>
+          </ac:picMkLst>
+        </pc:picChg>
+      </pc:sldChg>
+      <pc:sldChg chg="addSp delSp modSp add mod modAnim">
+        <pc:chgData name="Weiss Raphael" userId="3e22ddfc-305e-4818-afd2-461c131e7fef" providerId="ADAL" clId="{C58D6F28-9485-48BB-8FCA-CCB75D90EE27}" dt="2025-10-24T06:33:23.146" v="2154" actId="1076"/>
+        <pc:sldMkLst>
+          <pc:docMk/>
+          <pc:sldMk cId="141315026" sldId="282"/>
+        </pc:sldMkLst>
+        <pc:spChg chg="del">
+          <ac:chgData name="Weiss Raphael" userId="3e22ddfc-305e-4818-afd2-461c131e7fef" providerId="ADAL" clId="{C58D6F28-9485-48BB-8FCA-CCB75D90EE27}" dt="2025-10-24T06:33:16.847" v="2151" actId="478"/>
+          <ac:spMkLst>
+            <pc:docMk/>
+            <pc:sldMk cId="141315026" sldId="282"/>
+            <ac:spMk id="3" creationId="{27731854-7414-BA29-3568-9FC87CEFD0D2}"/>
+          </ac:spMkLst>
+        </pc:spChg>
+        <pc:spChg chg="add del mod">
+          <ac:chgData name="Weiss Raphael" userId="3e22ddfc-305e-4818-afd2-461c131e7fef" providerId="ADAL" clId="{C58D6F28-9485-48BB-8FCA-CCB75D90EE27}" dt="2025-10-24T06:33:20.070" v="2152" actId="478"/>
+          <ac:spMkLst>
+            <pc:docMk/>
+            <pc:sldMk cId="141315026" sldId="282"/>
+            <ac:spMk id="5" creationId="{03543ABE-148B-6E88-ABC4-D185903FDECB}"/>
+          </ac:spMkLst>
+        </pc:spChg>
+        <pc:picChg chg="add mod">
+          <ac:chgData name="Weiss Raphael" userId="3e22ddfc-305e-4818-afd2-461c131e7fef" providerId="ADAL" clId="{C58D6F28-9485-48BB-8FCA-CCB75D90EE27}" dt="2025-10-24T06:33:23.146" v="2154" actId="1076"/>
+          <ac:picMkLst>
+            <pc:docMk/>
+            <pc:sldMk cId="141315026" sldId="282"/>
+            <ac:picMk id="6" creationId="{AEEC0607-4D34-81DB-3469-64C5A8433FD0}"/>
+          </ac:picMkLst>
+        </pc:picChg>
+      </pc:sldChg>
+      <pc:sldChg chg="addSp modSp add del mod modAnim">
+        <pc:chgData name="Weiss Raphael" userId="3e22ddfc-305e-4818-afd2-461c131e7fef" providerId="ADAL" clId="{C58D6F28-9485-48BB-8FCA-CCB75D90EE27}" dt="2025-10-24T19:43:36.661" v="3480" actId="47"/>
+        <pc:sldMkLst>
+          <pc:docMk/>
+          <pc:sldMk cId="3820787029" sldId="283"/>
+        </pc:sldMkLst>
+        <pc:spChg chg="mod">
+          <ac:chgData name="Weiss Raphael" userId="3e22ddfc-305e-4818-afd2-461c131e7fef" providerId="ADAL" clId="{C58D6F28-9485-48BB-8FCA-CCB75D90EE27}" dt="2025-10-24T12:24:54.359" v="2345" actId="20577"/>
+          <ac:spMkLst>
+            <pc:docMk/>
+            <pc:sldMk cId="3820787029" sldId="283"/>
+            <ac:spMk id="2" creationId="{D8B11A61-6AD5-91C1-DCAA-1AFD9D1EF5B3}"/>
+          </ac:spMkLst>
+        </pc:spChg>
+        <pc:spChg chg="mod">
+          <ac:chgData name="Weiss Raphael" userId="3e22ddfc-305e-4818-afd2-461c131e7fef" providerId="ADAL" clId="{C58D6F28-9485-48BB-8FCA-CCB75D90EE27}" dt="2025-10-24T19:36:04.048" v="3324" actId="113"/>
+          <ac:spMkLst>
+            <pc:docMk/>
+            <pc:sldMk cId="3820787029" sldId="283"/>
+            <ac:spMk id="3" creationId="{FEFE27DD-8E4B-E34C-31BC-F2A06A63E166}"/>
+          </ac:spMkLst>
+        </pc:spChg>
+        <pc:spChg chg="mod">
+          <ac:chgData name="Weiss Raphael" userId="3e22ddfc-305e-4818-afd2-461c131e7fef" providerId="ADAL" clId="{C58D6F28-9485-48BB-8FCA-CCB75D90EE27}" dt="2025-10-24T19:34:54.057" v="3300" actId="20577"/>
+          <ac:spMkLst>
+            <pc:docMk/>
+            <pc:sldMk cId="3820787029" sldId="283"/>
+            <ac:spMk id="4" creationId="{2FDB0261-1E18-95EF-A757-5441FA1DFCBD}"/>
+          </ac:spMkLst>
+        </pc:spChg>
+        <pc:spChg chg="add mod">
+          <ac:chgData name="Weiss Raphael" userId="3e22ddfc-305e-4818-afd2-461c131e7fef" providerId="ADAL" clId="{C58D6F28-9485-48BB-8FCA-CCB75D90EE27}" dt="2025-10-24T19:34:33.046" v="3276" actId="1076"/>
+          <ac:spMkLst>
+            <pc:docMk/>
+            <pc:sldMk cId="3820787029" sldId="283"/>
+            <ac:spMk id="5" creationId="{2330B17D-8749-9F2B-F9AD-A047F3476B5A}"/>
+          </ac:spMkLst>
+        </pc:spChg>
+      </pc:sldChg>
+      <pc:sldChg chg="addSp delSp modSp add mod">
+        <pc:chgData name="Weiss Raphael" userId="3e22ddfc-305e-4818-afd2-461c131e7fef" providerId="ADAL" clId="{C58D6F28-9485-48BB-8FCA-CCB75D90EE27}" dt="2025-10-24T19:43:01.514" v="3479" actId="20577"/>
+        <pc:sldMkLst>
+          <pc:docMk/>
+          <pc:sldMk cId="2471419403" sldId="284"/>
+        </pc:sldMkLst>
+        <pc:spChg chg="add del mod">
+          <ac:chgData name="Weiss Raphael" userId="3e22ddfc-305e-4818-afd2-461c131e7fef" providerId="ADAL" clId="{C58D6F28-9485-48BB-8FCA-CCB75D90EE27}" dt="2025-10-24T19:36:56.032" v="3347" actId="478"/>
+          <ac:spMkLst>
+            <pc:docMk/>
+            <pc:sldMk cId="2471419403" sldId="284"/>
+            <ac:spMk id="3" creationId="{C9A4005C-7098-8935-5FA4-2DDD48F4B97A}"/>
+          </ac:spMkLst>
+        </pc:spChg>
+        <pc:spChg chg="mod">
+          <ac:chgData name="Weiss Raphael" userId="3e22ddfc-305e-4818-afd2-461c131e7fef" providerId="ADAL" clId="{C58D6F28-9485-48BB-8FCA-CCB75D90EE27}" dt="2025-10-24T19:38:27.761" v="3393" actId="27636"/>
+          <ac:spMkLst>
+            <pc:docMk/>
+            <pc:sldMk cId="2471419403" sldId="284"/>
+            <ac:spMk id="4" creationId="{DE253816-7C28-CE6D-0CE9-487A6C4333C0}"/>
+          </ac:spMkLst>
+        </pc:spChg>
+        <pc:spChg chg="add del mod">
+          <ac:chgData name="Weiss Raphael" userId="3e22ddfc-305e-4818-afd2-461c131e7fef" providerId="ADAL" clId="{C58D6F28-9485-48BB-8FCA-CCB75D90EE27}" dt="2025-10-24T19:36:51.027" v="3346" actId="478"/>
+          <ac:spMkLst>
+            <pc:docMk/>
+            <pc:sldMk cId="2471419403" sldId="284"/>
+            <ac:spMk id="7" creationId="{15ED4401-51E6-B389-C44E-669539D2A576}"/>
+          </ac:spMkLst>
+        </pc:spChg>
+        <pc:spChg chg="add mod">
+          <ac:chgData name="Weiss Raphael" userId="3e22ddfc-305e-4818-afd2-461c131e7fef" providerId="ADAL" clId="{C58D6F28-9485-48BB-8FCA-CCB75D90EE27}" dt="2025-10-24T19:43:01.514" v="3479" actId="20577"/>
+          <ac:spMkLst>
+            <pc:docMk/>
+            <pc:sldMk cId="2471419403" sldId="284"/>
+            <ac:spMk id="9" creationId="{2376C88F-A319-FE57-1B2A-4F2F17304F3D}"/>
+          </ac:spMkLst>
+        </pc:spChg>
+      </pc:sldChg>
+      <pc:sldChg chg="delSp modSp add del mod">
+        <pc:chgData name="Weiss Raphael" userId="3e22ddfc-305e-4818-afd2-461c131e7fef" providerId="ADAL" clId="{C58D6F28-9485-48BB-8FCA-CCB75D90EE27}" dt="2025-10-24T20:05:03.204" v="3678" actId="47"/>
+        <pc:sldMkLst>
+          <pc:docMk/>
+          <pc:sldMk cId="606823698" sldId="285"/>
+        </pc:sldMkLst>
+        <pc:spChg chg="mod">
+          <ac:chgData name="Weiss Raphael" userId="3e22ddfc-305e-4818-afd2-461c131e7fef" providerId="ADAL" clId="{C58D6F28-9485-48BB-8FCA-CCB75D90EE27}" dt="2025-10-24T19:52:42.673" v="3676" actId="20577"/>
+          <ac:spMkLst>
+            <pc:docMk/>
+            <pc:sldMk cId="606823698" sldId="285"/>
+            <ac:spMk id="2" creationId="{462D15B2-0E9B-0B6A-57B8-5ADD4D8C3AA8}"/>
+          </ac:spMkLst>
+        </pc:spChg>
+        <pc:graphicFrameChg chg="del">
+          <ac:chgData name="Weiss Raphael" userId="3e22ddfc-305e-4818-afd2-461c131e7fef" providerId="ADAL" clId="{C58D6F28-9485-48BB-8FCA-CCB75D90EE27}" dt="2025-10-24T19:52:45.858" v="3677" actId="478"/>
+          <ac:graphicFrameMkLst>
+            <pc:docMk/>
+            <pc:sldMk cId="606823698" sldId="285"/>
+            <ac:graphicFrameMk id="6" creationId="{3CBBC1E0-CF86-4761-4E6C-5F53E6D7C118}"/>
+          </ac:graphicFrameMkLst>
+        </pc:graphicFrameChg>
       </pc:sldChg>
     </pc:docChg>
   </pc:docChgLst>
@@ -692,7 +778,7 @@
           <a:p>
             <a:fld id="{85FA9D6F-9DB8-4C36-BD78-BC6F0F3EA98B}" type="datetimeFigureOut">
               <a:rPr lang="de-CH" smtClean="0"/>
-              <a:t>23.10.2025</a:t>
+              <a:t>24.10.2025</a:t>
             </a:fld>
             <a:endParaRPr lang="de-CH"/>
           </a:p>
@@ -1038,6 +1124,105 @@
         <p:cNvPr id="1" name="">
           <a:extLst>
             <a:ext uri="{FF2B5EF4-FFF2-40B4-BE49-F238E27FC236}">
+              <a16:creationId xmlns:a16="http://schemas.microsoft.com/office/drawing/2014/main" id="{8F277FE1-39F2-3F4C-6A43-9C65CD308131}"/>
+            </a:ext>
+          </a:extLst>
+        </p:cNvPr>
+        <p:cNvGrpSpPr/>
+        <p:nvPr/>
+      </p:nvGrpSpPr>
+      <p:grpSpPr>
+        <a:xfrm>
+          <a:off x="0" y="0"/>
+          <a:ext cx="0" cy="0"/>
+          <a:chOff x="0" y="0"/>
+          <a:chExt cx="0" cy="0"/>
+        </a:xfrm>
+      </p:grpSpPr>
+      <p:sp>
+        <p:nvSpPr>
+          <p:cNvPr id="2" name="Slide Image Placeholder 1">
+            <a:extLst>
+              <a:ext uri="{FF2B5EF4-FFF2-40B4-BE49-F238E27FC236}">
+                <a16:creationId xmlns:a16="http://schemas.microsoft.com/office/drawing/2014/main" id="{95C749D2-39FA-D5BD-A174-EB37D361B362}"/>
+              </a:ext>
+            </a:extLst>
+          </p:cNvPr>
+          <p:cNvSpPr>
+            <a:spLocks noGrp="1" noRot="1" noChangeAspect="1"/>
+          </p:cNvSpPr>
+          <p:nvPr>
+            <p:ph type="sldImg" idx="2"/>
+          </p:nvPr>
+        </p:nvSpPr>
+        <p:spPr/>
+      </p:sp>
+      <p:sp>
+        <p:nvSpPr>
+          <p:cNvPr id="3" name="Notes Placeholder 2">
+            <a:extLst>
+              <a:ext uri="{FF2B5EF4-FFF2-40B4-BE49-F238E27FC236}">
+                <a16:creationId xmlns:a16="http://schemas.microsoft.com/office/drawing/2014/main" id="{5308BB5D-60EE-28A5-B87D-EE4D6A8059D2}"/>
+              </a:ext>
+            </a:extLst>
+          </p:cNvPr>
+          <p:cNvSpPr>
+            <a:spLocks noGrp="1"/>
+          </p:cNvSpPr>
+          <p:nvPr>
+            <p:ph type="body" sz="quarter" idx="3"/>
+          </p:nvPr>
+        </p:nvSpPr>
+        <p:spPr/>
+        <p:txBody>
+          <a:bodyPr/>
+          <a:lstStyle/>
+          <a:p>
+            <a:r>
+              <a:t>Nenne Besonderheiten: Umlaute/Tokenisierung; Dialekt-Varianz; kleine Datensätze.</a:t>
+            </a:r>
+          </a:p>
+        </p:txBody>
+      </p:sp>
+      <p:sp>
+        <p:nvSpPr>
+          <p:cNvPr id="4" name="Slide Number Placeholder 3">
+            <a:extLst>
+              <a:ext uri="{FF2B5EF4-FFF2-40B4-BE49-F238E27FC236}">
+                <a16:creationId xmlns:a16="http://schemas.microsoft.com/office/drawing/2014/main" id="{BED373B5-3491-FE86-3CDA-A88EA0824619}"/>
+              </a:ext>
+            </a:extLst>
+          </p:cNvPr>
+          <p:cNvSpPr>
+            <a:spLocks noGrp="1"/>
+          </p:cNvSpPr>
+          <p:nvPr>
+            <p:ph type="sldNum" sz="quarter" idx="5"/>
+          </p:nvPr>
+        </p:nvSpPr>
+        <p:spPr/>
+      </p:sp>
+    </p:spTree>
+    <p:extLst>
+      <p:ext uri="{BB962C8B-B14F-4D97-AF65-F5344CB8AC3E}">
+        <p14:creationId xmlns:p14="http://schemas.microsoft.com/office/powerpoint/2010/main" val="865893529"/>
+      </p:ext>
+    </p:extLst>
+  </p:cSld>
+  <p:clrMapOvr>
+    <a:masterClrMapping/>
+  </p:clrMapOvr>
+</p:notes>
+</file>
+
+<file path=ppt/notesSlides/notesSlide11.xml><?xml version="1.0" encoding="utf-8"?>
+<p:notes xmlns:a="http://schemas.openxmlformats.org/drawingml/2006/main" xmlns:r="http://schemas.openxmlformats.org/officeDocument/2006/relationships" xmlns:p="http://schemas.openxmlformats.org/presentationml/2006/main">
+  <p:cSld>
+    <p:spTree>
+      <p:nvGrpSpPr>
+        <p:cNvPr id="1" name="">
+          <a:extLst>
+            <a:ext uri="{FF2B5EF4-FFF2-40B4-BE49-F238E27FC236}">
               <a16:creationId xmlns:a16="http://schemas.microsoft.com/office/drawing/2014/main" id="{467F6D8E-DF40-83B2-EB27-0965ED347177}"/>
             </a:ext>
           </a:extLst>
@@ -1129,7 +1314,7 @@
 </p:notes>
 </file>
 
-<file path=ppt/notesSlides/notesSlide11.xml><?xml version="1.0" encoding="utf-8"?>
+<file path=ppt/notesSlides/notesSlide12.xml><?xml version="1.0" encoding="utf-8"?>
 <p:notes xmlns:a="http://schemas.openxmlformats.org/drawingml/2006/main" xmlns:r="http://schemas.openxmlformats.org/officeDocument/2006/relationships" xmlns:p="http://schemas.openxmlformats.org/presentationml/2006/main">
   <p:cSld>
     <p:spTree>
@@ -1199,7 +1384,106 @@
 </p:notes>
 </file>
 
-<file path=ppt/notesSlides/notesSlide12.xml><?xml version="1.0" encoding="utf-8"?>
+<file path=ppt/notesSlides/notesSlide13.xml><?xml version="1.0" encoding="utf-8"?>
+<p:notes xmlns:a="http://schemas.openxmlformats.org/drawingml/2006/main" xmlns:r="http://schemas.openxmlformats.org/officeDocument/2006/relationships" xmlns:p="http://schemas.openxmlformats.org/presentationml/2006/main">
+  <p:cSld>
+    <p:spTree>
+      <p:nvGrpSpPr>
+        <p:cNvPr id="1" name="">
+          <a:extLst>
+            <a:ext uri="{FF2B5EF4-FFF2-40B4-BE49-F238E27FC236}">
+              <a16:creationId xmlns:a16="http://schemas.microsoft.com/office/drawing/2014/main" id="{BB161001-999C-04F4-74BC-61AB2F22C2D3}"/>
+            </a:ext>
+          </a:extLst>
+        </p:cNvPr>
+        <p:cNvGrpSpPr/>
+        <p:nvPr/>
+      </p:nvGrpSpPr>
+      <p:grpSpPr>
+        <a:xfrm>
+          <a:off x="0" y="0"/>
+          <a:ext cx="0" cy="0"/>
+          <a:chOff x="0" y="0"/>
+          <a:chExt cx="0" cy="0"/>
+        </a:xfrm>
+      </p:grpSpPr>
+      <p:sp>
+        <p:nvSpPr>
+          <p:cNvPr id="2" name="Slide Image Placeholder 1">
+            <a:extLst>
+              <a:ext uri="{FF2B5EF4-FFF2-40B4-BE49-F238E27FC236}">
+                <a16:creationId xmlns:a16="http://schemas.microsoft.com/office/drawing/2014/main" id="{4C041D7F-3992-D8F4-EC60-40F21D25B232}"/>
+              </a:ext>
+            </a:extLst>
+          </p:cNvPr>
+          <p:cNvSpPr>
+            <a:spLocks noGrp="1" noRot="1" noChangeAspect="1"/>
+          </p:cNvSpPr>
+          <p:nvPr>
+            <p:ph type="sldImg" idx="2"/>
+          </p:nvPr>
+        </p:nvSpPr>
+        <p:spPr/>
+      </p:sp>
+      <p:sp>
+        <p:nvSpPr>
+          <p:cNvPr id="3" name="Notes Placeholder 2">
+            <a:extLst>
+              <a:ext uri="{FF2B5EF4-FFF2-40B4-BE49-F238E27FC236}">
+                <a16:creationId xmlns:a16="http://schemas.microsoft.com/office/drawing/2014/main" id="{AFA95BF6-4E58-CD37-698E-6DBC4F811909}"/>
+              </a:ext>
+            </a:extLst>
+          </p:cNvPr>
+          <p:cNvSpPr>
+            <a:spLocks noGrp="1"/>
+          </p:cNvSpPr>
+          <p:nvPr>
+            <p:ph type="body" sz="quarter" idx="3"/>
+          </p:nvPr>
+        </p:nvSpPr>
+        <p:spPr/>
+        <p:txBody>
+          <a:bodyPr/>
+          <a:lstStyle/>
+          <a:p>
+            <a:r>
+              <a:t>Schließe mit Empfehlung für produktiven Stack.</a:t>
+            </a:r>
+          </a:p>
+        </p:txBody>
+      </p:sp>
+      <p:sp>
+        <p:nvSpPr>
+          <p:cNvPr id="4" name="Slide Number Placeholder 3">
+            <a:extLst>
+              <a:ext uri="{FF2B5EF4-FFF2-40B4-BE49-F238E27FC236}">
+                <a16:creationId xmlns:a16="http://schemas.microsoft.com/office/drawing/2014/main" id="{613FAFFB-35BE-4E59-827D-1715F017D981}"/>
+              </a:ext>
+            </a:extLst>
+          </p:cNvPr>
+          <p:cNvSpPr>
+            <a:spLocks noGrp="1"/>
+          </p:cNvSpPr>
+          <p:nvPr>
+            <p:ph type="sldNum" sz="quarter" idx="5"/>
+          </p:nvPr>
+        </p:nvSpPr>
+        <p:spPr/>
+      </p:sp>
+    </p:spTree>
+    <p:extLst>
+      <p:ext uri="{BB962C8B-B14F-4D97-AF65-F5344CB8AC3E}">
+        <p14:creationId xmlns:p14="http://schemas.microsoft.com/office/powerpoint/2010/main" val="2519221241"/>
+      </p:ext>
+    </p:extLst>
+  </p:cSld>
+  <p:clrMapOvr>
+    <a:masterClrMapping/>
+  </p:clrMapOvr>
+</p:notes>
+</file>
+
+<file path=ppt/notesSlides/notesSlide14.xml><?xml version="1.0" encoding="utf-8"?>
 <p:notes xmlns:a="http://schemas.openxmlformats.org/drawingml/2006/main" xmlns:r="http://schemas.openxmlformats.org/officeDocument/2006/relationships" xmlns:p="http://schemas.openxmlformats.org/presentationml/2006/main">
   <p:cSld>
     <p:spTree>
@@ -1376,6 +1660,105 @@
         <p:cNvPr id="1" name="">
           <a:extLst>
             <a:ext uri="{FF2B5EF4-FFF2-40B4-BE49-F238E27FC236}">
+              <a16:creationId xmlns:a16="http://schemas.microsoft.com/office/drawing/2014/main" id="{B78ABDBA-3639-8840-7B7A-9D938EEB7A5C}"/>
+            </a:ext>
+          </a:extLst>
+        </p:cNvPr>
+        <p:cNvGrpSpPr/>
+        <p:nvPr/>
+      </p:nvGrpSpPr>
+      <p:grpSpPr>
+        <a:xfrm>
+          <a:off x="0" y="0"/>
+          <a:ext cx="0" cy="0"/>
+          <a:chOff x="0" y="0"/>
+          <a:chExt cx="0" cy="0"/>
+        </a:xfrm>
+      </p:grpSpPr>
+      <p:sp>
+        <p:nvSpPr>
+          <p:cNvPr id="2" name="Slide Image Placeholder 1">
+            <a:extLst>
+              <a:ext uri="{FF2B5EF4-FFF2-40B4-BE49-F238E27FC236}">
+                <a16:creationId xmlns:a16="http://schemas.microsoft.com/office/drawing/2014/main" id="{20C67D80-672E-2865-9F0D-347CD5E656AE}"/>
+              </a:ext>
+            </a:extLst>
+          </p:cNvPr>
+          <p:cNvSpPr>
+            <a:spLocks noGrp="1" noRot="1" noChangeAspect="1"/>
+          </p:cNvSpPr>
+          <p:nvPr>
+            <p:ph type="sldImg" idx="2"/>
+          </p:nvPr>
+        </p:nvSpPr>
+        <p:spPr/>
+      </p:sp>
+      <p:sp>
+        <p:nvSpPr>
+          <p:cNvPr id="3" name="Notes Placeholder 2">
+            <a:extLst>
+              <a:ext uri="{FF2B5EF4-FFF2-40B4-BE49-F238E27FC236}">
+                <a16:creationId xmlns:a16="http://schemas.microsoft.com/office/drawing/2014/main" id="{BB9CB511-D08B-B6F2-AFA3-B2BC8753CD31}"/>
+              </a:ext>
+            </a:extLst>
+          </p:cNvPr>
+          <p:cNvSpPr>
+            <a:spLocks noGrp="1"/>
+          </p:cNvSpPr>
+          <p:nvPr>
+            <p:ph type="body" sz="quarter" idx="3"/>
+          </p:nvPr>
+        </p:nvSpPr>
+        <p:spPr/>
+        <p:txBody>
+          <a:bodyPr/>
+          <a:lstStyle/>
+          <a:p>
+            <a:r>
+              <a:t>Nenne Besonderheiten: Umlaute/Tokenisierung; Dialekt-Varianz; kleine Datensätze.</a:t>
+            </a:r>
+          </a:p>
+        </p:txBody>
+      </p:sp>
+      <p:sp>
+        <p:nvSpPr>
+          <p:cNvPr id="4" name="Slide Number Placeholder 3">
+            <a:extLst>
+              <a:ext uri="{FF2B5EF4-FFF2-40B4-BE49-F238E27FC236}">
+                <a16:creationId xmlns:a16="http://schemas.microsoft.com/office/drawing/2014/main" id="{C5D484A1-AF95-C156-0660-9C176048C3B8}"/>
+              </a:ext>
+            </a:extLst>
+          </p:cNvPr>
+          <p:cNvSpPr>
+            <a:spLocks noGrp="1"/>
+          </p:cNvSpPr>
+          <p:nvPr>
+            <p:ph type="sldNum" sz="quarter" idx="5"/>
+          </p:nvPr>
+        </p:nvSpPr>
+        <p:spPr/>
+      </p:sp>
+    </p:spTree>
+    <p:extLst>
+      <p:ext uri="{BB962C8B-B14F-4D97-AF65-F5344CB8AC3E}">
+        <p14:creationId xmlns:p14="http://schemas.microsoft.com/office/powerpoint/2010/main" val="2031099878"/>
+      </p:ext>
+    </p:extLst>
+  </p:cSld>
+  <p:clrMapOvr>
+    <a:masterClrMapping/>
+  </p:clrMapOvr>
+</p:notes>
+</file>
+
+<file path=ppt/notesSlides/notesSlide4.xml><?xml version="1.0" encoding="utf-8"?>
+<p:notes xmlns:a="http://schemas.openxmlformats.org/drawingml/2006/main" xmlns:r="http://schemas.openxmlformats.org/officeDocument/2006/relationships" xmlns:p="http://schemas.openxmlformats.org/presentationml/2006/main">
+  <p:cSld>
+    <p:spTree>
+      <p:nvGrpSpPr>
+        <p:cNvPr id="1" name="">
+          <a:extLst>
+            <a:ext uri="{FF2B5EF4-FFF2-40B4-BE49-F238E27FC236}">
               <a16:creationId xmlns:a16="http://schemas.microsoft.com/office/drawing/2014/main" id="{6AF2DE63-9278-C2AB-ED61-9209701F0636}"/>
             </a:ext>
           </a:extLst>
@@ -1467,7 +1850,7 @@
 </p:notes>
 </file>
 
-<file path=ppt/notesSlides/notesSlide4.xml><?xml version="1.0" encoding="utf-8"?>
+<file path=ppt/notesSlides/notesSlide5.xml><?xml version="1.0" encoding="utf-8"?>
 <p:notes xmlns:a="http://schemas.openxmlformats.org/drawingml/2006/main" xmlns:r="http://schemas.openxmlformats.org/officeDocument/2006/relationships" xmlns:p="http://schemas.openxmlformats.org/presentationml/2006/main">
   <p:cSld>
     <p:spTree>
@@ -1566,7 +1949,7 @@
 </p:notes>
 </file>
 
-<file path=ppt/notesSlides/notesSlide5.xml><?xml version="1.0" encoding="utf-8"?>
+<file path=ppt/notesSlides/notesSlide6.xml><?xml version="1.0" encoding="utf-8"?>
 <p:notes xmlns:a="http://schemas.openxmlformats.org/drawingml/2006/main" xmlns:r="http://schemas.openxmlformats.org/officeDocument/2006/relationships" xmlns:p="http://schemas.openxmlformats.org/presentationml/2006/main">
   <p:cSld>
     <p:spTree>
@@ -1665,7 +2048,7 @@
 </p:notes>
 </file>
 
-<file path=ppt/notesSlides/notesSlide6.xml><?xml version="1.0" encoding="utf-8"?>
+<file path=ppt/notesSlides/notesSlide7.xml><?xml version="1.0" encoding="utf-8"?>
 <p:notes xmlns:a="http://schemas.openxmlformats.org/drawingml/2006/main" xmlns:r="http://schemas.openxmlformats.org/officeDocument/2006/relationships" xmlns:p="http://schemas.openxmlformats.org/presentationml/2006/main">
   <p:cSld>
     <p:spTree>
@@ -1764,7 +2147,7 @@
 </p:notes>
 </file>
 
-<file path=ppt/notesSlides/notesSlide7.xml><?xml version="1.0" encoding="utf-8"?>
+<file path=ppt/notesSlides/notesSlide8.xml><?xml version="1.0" encoding="utf-8"?>
 <p:notes xmlns:a="http://schemas.openxmlformats.org/drawingml/2006/main" xmlns:r="http://schemas.openxmlformats.org/officeDocument/2006/relationships" xmlns:p="http://schemas.openxmlformats.org/presentationml/2006/main">
   <p:cSld>
     <p:spTree>
@@ -1863,7 +2246,7 @@
 </p:notes>
 </file>
 
-<file path=ppt/notesSlides/notesSlide8.xml><?xml version="1.0" encoding="utf-8"?>
+<file path=ppt/notesSlides/notesSlide9.xml><?xml version="1.0" encoding="utf-8"?>
 <p:notes xmlns:a="http://schemas.openxmlformats.org/drawingml/2006/main" xmlns:r="http://schemas.openxmlformats.org/officeDocument/2006/relationships" xmlns:p="http://schemas.openxmlformats.org/presentationml/2006/main">
   <p:cSld>
     <p:spTree>
@@ -1953,105 +2336,6 @@
     <p:extLst>
       <p:ext uri="{BB962C8B-B14F-4D97-AF65-F5344CB8AC3E}">
         <p14:creationId xmlns:p14="http://schemas.microsoft.com/office/powerpoint/2010/main" val="628473138"/>
-      </p:ext>
-    </p:extLst>
-  </p:cSld>
-  <p:clrMapOvr>
-    <a:masterClrMapping/>
-  </p:clrMapOvr>
-</p:notes>
-</file>
-
-<file path=ppt/notesSlides/notesSlide9.xml><?xml version="1.0" encoding="utf-8"?>
-<p:notes xmlns:a="http://schemas.openxmlformats.org/drawingml/2006/main" xmlns:r="http://schemas.openxmlformats.org/officeDocument/2006/relationships" xmlns:p="http://schemas.openxmlformats.org/presentationml/2006/main">
-  <p:cSld>
-    <p:spTree>
-      <p:nvGrpSpPr>
-        <p:cNvPr id="1" name="">
-          <a:extLst>
-            <a:ext uri="{FF2B5EF4-FFF2-40B4-BE49-F238E27FC236}">
-              <a16:creationId xmlns:a16="http://schemas.microsoft.com/office/drawing/2014/main" id="{8F277FE1-39F2-3F4C-6A43-9C65CD308131}"/>
-            </a:ext>
-          </a:extLst>
-        </p:cNvPr>
-        <p:cNvGrpSpPr/>
-        <p:nvPr/>
-      </p:nvGrpSpPr>
-      <p:grpSpPr>
-        <a:xfrm>
-          <a:off x="0" y="0"/>
-          <a:ext cx="0" cy="0"/>
-          <a:chOff x="0" y="0"/>
-          <a:chExt cx="0" cy="0"/>
-        </a:xfrm>
-      </p:grpSpPr>
-      <p:sp>
-        <p:nvSpPr>
-          <p:cNvPr id="2" name="Slide Image Placeholder 1">
-            <a:extLst>
-              <a:ext uri="{FF2B5EF4-FFF2-40B4-BE49-F238E27FC236}">
-                <a16:creationId xmlns:a16="http://schemas.microsoft.com/office/drawing/2014/main" id="{95C749D2-39FA-D5BD-A174-EB37D361B362}"/>
-              </a:ext>
-            </a:extLst>
-          </p:cNvPr>
-          <p:cNvSpPr>
-            <a:spLocks noGrp="1" noRot="1" noChangeAspect="1"/>
-          </p:cNvSpPr>
-          <p:nvPr>
-            <p:ph type="sldImg" idx="2"/>
-          </p:nvPr>
-        </p:nvSpPr>
-        <p:spPr/>
-      </p:sp>
-      <p:sp>
-        <p:nvSpPr>
-          <p:cNvPr id="3" name="Notes Placeholder 2">
-            <a:extLst>
-              <a:ext uri="{FF2B5EF4-FFF2-40B4-BE49-F238E27FC236}">
-                <a16:creationId xmlns:a16="http://schemas.microsoft.com/office/drawing/2014/main" id="{5308BB5D-60EE-28A5-B87D-EE4D6A8059D2}"/>
-              </a:ext>
-            </a:extLst>
-          </p:cNvPr>
-          <p:cNvSpPr>
-            <a:spLocks noGrp="1"/>
-          </p:cNvSpPr>
-          <p:nvPr>
-            <p:ph type="body" sz="quarter" idx="3"/>
-          </p:nvPr>
-        </p:nvSpPr>
-        <p:spPr/>
-        <p:txBody>
-          <a:bodyPr/>
-          <a:lstStyle/>
-          <a:p>
-            <a:r>
-              <a:t>Nenne Besonderheiten: Umlaute/Tokenisierung; Dialekt-Varianz; kleine Datensätze.</a:t>
-            </a:r>
-          </a:p>
-        </p:txBody>
-      </p:sp>
-      <p:sp>
-        <p:nvSpPr>
-          <p:cNvPr id="4" name="Slide Number Placeholder 3">
-            <a:extLst>
-              <a:ext uri="{FF2B5EF4-FFF2-40B4-BE49-F238E27FC236}">
-                <a16:creationId xmlns:a16="http://schemas.microsoft.com/office/drawing/2014/main" id="{BED373B5-3491-FE86-3CDA-A88EA0824619}"/>
-              </a:ext>
-            </a:extLst>
-          </p:cNvPr>
-          <p:cNvSpPr>
-            <a:spLocks noGrp="1"/>
-          </p:cNvSpPr>
-          <p:nvPr>
-            <p:ph type="sldNum" sz="quarter" idx="5"/>
-          </p:nvPr>
-        </p:nvSpPr>
-        <p:spPr/>
-      </p:sp>
-    </p:spTree>
-    <p:extLst>
-      <p:ext uri="{BB962C8B-B14F-4D97-AF65-F5344CB8AC3E}">
-        <p14:creationId xmlns:p14="http://schemas.microsoft.com/office/powerpoint/2010/main" val="865893529"/>
       </p:ext>
     </p:extLst>
   </p:cSld>
@@ -2240,7 +2524,7 @@
           <a:p>
             <a:fld id="{5BCAD085-E8A6-8845-BD4E-CB4CCA059FC4}" type="datetimeFigureOut">
               <a:rPr lang="en-US" smtClean="0"/>
-              <a:t>10/23/2025</a:t>
+              <a:t>10/24/2025</a:t>
             </a:fld>
             <a:endParaRPr lang="en-US"/>
           </a:p>
@@ -2408,7 +2692,7 @@
           <a:p>
             <a:fld id="{5BCAD085-E8A6-8845-BD4E-CB4CCA059FC4}" type="datetimeFigureOut">
               <a:rPr lang="en-US" smtClean="0"/>
-              <a:t>10/23/2025</a:t>
+              <a:t>10/24/2025</a:t>
             </a:fld>
             <a:endParaRPr lang="en-US"/>
           </a:p>
@@ -2586,7 +2870,7 @@
           <a:p>
             <a:fld id="{5BCAD085-E8A6-8845-BD4E-CB4CCA059FC4}" type="datetimeFigureOut">
               <a:rPr lang="en-US" smtClean="0"/>
-              <a:t>10/23/2025</a:t>
+              <a:t>10/24/2025</a:t>
             </a:fld>
             <a:endParaRPr lang="en-US"/>
           </a:p>
@@ -2754,7 +3038,7 @@
           <a:p>
             <a:fld id="{5BCAD085-E8A6-8845-BD4E-CB4CCA059FC4}" type="datetimeFigureOut">
               <a:rPr lang="en-US" smtClean="0"/>
-              <a:t>10/23/2025</a:t>
+              <a:t>10/24/2025</a:t>
             </a:fld>
             <a:endParaRPr lang="en-US"/>
           </a:p>
@@ -2999,7 +3283,7 @@
           <a:p>
             <a:fld id="{5BCAD085-E8A6-8845-BD4E-CB4CCA059FC4}" type="datetimeFigureOut">
               <a:rPr lang="en-US" smtClean="0"/>
-              <a:t>10/23/2025</a:t>
+              <a:t>10/24/2025</a:t>
             </a:fld>
             <a:endParaRPr lang="en-US"/>
           </a:p>
@@ -3284,7 +3568,7 @@
           <a:p>
             <a:fld id="{5BCAD085-E8A6-8845-BD4E-CB4CCA059FC4}" type="datetimeFigureOut">
               <a:rPr lang="en-US" smtClean="0"/>
-              <a:t>10/23/2025</a:t>
+              <a:t>10/24/2025</a:t>
             </a:fld>
             <a:endParaRPr lang="en-US"/>
           </a:p>
@@ -3703,7 +3987,7 @@
           <a:p>
             <a:fld id="{5BCAD085-E8A6-8845-BD4E-CB4CCA059FC4}" type="datetimeFigureOut">
               <a:rPr lang="en-US" smtClean="0"/>
-              <a:t>10/23/2025</a:t>
+              <a:t>10/24/2025</a:t>
             </a:fld>
             <a:endParaRPr lang="en-US"/>
           </a:p>
@@ -3820,7 +4104,7 @@
           <a:p>
             <a:fld id="{5BCAD085-E8A6-8845-BD4E-CB4CCA059FC4}" type="datetimeFigureOut">
               <a:rPr lang="en-US" smtClean="0"/>
-              <a:t>10/23/2025</a:t>
+              <a:t>10/24/2025</a:t>
             </a:fld>
             <a:endParaRPr lang="en-US"/>
           </a:p>
@@ -3915,7 +4199,7 @@
           <a:p>
             <a:fld id="{5BCAD085-E8A6-8845-BD4E-CB4CCA059FC4}" type="datetimeFigureOut">
               <a:rPr lang="en-US" smtClean="0"/>
-              <a:t>10/23/2025</a:t>
+              <a:t>10/24/2025</a:t>
             </a:fld>
             <a:endParaRPr lang="en-US"/>
           </a:p>
@@ -4190,7 +4474,7 @@
           <a:p>
             <a:fld id="{5BCAD085-E8A6-8845-BD4E-CB4CCA059FC4}" type="datetimeFigureOut">
               <a:rPr lang="en-US" smtClean="0"/>
-              <a:t>10/23/2025</a:t>
+              <a:t>10/24/2025</a:t>
             </a:fld>
             <a:endParaRPr lang="en-US"/>
           </a:p>
@@ -4442,7 +4726,7 @@
           <a:p>
             <a:fld id="{5BCAD085-E8A6-8845-BD4E-CB4CCA059FC4}" type="datetimeFigureOut">
               <a:rPr lang="en-US" smtClean="0"/>
-              <a:t>10/23/2025</a:t>
+              <a:t>10/24/2025</a:t>
             </a:fld>
             <a:endParaRPr lang="en-US"/>
           </a:p>
@@ -4653,7 +4937,7 @@
           <a:p>
             <a:fld id="{5BCAD085-E8A6-8845-BD4E-CB4CCA059FC4}" type="datetimeFigureOut">
               <a:rPr lang="en-US" smtClean="0"/>
-              <a:t>10/23/2025</a:t>
+              <a:t>10/24/2025</a:t>
             </a:fld>
             <a:endParaRPr lang="en-US"/>
           </a:p>
@@ -5060,7 +5344,7 @@
             </a:r>
             <a:r>
               <a:rPr lang="de-DE" dirty="0"/>
-              <a:t>, TF-IDF, SBERT) zur automatischen Sentiment-Erkennung in Schweizer Mundart-Chatnachrichten.</a:t>
+              <a:t>, TF-IDF, SBERT) zur automatischen Sentiment-Erkennung in Schweizer Mundart-Chatnachrichten</a:t>
             </a:r>
             <a:br>
               <a:rPr lang="de-DE" dirty="0"/>
@@ -5117,6 +5401,102 @@
 </file>
 
 <file path=ppt/slides/slide10.xml><?xml version="1.0" encoding="utf-8"?>
+<p:sld xmlns:a="http://schemas.openxmlformats.org/drawingml/2006/main" xmlns:r="http://schemas.openxmlformats.org/officeDocument/2006/relationships" xmlns:p="http://schemas.openxmlformats.org/presentationml/2006/main">
+  <p:cSld>
+    <p:spTree>
+      <p:nvGrpSpPr>
+        <p:cNvPr id="1" name="">
+          <a:extLst>
+            <a:ext uri="{FF2B5EF4-FFF2-40B4-BE49-F238E27FC236}">
+              <a16:creationId xmlns:a16="http://schemas.microsoft.com/office/drawing/2014/main" id="{6A14F892-AD9E-243A-DDA2-66E77D60793E}"/>
+            </a:ext>
+          </a:extLst>
+        </p:cNvPr>
+        <p:cNvGrpSpPr/>
+        <p:nvPr/>
+      </p:nvGrpSpPr>
+      <p:grpSpPr>
+        <a:xfrm>
+          <a:off x="0" y="0"/>
+          <a:ext cx="0" cy="0"/>
+          <a:chOff x="0" y="0"/>
+          <a:chExt cx="0" cy="0"/>
+        </a:xfrm>
+      </p:grpSpPr>
+      <p:sp>
+        <p:nvSpPr>
+          <p:cNvPr id="2" name="Title 1">
+            <a:extLst>
+              <a:ext uri="{FF2B5EF4-FFF2-40B4-BE49-F238E27FC236}">
+                <a16:creationId xmlns:a16="http://schemas.microsoft.com/office/drawing/2014/main" id="{BFAE6AC6-70BA-E8DD-68BD-BC2C2CEDCA6B}"/>
+              </a:ext>
+            </a:extLst>
+          </p:cNvPr>
+          <p:cNvSpPr>
+            <a:spLocks noGrp="1"/>
+          </p:cNvSpPr>
+          <p:nvPr>
+            <p:ph type="title"/>
+          </p:nvPr>
+        </p:nvSpPr>
+        <p:spPr/>
+        <p:txBody>
+          <a:bodyPr/>
+          <a:lstStyle/>
+          <a:p>
+            <a:r>
+              <a:rPr lang="de-CH" dirty="0"/>
+              <a:t>Visualisierung</a:t>
+            </a:r>
+            <a:endParaRPr dirty="0"/>
+          </a:p>
+        </p:txBody>
+      </p:sp>
+      <p:pic>
+        <p:nvPicPr>
+          <p:cNvPr id="6" name="Grafik 5" descr="Ein Bild, das Diagramm, Text, Reihe enthält.&#10;&#10;KI-generierte Inhalte können fehlerhaft sein.">
+            <a:extLst>
+              <a:ext uri="{FF2B5EF4-FFF2-40B4-BE49-F238E27FC236}">
+                <a16:creationId xmlns:a16="http://schemas.microsoft.com/office/drawing/2014/main" id="{13042DC0-1614-6744-68D9-DB0C91BAD0EB}"/>
+              </a:ext>
+            </a:extLst>
+          </p:cNvPr>
+          <p:cNvPicPr>
+            <a:picLocks noChangeAspect="1"/>
+          </p:cNvPicPr>
+          <p:nvPr/>
+        </p:nvPicPr>
+        <p:blipFill>
+          <a:blip r:embed="rId3"/>
+          <a:srcRect l="11702" r="7446"/>
+          <a:stretch>
+            <a:fillRect/>
+          </a:stretch>
+        </p:blipFill>
+        <p:spPr>
+          <a:xfrm>
+            <a:off x="1643974" y="1227209"/>
+            <a:ext cx="6070060" cy="5630791"/>
+          </a:xfrm>
+          <a:prstGeom prst="rect">
+            <a:avLst/>
+          </a:prstGeom>
+        </p:spPr>
+      </p:pic>
+    </p:spTree>
+    <p:extLst>
+      <p:ext uri="{BB962C8B-B14F-4D97-AF65-F5344CB8AC3E}">
+        <p14:creationId xmlns:p14="http://schemas.microsoft.com/office/powerpoint/2010/main" val="606213314"/>
+      </p:ext>
+    </p:extLst>
+  </p:cSld>
+  <p:clrMapOvr>
+    <a:masterClrMapping/>
+  </p:clrMapOvr>
+</p:sld>
+</file>
+
+<file path=ppt/slides/slide11.xml><?xml version="1.0" encoding="utf-8"?>
 <p:sld xmlns:a="http://schemas.openxmlformats.org/drawingml/2006/main" xmlns:r="http://schemas.openxmlformats.org/officeDocument/2006/relationships" xmlns:p="http://schemas.openxmlformats.org/presentationml/2006/main">
   <p:cSld>
     <p:spTree>
@@ -5212,7 +5592,7 @@
 </p:sld>
 </file>
 
-<file path=ppt/slides/slide11.xml><?xml version="1.0" encoding="utf-8"?>
+<file path=ppt/slides/slide12.xml><?xml version="1.0" encoding="utf-8"?>
 <p:sld xmlns:a="http://schemas.openxmlformats.org/drawingml/2006/main" xmlns:r="http://schemas.openxmlformats.org/officeDocument/2006/relationships" xmlns:p="http://schemas.openxmlformats.org/presentationml/2006/main">
   <p:cSld>
     <p:spTree>
@@ -5266,10 +5646,10 @@
       </p:sp>
       <p:pic>
         <p:nvPicPr>
-          <p:cNvPr id="21" name="Grafik 20">
+          <p:cNvPr id="4" name="Grafik 3">
             <a:extLst>
               <a:ext uri="{FF2B5EF4-FFF2-40B4-BE49-F238E27FC236}">
-                <a16:creationId xmlns:a16="http://schemas.microsoft.com/office/drawing/2014/main" id="{61363FFF-0D15-7A76-166B-34A878A6FBF5}"/>
+                <a16:creationId xmlns:a16="http://schemas.microsoft.com/office/drawing/2014/main" id="{AA948FE5-F891-09BD-EF98-81BA9079B50F}"/>
               </a:ext>
             </a:extLst>
           </p:cNvPr>
@@ -5286,8 +5666,8 @@
         </p:blipFill>
         <p:spPr>
           <a:xfrm>
-            <a:off x="1614074" y="2752630"/>
-            <a:ext cx="5915851" cy="1352739"/>
+            <a:off x="1628364" y="2781209"/>
+            <a:ext cx="5887272" cy="1295581"/>
           </a:xfrm>
           <a:prstGeom prst="rect">
             <a:avLst/>
@@ -5307,8 +5687,8 @@
 </p:sld>
 </file>
 
-<file path=ppt/slides/slide12.xml><?xml version="1.0" encoding="utf-8"?>
-<p:sld xmlns:a="http://schemas.openxmlformats.org/drawingml/2006/main" xmlns:r="http://schemas.openxmlformats.org/officeDocument/2006/relationships" xmlns:p="http://schemas.openxmlformats.org/presentationml/2006/main" show="0">
+<file path=ppt/slides/slide13.xml><?xml version="1.0" encoding="utf-8"?>
+<p:sld xmlns:a="http://schemas.openxmlformats.org/drawingml/2006/main" xmlns:r="http://schemas.openxmlformats.org/officeDocument/2006/relationships" xmlns:p="http://schemas.openxmlformats.org/presentationml/2006/main">
   <p:cSld>
     <p:spTree>
       <p:nvGrpSpPr>
@@ -5361,7 +5741,723 @@
       </p:sp>
       <p:pic>
         <p:nvPicPr>
-          <p:cNvPr id="4" name="Grafik 3">
+          <p:cNvPr id="10" name="Grafik 9">
+            <a:extLst>
+              <a:ext uri="{FF2B5EF4-FFF2-40B4-BE49-F238E27FC236}">
+                <a16:creationId xmlns:a16="http://schemas.microsoft.com/office/drawing/2014/main" id="{34ED3022-A56A-883E-D808-9A77C960DB46}"/>
+              </a:ext>
+            </a:extLst>
+          </p:cNvPr>
+          <p:cNvPicPr>
+            <a:picLocks noChangeAspect="1"/>
+          </p:cNvPicPr>
+          <p:nvPr/>
+        </p:nvPicPr>
+        <p:blipFill>
+          <a:blip r:embed="rId3"/>
+          <a:srcRect l="-2612" t="-31804" r="5357" b="12553"/>
+          <a:stretch>
+            <a:fillRect/>
+          </a:stretch>
+        </p:blipFill>
+        <p:spPr>
+          <a:xfrm>
+            <a:off x="1478280" y="5256212"/>
+            <a:ext cx="5836920" cy="1601788"/>
+          </a:xfrm>
+          <a:prstGeom prst="rect">
+            <a:avLst/>
+          </a:prstGeom>
+        </p:spPr>
+      </p:pic>
+      <p:pic>
+        <p:nvPicPr>
+          <p:cNvPr id="12" name="Grafik 11">
+            <a:extLst>
+              <a:ext uri="{FF2B5EF4-FFF2-40B4-BE49-F238E27FC236}">
+                <a16:creationId xmlns:a16="http://schemas.microsoft.com/office/drawing/2014/main" id="{8A2D4D93-C41A-BE13-5F86-5D2AFFB6222F}"/>
+              </a:ext>
+            </a:extLst>
+          </p:cNvPr>
+          <p:cNvPicPr>
+            <a:picLocks noChangeAspect="1"/>
+          </p:cNvPicPr>
+          <p:nvPr/>
+        </p:nvPicPr>
+        <p:blipFill>
+          <a:blip r:embed="rId4"/>
+          <a:srcRect r="1451" b="15364"/>
+          <a:stretch>
+            <a:fillRect/>
+          </a:stretch>
+        </p:blipFill>
+        <p:spPr>
+          <a:xfrm>
+            <a:off x="1634486" y="2270476"/>
+            <a:ext cx="5672547" cy="1107934"/>
+          </a:xfrm>
+          <a:prstGeom prst="rect">
+            <a:avLst/>
+          </a:prstGeom>
+        </p:spPr>
+      </p:pic>
+      <p:pic>
+        <p:nvPicPr>
+          <p:cNvPr id="18" name="Grafik 17">
+            <a:extLst>
+              <a:ext uri="{FF2B5EF4-FFF2-40B4-BE49-F238E27FC236}">
+                <a16:creationId xmlns:a16="http://schemas.microsoft.com/office/drawing/2014/main" id="{0E847036-3B42-E0F9-854D-B060D8EC4E1C}"/>
+              </a:ext>
+            </a:extLst>
+          </p:cNvPr>
+          <p:cNvPicPr>
+            <a:picLocks noChangeAspect="1"/>
+          </p:cNvPicPr>
+          <p:nvPr/>
+        </p:nvPicPr>
+        <p:blipFill>
+          <a:blip r:embed="rId5"/>
+          <a:srcRect b="8537"/>
+          <a:stretch>
+            <a:fillRect/>
+          </a:stretch>
+        </p:blipFill>
+        <p:spPr>
+          <a:xfrm>
+            <a:off x="1642653" y="1093890"/>
+            <a:ext cx="5672547" cy="1138890"/>
+          </a:xfrm>
+          <a:prstGeom prst="rect">
+            <a:avLst/>
+          </a:prstGeom>
+        </p:spPr>
+      </p:pic>
+      <p:pic>
+        <p:nvPicPr>
+          <p:cNvPr id="20" name="Grafik 19">
+            <a:extLst>
+              <a:ext uri="{FF2B5EF4-FFF2-40B4-BE49-F238E27FC236}">
+                <a16:creationId xmlns:a16="http://schemas.microsoft.com/office/drawing/2014/main" id="{12EC8082-2191-59A4-F05B-84BE5C461431}"/>
+              </a:ext>
+            </a:extLst>
+          </p:cNvPr>
+          <p:cNvPicPr>
+            <a:picLocks noChangeAspect="1"/>
+          </p:cNvPicPr>
+          <p:nvPr/>
+        </p:nvPicPr>
+        <p:blipFill>
+          <a:blip r:embed="rId6"/>
+          <a:srcRect t="3616" b="7408"/>
+          <a:stretch>
+            <a:fillRect/>
+          </a:stretch>
+        </p:blipFill>
+        <p:spPr>
+          <a:xfrm>
+            <a:off x="1635033" y="3416106"/>
+            <a:ext cx="5672547" cy="1107935"/>
+          </a:xfrm>
+          <a:prstGeom prst="rect">
+            <a:avLst/>
+          </a:prstGeom>
+        </p:spPr>
+      </p:pic>
+      <p:pic>
+        <p:nvPicPr>
+          <p:cNvPr id="22" name="Grafik 21">
+            <a:extLst>
+              <a:ext uri="{FF2B5EF4-FFF2-40B4-BE49-F238E27FC236}">
+                <a16:creationId xmlns:a16="http://schemas.microsoft.com/office/drawing/2014/main" id="{8C88B2FC-A900-389D-7407-9DDA0405BEB8}"/>
+              </a:ext>
+            </a:extLst>
+          </p:cNvPr>
+          <p:cNvPicPr>
+            <a:picLocks noChangeAspect="1"/>
+          </p:cNvPicPr>
+          <p:nvPr/>
+        </p:nvPicPr>
+        <p:blipFill>
+          <a:blip r:embed="rId7"/>
+          <a:srcRect b="6771"/>
+          <a:stretch>
+            <a:fillRect/>
+          </a:stretch>
+        </p:blipFill>
+        <p:spPr>
+          <a:xfrm>
+            <a:off x="1634485" y="4561736"/>
+            <a:ext cx="5672547" cy="1074892"/>
+          </a:xfrm>
+          <a:prstGeom prst="rect">
+            <a:avLst/>
+          </a:prstGeom>
+        </p:spPr>
+      </p:pic>
+    </p:spTree>
+    <p:extLst>
+      <p:ext uri="{BB962C8B-B14F-4D97-AF65-F5344CB8AC3E}">
+        <p14:creationId xmlns:p14="http://schemas.microsoft.com/office/powerpoint/2010/main" val="3338374624"/>
+      </p:ext>
+    </p:extLst>
+  </p:cSld>
+  <p:clrMapOvr>
+    <a:masterClrMapping/>
+  </p:clrMapOvr>
+  <p:timing>
+    <p:tnLst>
+      <p:par>
+        <p:cTn id="1" dur="indefinite" restart="never" nodeType="tmRoot">
+          <p:childTnLst>
+            <p:seq concurrent="1" nextAc="seek">
+              <p:cTn id="2" dur="indefinite" nodeType="mainSeq">
+                <p:childTnLst>
+                  <p:par>
+                    <p:cTn id="3" fill="hold">
+                      <p:stCondLst>
+                        <p:cond delay="indefinite"/>
+                      </p:stCondLst>
+                      <p:childTnLst>
+                        <p:par>
+                          <p:cTn id="4" fill="hold">
+                            <p:stCondLst>
+                              <p:cond delay="0"/>
+                            </p:stCondLst>
+                            <p:childTnLst>
+                              <p:par>
+                                <p:cTn id="5" presetID="1" presetClass="entr" presetSubtype="0" fill="hold" nodeType="clickEffect">
+                                  <p:stCondLst>
+                                    <p:cond delay="0"/>
+                                  </p:stCondLst>
+                                  <p:childTnLst>
+                                    <p:set>
+                                      <p:cBhvr>
+                                        <p:cTn id="6" dur="1" fill="hold">
+                                          <p:stCondLst>
+                                            <p:cond delay="0"/>
+                                          </p:stCondLst>
+                                        </p:cTn>
+                                        <p:tgtEl>
+                                          <p:spTgt spid="18"/>
+                                        </p:tgtEl>
+                                        <p:attrNameLst>
+                                          <p:attrName>style.visibility</p:attrName>
+                                        </p:attrNameLst>
+                                      </p:cBhvr>
+                                      <p:to>
+                                        <p:strVal val="visible"/>
+                                      </p:to>
+                                    </p:set>
+                                  </p:childTnLst>
+                                </p:cTn>
+                              </p:par>
+                            </p:childTnLst>
+                          </p:cTn>
+                        </p:par>
+                      </p:childTnLst>
+                    </p:cTn>
+                  </p:par>
+                  <p:par>
+                    <p:cTn id="7" fill="hold">
+                      <p:stCondLst>
+                        <p:cond delay="indefinite"/>
+                      </p:stCondLst>
+                      <p:childTnLst>
+                        <p:par>
+                          <p:cTn id="8" fill="hold">
+                            <p:stCondLst>
+                              <p:cond delay="0"/>
+                            </p:stCondLst>
+                            <p:childTnLst>
+                              <p:par>
+                                <p:cTn id="9" presetID="1" presetClass="entr" presetSubtype="0" fill="hold" nodeType="clickEffect">
+                                  <p:stCondLst>
+                                    <p:cond delay="0"/>
+                                  </p:stCondLst>
+                                  <p:childTnLst>
+                                    <p:set>
+                                      <p:cBhvr>
+                                        <p:cTn id="10" dur="1" fill="hold">
+                                          <p:stCondLst>
+                                            <p:cond delay="0"/>
+                                          </p:stCondLst>
+                                        </p:cTn>
+                                        <p:tgtEl>
+                                          <p:spTgt spid="12"/>
+                                        </p:tgtEl>
+                                        <p:attrNameLst>
+                                          <p:attrName>style.visibility</p:attrName>
+                                        </p:attrNameLst>
+                                      </p:cBhvr>
+                                      <p:to>
+                                        <p:strVal val="visible"/>
+                                      </p:to>
+                                    </p:set>
+                                  </p:childTnLst>
+                                </p:cTn>
+                              </p:par>
+                            </p:childTnLst>
+                          </p:cTn>
+                        </p:par>
+                      </p:childTnLst>
+                    </p:cTn>
+                  </p:par>
+                  <p:par>
+                    <p:cTn id="11" fill="hold">
+                      <p:stCondLst>
+                        <p:cond delay="indefinite"/>
+                      </p:stCondLst>
+                      <p:childTnLst>
+                        <p:par>
+                          <p:cTn id="12" fill="hold">
+                            <p:stCondLst>
+                              <p:cond delay="0"/>
+                            </p:stCondLst>
+                            <p:childTnLst>
+                              <p:par>
+                                <p:cTn id="13" presetID="1" presetClass="entr" presetSubtype="0" fill="hold" nodeType="clickEffect">
+                                  <p:stCondLst>
+                                    <p:cond delay="0"/>
+                                  </p:stCondLst>
+                                  <p:childTnLst>
+                                    <p:set>
+                                      <p:cBhvr>
+                                        <p:cTn id="14" dur="1" fill="hold">
+                                          <p:stCondLst>
+                                            <p:cond delay="0"/>
+                                          </p:stCondLst>
+                                        </p:cTn>
+                                        <p:tgtEl>
+                                          <p:spTgt spid="20"/>
+                                        </p:tgtEl>
+                                        <p:attrNameLst>
+                                          <p:attrName>style.visibility</p:attrName>
+                                        </p:attrNameLst>
+                                      </p:cBhvr>
+                                      <p:to>
+                                        <p:strVal val="visible"/>
+                                      </p:to>
+                                    </p:set>
+                                  </p:childTnLst>
+                                </p:cTn>
+                              </p:par>
+                            </p:childTnLst>
+                          </p:cTn>
+                        </p:par>
+                      </p:childTnLst>
+                    </p:cTn>
+                  </p:par>
+                  <p:par>
+                    <p:cTn id="15" fill="hold">
+                      <p:stCondLst>
+                        <p:cond delay="indefinite"/>
+                      </p:stCondLst>
+                      <p:childTnLst>
+                        <p:par>
+                          <p:cTn id="16" fill="hold">
+                            <p:stCondLst>
+                              <p:cond delay="0"/>
+                            </p:stCondLst>
+                            <p:childTnLst>
+                              <p:par>
+                                <p:cTn id="17" presetID="1" presetClass="entr" presetSubtype="0" fill="hold" nodeType="clickEffect">
+                                  <p:stCondLst>
+                                    <p:cond delay="0"/>
+                                  </p:stCondLst>
+                                  <p:childTnLst>
+                                    <p:set>
+                                      <p:cBhvr>
+                                        <p:cTn id="18" dur="1" fill="hold">
+                                          <p:stCondLst>
+                                            <p:cond delay="0"/>
+                                          </p:stCondLst>
+                                        </p:cTn>
+                                        <p:tgtEl>
+                                          <p:spTgt spid="22"/>
+                                        </p:tgtEl>
+                                        <p:attrNameLst>
+                                          <p:attrName>style.visibility</p:attrName>
+                                        </p:attrNameLst>
+                                      </p:cBhvr>
+                                      <p:to>
+                                        <p:strVal val="visible"/>
+                                      </p:to>
+                                    </p:set>
+                                  </p:childTnLst>
+                                </p:cTn>
+                              </p:par>
+                            </p:childTnLst>
+                          </p:cTn>
+                        </p:par>
+                      </p:childTnLst>
+                    </p:cTn>
+                  </p:par>
+                  <p:par>
+                    <p:cTn id="19" fill="hold">
+                      <p:stCondLst>
+                        <p:cond delay="indefinite"/>
+                      </p:stCondLst>
+                      <p:childTnLst>
+                        <p:par>
+                          <p:cTn id="20" fill="hold">
+                            <p:stCondLst>
+                              <p:cond delay="0"/>
+                            </p:stCondLst>
+                            <p:childTnLst>
+                              <p:par>
+                                <p:cTn id="21" presetID="1" presetClass="entr" presetSubtype="0" fill="hold" nodeType="clickEffect">
+                                  <p:stCondLst>
+                                    <p:cond delay="0"/>
+                                  </p:stCondLst>
+                                  <p:childTnLst>
+                                    <p:set>
+                                      <p:cBhvr>
+                                        <p:cTn id="22" dur="1" fill="hold">
+                                          <p:stCondLst>
+                                            <p:cond delay="0"/>
+                                          </p:stCondLst>
+                                        </p:cTn>
+                                        <p:tgtEl>
+                                          <p:spTgt spid="10"/>
+                                        </p:tgtEl>
+                                        <p:attrNameLst>
+                                          <p:attrName>style.visibility</p:attrName>
+                                        </p:attrNameLst>
+                                      </p:cBhvr>
+                                      <p:to>
+                                        <p:strVal val="visible"/>
+                                      </p:to>
+                                    </p:set>
+                                  </p:childTnLst>
+                                </p:cTn>
+                              </p:par>
+                            </p:childTnLst>
+                          </p:cTn>
+                        </p:par>
+                      </p:childTnLst>
+                    </p:cTn>
+                  </p:par>
+                </p:childTnLst>
+              </p:cTn>
+              <p:prevCondLst>
+                <p:cond evt="onPrev" delay="0">
+                  <p:tgtEl>
+                    <p:sldTgt/>
+                  </p:tgtEl>
+                </p:cond>
+              </p:prevCondLst>
+              <p:nextCondLst>
+                <p:cond evt="onNext" delay="0">
+                  <p:tgtEl>
+                    <p:sldTgt/>
+                  </p:tgtEl>
+                </p:cond>
+              </p:nextCondLst>
+            </p:seq>
+          </p:childTnLst>
+        </p:cTn>
+      </p:par>
+    </p:tnLst>
+  </p:timing>
+</p:sld>
+</file>
+
+<file path=ppt/slides/slide14.xml><?xml version="1.0" encoding="utf-8"?>
+<p:sld xmlns:a="http://schemas.openxmlformats.org/drawingml/2006/main" xmlns:r="http://schemas.openxmlformats.org/officeDocument/2006/relationships" xmlns:p="http://schemas.openxmlformats.org/presentationml/2006/main">
+  <p:cSld>
+    <p:spTree>
+      <p:nvGrpSpPr>
+        <p:cNvPr id="1" name=""/>
+        <p:cNvGrpSpPr/>
+        <p:nvPr/>
+      </p:nvGrpSpPr>
+      <p:grpSpPr>
+        <a:xfrm>
+          <a:off x="0" y="0"/>
+          <a:ext cx="0" cy="0"/>
+          <a:chOff x="0" y="0"/>
+          <a:chExt cx="0" cy="0"/>
+        </a:xfrm>
+      </p:grpSpPr>
+      <p:sp>
+        <p:nvSpPr>
+          <p:cNvPr id="2" name="Title 1"/>
+          <p:cNvSpPr>
+            <a:spLocks noGrp="1"/>
+          </p:cNvSpPr>
+          <p:nvPr>
+            <p:ph type="title"/>
+          </p:nvPr>
+        </p:nvSpPr>
+        <p:spPr/>
+        <p:txBody>
+          <a:bodyPr/>
+          <a:lstStyle/>
+          <a:p>
+            <a:r>
+              <a:rPr lang="de-CH"/>
+              <a:t>Key-Findings</a:t>
+            </a:r>
+            <a:endParaRPr lang="de-CH" dirty="0"/>
+          </a:p>
+        </p:txBody>
+      </p:sp>
+      <p:sp>
+        <p:nvSpPr>
+          <p:cNvPr id="3" name="Content Placeholder 2"/>
+          <p:cNvSpPr>
+            <a:spLocks noGrp="1"/>
+          </p:cNvSpPr>
+          <p:nvPr>
+            <p:ph idx="1"/>
+          </p:nvPr>
+        </p:nvSpPr>
+        <p:spPr/>
+        <p:txBody>
+          <a:bodyPr>
+            <a:normAutofit fontScale="85000" lnSpcReduction="20000"/>
+          </a:bodyPr>
+          <a:lstStyle/>
+          <a:p>
+            <a:r>
+              <a:rPr dirty="0" err="1"/>
+              <a:t>BoW</a:t>
+            </a:r>
+            <a:r>
+              <a:rPr dirty="0"/>
+              <a:t>/TF‑IDF: </a:t>
+            </a:r>
+            <a:r>
+              <a:rPr lang="de-CH" dirty="0"/>
+              <a:t>überraschend </a:t>
+            </a:r>
+            <a:r>
+              <a:rPr dirty="0"/>
+              <a:t>stark </a:t>
+            </a:r>
+            <a:r>
+              <a:rPr dirty="0" err="1"/>
+              <a:t>bei</a:t>
+            </a:r>
+            <a:r>
+              <a:rPr dirty="0"/>
+              <a:t> </a:t>
+            </a:r>
+            <a:r>
+              <a:rPr lang="de-CH" dirty="0"/>
+              <a:t>kurzen Chatnachrichten</a:t>
+            </a:r>
+            <a:endParaRPr dirty="0"/>
+          </a:p>
+          <a:p>
+            <a:r>
+              <a:rPr dirty="0"/>
+              <a:t>SBERT: robust</a:t>
+            </a:r>
+            <a:r>
+              <a:rPr lang="de-CH" dirty="0"/>
+              <a:t>er</a:t>
+            </a:r>
+            <a:r>
+              <a:rPr dirty="0"/>
+              <a:t> </a:t>
+            </a:r>
+            <a:r>
+              <a:rPr dirty="0" err="1"/>
+              <a:t>bei</a:t>
+            </a:r>
+            <a:r>
+              <a:rPr dirty="0"/>
+              <a:t> </a:t>
+            </a:r>
+            <a:r>
+              <a:rPr dirty="0" err="1"/>
+              <a:t>neuen</a:t>
+            </a:r>
+            <a:r>
+              <a:rPr dirty="0"/>
+              <a:t> </a:t>
+            </a:r>
+            <a:r>
+              <a:rPr dirty="0" err="1"/>
+              <a:t>Formulierungen</a:t>
+            </a:r>
+            <a:r>
+              <a:rPr lang="de-CH" dirty="0"/>
+              <a:t> / Wörtern (</a:t>
+            </a:r>
+            <a:r>
+              <a:rPr dirty="0" err="1"/>
+              <a:t>semantischer</a:t>
+            </a:r>
+            <a:r>
+              <a:rPr dirty="0"/>
+              <a:t> Transfer</a:t>
+            </a:r>
+            <a:r>
+              <a:rPr lang="de-CH" dirty="0"/>
+              <a:t>), aber Mühe bei kurzen Sätzen (fehlender Kontext)</a:t>
+            </a:r>
+          </a:p>
+          <a:p>
+            <a:r>
+              <a:rPr lang="de-DE" dirty="0" err="1"/>
+              <a:t>Accuracy</a:t>
+            </a:r>
+            <a:r>
+              <a:rPr lang="de-DE" dirty="0"/>
+              <a:t> (99 %) ist nicht gleichbedeutend mit guter Generalisierung</a:t>
+            </a:r>
+            <a:endParaRPr lang="de-CH" dirty="0">
+              <a:sym typeface="Wingdings" panose="05000000000000000000" pitchFamily="2" charset="2"/>
+            </a:endParaRPr>
+          </a:p>
+          <a:p>
+            <a:r>
+              <a:rPr lang="de-CH" dirty="0">
+                <a:sym typeface="Wingdings" panose="05000000000000000000" pitchFamily="2" charset="2"/>
+              </a:rPr>
+              <a:t>Schwierigkeiten mit Mundart Chatnachrichten:</a:t>
+            </a:r>
+          </a:p>
+          <a:p>
+            <a:pPr lvl="1"/>
+            <a:r>
+              <a:rPr lang="de-CH" i="1" dirty="0"/>
+              <a:t>nicht standardisiert: „</a:t>
+            </a:r>
+            <a:r>
+              <a:rPr lang="de-CH" i="1" dirty="0" err="1"/>
+              <a:t>nöd</a:t>
+            </a:r>
+            <a:r>
+              <a:rPr lang="de-CH" i="1" dirty="0"/>
+              <a:t>“, „</a:t>
+            </a:r>
+            <a:r>
+              <a:rPr lang="de-CH" i="1" dirty="0" err="1"/>
+              <a:t>nid</a:t>
+            </a:r>
+            <a:r>
+              <a:rPr lang="de-CH" i="1" dirty="0"/>
+              <a:t>“, „</a:t>
+            </a:r>
+            <a:r>
+              <a:rPr lang="de-CH" i="1" dirty="0" err="1"/>
+              <a:t>ned</a:t>
+            </a:r>
+            <a:r>
+              <a:rPr lang="de-CH" i="1" dirty="0"/>
+              <a:t>“</a:t>
+            </a:r>
+          </a:p>
+          <a:p>
+            <a:pPr lvl="1"/>
+            <a:r>
+              <a:rPr lang="de-DE" i="1" dirty="0"/>
+              <a:t>mischt Dialekt, Hochdeutsch, Slang, Englisch</a:t>
+            </a:r>
+          </a:p>
+          <a:p>
+            <a:pPr lvl="1"/>
+            <a:r>
+              <a:rPr lang="de-DE" i="1" dirty="0"/>
+              <a:t>drückt viel über Tonfall, Kontext und Ironie aus, insbesondere mit Emoji.</a:t>
+            </a:r>
+            <a:r>
+              <a:rPr lang="de-CH" i="1" dirty="0"/>
+              <a:t> „</a:t>
+            </a:r>
+            <a:r>
+              <a:rPr lang="de-CH" i="1" dirty="0" err="1"/>
+              <a:t>jo</a:t>
+            </a:r>
+            <a:r>
+              <a:rPr lang="de-CH" i="1" dirty="0"/>
+              <a:t>, </a:t>
+            </a:r>
+            <a:r>
+              <a:rPr lang="de-CH" i="1" dirty="0" err="1"/>
+              <a:t>mega</a:t>
+            </a:r>
+            <a:r>
+              <a:rPr lang="de-CH" i="1" dirty="0"/>
+              <a:t> </a:t>
+            </a:r>
+            <a:r>
+              <a:rPr lang="de-CH" i="1" dirty="0" err="1"/>
+              <a:t>guet</a:t>
+            </a:r>
+            <a:r>
+              <a:rPr lang="de-CH" i="1" dirty="0"/>
+              <a:t>… 🙄“</a:t>
+            </a:r>
+          </a:p>
+        </p:txBody>
+      </p:sp>
+    </p:spTree>
+  </p:cSld>
+  <p:clrMapOvr>
+    <a:masterClrMapping/>
+  </p:clrMapOvr>
+</p:sld>
+</file>
+
+<file path=ppt/slides/slide15.xml><?xml version="1.0" encoding="utf-8"?>
+<p:sld xmlns:a="http://schemas.openxmlformats.org/drawingml/2006/main" xmlns:r="http://schemas.openxmlformats.org/officeDocument/2006/relationships" xmlns:p="http://schemas.openxmlformats.org/presentationml/2006/main">
+  <p:cSld>
+    <p:spTree>
+      <p:nvGrpSpPr>
+        <p:cNvPr id="1" name="">
+          <a:extLst>
+            <a:ext uri="{FF2B5EF4-FFF2-40B4-BE49-F238E27FC236}">
+              <a16:creationId xmlns:a16="http://schemas.microsoft.com/office/drawing/2014/main" id="{AF5688F2-7B04-E1EB-3A04-F3466DA4B071}"/>
+            </a:ext>
+          </a:extLst>
+        </p:cNvPr>
+        <p:cNvGrpSpPr/>
+        <p:nvPr/>
+      </p:nvGrpSpPr>
+      <p:grpSpPr>
+        <a:xfrm>
+          <a:off x="0" y="0"/>
+          <a:ext cx="0" cy="0"/>
+          <a:chOff x="0" y="0"/>
+          <a:chExt cx="0" cy="0"/>
+        </a:xfrm>
+      </p:grpSpPr>
+      <p:sp>
+        <p:nvSpPr>
+          <p:cNvPr id="2" name="Title 1">
+            <a:extLst>
+              <a:ext uri="{FF2B5EF4-FFF2-40B4-BE49-F238E27FC236}">
+                <a16:creationId xmlns:a16="http://schemas.microsoft.com/office/drawing/2014/main" id="{88862D4F-B468-2A9A-E85E-054C0614E8E2}"/>
+              </a:ext>
+            </a:extLst>
+          </p:cNvPr>
+          <p:cNvSpPr>
+            <a:spLocks noGrp="1"/>
+          </p:cNvSpPr>
+          <p:nvPr>
+            <p:ph type="title"/>
+          </p:nvPr>
+        </p:nvSpPr>
+        <p:spPr/>
+        <p:txBody>
+          <a:bodyPr/>
+          <a:lstStyle/>
+          <a:p>
+            <a:r>
+              <a:rPr lang="de-CH"/>
+              <a:t>Key-Findings</a:t>
+            </a:r>
+            <a:endParaRPr lang="de-CH" dirty="0"/>
+          </a:p>
+        </p:txBody>
+      </p:sp>
+      <p:pic>
+        <p:nvPicPr>
+          <p:cNvPr id="6" name="Grafik 5">
             <a:extLst>
               <a:ext uri="{FF2B5EF4-FFF2-40B4-BE49-F238E27FC236}">
                 <a16:creationId xmlns:a16="http://schemas.microsoft.com/office/drawing/2014/main" id="{AEEC0607-4D34-81DB-3469-64C5A8433FD0}"/>
@@ -5382,100 +6478,8 @@
         </p:blipFill>
         <p:spPr>
           <a:xfrm>
-            <a:off x="1732012" y="5389922"/>
+            <a:off x="1838692" y="2781209"/>
             <a:ext cx="5820587" cy="1295581"/>
-          </a:xfrm>
-          <a:prstGeom prst="rect">
-            <a:avLst/>
-          </a:prstGeom>
-        </p:spPr>
-      </p:pic>
-      <p:pic>
-        <p:nvPicPr>
-          <p:cNvPr id="6" name="Grafik 5">
-            <a:extLst>
-              <a:ext uri="{FF2B5EF4-FFF2-40B4-BE49-F238E27FC236}">
-                <a16:creationId xmlns:a16="http://schemas.microsoft.com/office/drawing/2014/main" id="{F69B6F88-58B9-BE9F-04CE-23D21141C045}"/>
-              </a:ext>
-            </a:extLst>
-          </p:cNvPr>
-          <p:cNvPicPr>
-            <a:picLocks noChangeAspect="1"/>
-          </p:cNvPicPr>
-          <p:nvPr/>
-        </p:nvPicPr>
-        <p:blipFill>
-          <a:blip r:embed="rId4"/>
-          <a:srcRect r="2240"/>
-          <a:stretch>
-            <a:fillRect/>
-          </a:stretch>
-        </p:blipFill>
-        <p:spPr>
-          <a:xfrm>
-            <a:off x="1732014" y="2502394"/>
-            <a:ext cx="5820587" cy="1333686"/>
-          </a:xfrm>
-          <a:prstGeom prst="rect">
-            <a:avLst/>
-          </a:prstGeom>
-        </p:spPr>
-      </p:pic>
-      <p:pic>
-        <p:nvPicPr>
-          <p:cNvPr id="13" name="Grafik 12">
-            <a:extLst>
-              <a:ext uri="{FF2B5EF4-FFF2-40B4-BE49-F238E27FC236}">
-                <a16:creationId xmlns:a16="http://schemas.microsoft.com/office/drawing/2014/main" id="{E6BD1207-2825-C6F7-E865-E8727640CCBD}"/>
-              </a:ext>
-            </a:extLst>
-          </p:cNvPr>
-          <p:cNvPicPr>
-            <a:picLocks noChangeAspect="1"/>
-          </p:cNvPicPr>
-          <p:nvPr/>
-        </p:nvPicPr>
-        <p:blipFill>
-          <a:blip r:embed="rId5"/>
-          <a:stretch>
-            <a:fillRect/>
-          </a:stretch>
-        </p:blipFill>
-        <p:spPr>
-          <a:xfrm>
-            <a:off x="1732013" y="3969974"/>
-            <a:ext cx="5820587" cy="1286054"/>
-          </a:xfrm>
-          <a:prstGeom prst="rect">
-            <a:avLst/>
-          </a:prstGeom>
-        </p:spPr>
-      </p:pic>
-      <p:pic>
-        <p:nvPicPr>
-          <p:cNvPr id="17" name="Grafik 16">
-            <a:extLst>
-              <a:ext uri="{FF2B5EF4-FFF2-40B4-BE49-F238E27FC236}">
-                <a16:creationId xmlns:a16="http://schemas.microsoft.com/office/drawing/2014/main" id="{47201D0B-654A-1A0C-D38B-35E4CB6BE346}"/>
-              </a:ext>
-            </a:extLst>
-          </p:cNvPr>
-          <p:cNvPicPr>
-            <a:picLocks noChangeAspect="1"/>
-          </p:cNvPicPr>
-          <p:nvPr/>
-        </p:nvPicPr>
-        <p:blipFill>
-          <a:blip r:embed="rId6"/>
-          <a:srcRect r="811"/>
-          <a:stretch>
-            <a:fillRect/>
-          </a:stretch>
-        </p:blipFill>
-        <p:spPr>
-          <a:xfrm>
-            <a:off x="1732014" y="1155482"/>
-            <a:ext cx="5820586" cy="1181265"/>
           </a:xfrm>
           <a:prstGeom prst="rect">
             <a:avLst/>
@@ -5485,258 +6489,92 @@
     </p:spTree>
     <p:extLst>
       <p:ext uri="{BB962C8B-B14F-4D97-AF65-F5344CB8AC3E}">
-        <p14:creationId xmlns:p14="http://schemas.microsoft.com/office/powerpoint/2010/main" val="3338374624"/>
+        <p14:creationId xmlns:p14="http://schemas.microsoft.com/office/powerpoint/2010/main" val="141315026"/>
       </p:ext>
     </p:extLst>
   </p:cSld>
   <p:clrMapOvr>
     <a:masterClrMapping/>
   </p:clrMapOvr>
+  <p:timing>
+    <p:tnLst>
+      <p:par>
+        <p:cTn id="1" dur="indefinite" restart="never" nodeType="tmRoot">
+          <p:childTnLst>
+            <p:seq concurrent="1" nextAc="seek">
+              <p:cTn id="2" dur="indefinite" nodeType="mainSeq">
+                <p:childTnLst>
+                  <p:par>
+                    <p:cTn id="3" fill="hold">
+                      <p:stCondLst>
+                        <p:cond delay="indefinite"/>
+                      </p:stCondLst>
+                      <p:childTnLst>
+                        <p:par>
+                          <p:cTn id="4" fill="hold">
+                            <p:stCondLst>
+                              <p:cond delay="0"/>
+                            </p:stCondLst>
+                            <p:childTnLst>
+                              <p:par>
+                                <p:cTn id="5" presetID="1" presetClass="entr" presetSubtype="0" fill="hold" nodeType="clickEffect">
+                                  <p:stCondLst>
+                                    <p:cond delay="0"/>
+                                  </p:stCondLst>
+                                  <p:childTnLst>
+                                    <p:set>
+                                      <p:cBhvr>
+                                        <p:cTn id="6" dur="1" fill="hold">
+                                          <p:stCondLst>
+                                            <p:cond delay="0"/>
+                                          </p:stCondLst>
+                                        </p:cTn>
+                                        <p:tgtEl>
+                                          <p:spTgt spid="6"/>
+                                        </p:tgtEl>
+                                        <p:attrNameLst>
+                                          <p:attrName>style.visibility</p:attrName>
+                                        </p:attrNameLst>
+                                      </p:cBhvr>
+                                      <p:to>
+                                        <p:strVal val="visible"/>
+                                      </p:to>
+                                    </p:set>
+                                  </p:childTnLst>
+                                </p:cTn>
+                              </p:par>
+                            </p:childTnLst>
+                          </p:cTn>
+                        </p:par>
+                      </p:childTnLst>
+                    </p:cTn>
+                  </p:par>
+                </p:childTnLst>
+              </p:cTn>
+              <p:prevCondLst>
+                <p:cond evt="onPrev" delay="0">
+                  <p:tgtEl>
+                    <p:sldTgt/>
+                  </p:tgtEl>
+                </p:cond>
+              </p:prevCondLst>
+              <p:nextCondLst>
+                <p:cond evt="onNext" delay="0">
+                  <p:tgtEl>
+                    <p:sldTgt/>
+                  </p:tgtEl>
+                </p:cond>
+              </p:nextCondLst>
+            </p:seq>
+          </p:childTnLst>
+        </p:cTn>
+      </p:par>
+    </p:tnLst>
+  </p:timing>
 </p:sld>
 </file>
 
-<file path=ppt/slides/slide13.xml><?xml version="1.0" encoding="utf-8"?>
-<p:sld xmlns:a="http://schemas.openxmlformats.org/drawingml/2006/main" xmlns:r="http://schemas.openxmlformats.org/officeDocument/2006/relationships" xmlns:p="http://schemas.openxmlformats.org/presentationml/2006/main">
-  <p:cSld>
-    <p:spTree>
-      <p:nvGrpSpPr>
-        <p:cNvPr id="1" name=""/>
-        <p:cNvGrpSpPr/>
-        <p:nvPr/>
-      </p:nvGrpSpPr>
-      <p:grpSpPr>
-        <a:xfrm>
-          <a:off x="0" y="0"/>
-          <a:ext cx="0" cy="0"/>
-          <a:chOff x="0" y="0"/>
-          <a:chExt cx="0" cy="0"/>
-        </a:xfrm>
-      </p:grpSpPr>
-      <p:sp>
-        <p:nvSpPr>
-          <p:cNvPr id="2" name="Title 1"/>
-          <p:cNvSpPr>
-            <a:spLocks noGrp="1"/>
-          </p:cNvSpPr>
-          <p:nvPr>
-            <p:ph type="title"/>
-          </p:nvPr>
-        </p:nvSpPr>
-        <p:spPr/>
-        <p:txBody>
-          <a:bodyPr/>
-          <a:lstStyle/>
-          <a:p>
-            <a:r>
-              <a:rPr lang="de-CH"/>
-              <a:t>Key-Findings</a:t>
-            </a:r>
-            <a:endParaRPr lang="de-CH" dirty="0"/>
-          </a:p>
-        </p:txBody>
-      </p:sp>
-      <p:sp>
-        <p:nvSpPr>
-          <p:cNvPr id="3" name="Content Placeholder 2"/>
-          <p:cNvSpPr>
-            <a:spLocks noGrp="1"/>
-          </p:cNvSpPr>
-          <p:nvPr>
-            <p:ph idx="1"/>
-          </p:nvPr>
-        </p:nvSpPr>
-        <p:spPr/>
-        <p:txBody>
-          <a:bodyPr>
-            <a:normAutofit fontScale="85000" lnSpcReduction="20000"/>
-          </a:bodyPr>
-          <a:lstStyle/>
-          <a:p>
-            <a:r>
-              <a:rPr dirty="0" err="1"/>
-              <a:t>BoW</a:t>
-            </a:r>
-            <a:r>
-              <a:rPr dirty="0"/>
-              <a:t>/TF‑IDF: </a:t>
-            </a:r>
-            <a:r>
-              <a:rPr lang="de-CH" dirty="0"/>
-              <a:t>überraschend </a:t>
-            </a:r>
-            <a:r>
-              <a:rPr dirty="0"/>
-              <a:t>stark </a:t>
-            </a:r>
-            <a:r>
-              <a:rPr dirty="0" err="1"/>
-              <a:t>bei</a:t>
-            </a:r>
-            <a:r>
-              <a:rPr dirty="0"/>
-              <a:t> </a:t>
-            </a:r>
-            <a:r>
-              <a:rPr lang="de-CH" dirty="0"/>
-              <a:t>kurzen Chatnachrichten</a:t>
-            </a:r>
-            <a:endParaRPr dirty="0"/>
-          </a:p>
-          <a:p>
-            <a:r>
-              <a:rPr dirty="0"/>
-              <a:t>SBERT: robust</a:t>
-            </a:r>
-            <a:r>
-              <a:rPr lang="de-CH" dirty="0"/>
-              <a:t>er</a:t>
-            </a:r>
-            <a:r>
-              <a:rPr dirty="0"/>
-              <a:t> </a:t>
-            </a:r>
-            <a:r>
-              <a:rPr dirty="0" err="1"/>
-              <a:t>bei</a:t>
-            </a:r>
-            <a:r>
-              <a:rPr dirty="0"/>
-              <a:t> </a:t>
-            </a:r>
-            <a:r>
-              <a:rPr dirty="0" err="1"/>
-              <a:t>neuen</a:t>
-            </a:r>
-            <a:r>
-              <a:rPr dirty="0"/>
-              <a:t> </a:t>
-            </a:r>
-            <a:r>
-              <a:rPr dirty="0" err="1"/>
-              <a:t>Formulierungen</a:t>
-            </a:r>
-            <a:r>
-              <a:rPr lang="de-CH" dirty="0"/>
-              <a:t> / Wörtern (</a:t>
-            </a:r>
-            <a:r>
-              <a:rPr dirty="0" err="1"/>
-              <a:t>semantischer</a:t>
-            </a:r>
-            <a:r>
-              <a:rPr dirty="0"/>
-              <a:t> Transfer</a:t>
-            </a:r>
-            <a:r>
-              <a:rPr lang="de-CH" dirty="0"/>
-              <a:t>), aber Mühe bei kurzen Sätzen (fehlender Kontext)</a:t>
-            </a:r>
-          </a:p>
-          <a:p>
-            <a:r>
-              <a:rPr lang="de-DE" dirty="0" err="1"/>
-              <a:t>Accuracy</a:t>
-            </a:r>
-            <a:r>
-              <a:rPr lang="de-DE" dirty="0"/>
-              <a:t> (99 %) ist nicht gleichbedeutend mit guter Generalisierung</a:t>
-            </a:r>
-            <a:endParaRPr lang="de-CH" dirty="0">
-              <a:sym typeface="Wingdings" panose="05000000000000000000" pitchFamily="2" charset="2"/>
-            </a:endParaRPr>
-          </a:p>
-          <a:p>
-            <a:r>
-              <a:rPr lang="de-CH" dirty="0">
-                <a:sym typeface="Wingdings" panose="05000000000000000000" pitchFamily="2" charset="2"/>
-              </a:rPr>
-              <a:t>Schwierigkeiten mit Mundart Chatnachrichten:</a:t>
-            </a:r>
-          </a:p>
-          <a:p>
-            <a:pPr lvl="1"/>
-            <a:r>
-              <a:rPr lang="de-CH" i="1" dirty="0"/>
-              <a:t>nicht standardisiert: „</a:t>
-            </a:r>
-            <a:r>
-              <a:rPr lang="de-CH" i="1" dirty="0" err="1"/>
-              <a:t>nöd</a:t>
-            </a:r>
-            <a:r>
-              <a:rPr lang="de-CH" i="1" dirty="0"/>
-              <a:t>“, „</a:t>
-            </a:r>
-            <a:r>
-              <a:rPr lang="de-CH" i="1" dirty="0" err="1"/>
-              <a:t>nid</a:t>
-            </a:r>
-            <a:r>
-              <a:rPr lang="de-CH" i="1" dirty="0"/>
-              <a:t>“, „</a:t>
-            </a:r>
-            <a:r>
-              <a:rPr lang="de-CH" i="1" dirty="0" err="1"/>
-              <a:t>ned</a:t>
-            </a:r>
-            <a:r>
-              <a:rPr lang="de-CH" i="1" dirty="0"/>
-              <a:t>“</a:t>
-            </a:r>
-          </a:p>
-          <a:p>
-            <a:pPr lvl="1"/>
-            <a:r>
-              <a:rPr lang="de-DE" i="1" dirty="0"/>
-              <a:t>mischt Dialekt, Hochdeutsch, Slang, Englisch</a:t>
-            </a:r>
-          </a:p>
-          <a:p>
-            <a:pPr lvl="1"/>
-            <a:r>
-              <a:rPr lang="de-DE" i="1" dirty="0"/>
-              <a:t>drückt viel über Tonfall, Kontext und Ironie aus, insbesondere mit Emoji.</a:t>
-            </a:r>
-            <a:r>
-              <a:rPr lang="de-CH" i="1" dirty="0"/>
-              <a:t> „</a:t>
-            </a:r>
-            <a:r>
-              <a:rPr lang="de-CH" i="1" dirty="0" err="1"/>
-              <a:t>jo</a:t>
-            </a:r>
-            <a:r>
-              <a:rPr lang="de-CH" i="1" dirty="0"/>
-              <a:t>, </a:t>
-            </a:r>
-            <a:r>
-              <a:rPr lang="de-CH" i="1" dirty="0" err="1"/>
-              <a:t>mega</a:t>
-            </a:r>
-            <a:r>
-              <a:rPr lang="de-CH" i="1" dirty="0"/>
-              <a:t> </a:t>
-            </a:r>
-            <a:r>
-              <a:rPr lang="de-CH" i="1" dirty="0" err="1"/>
-              <a:t>guet</a:t>
-            </a:r>
-            <a:r>
-              <a:rPr lang="de-CH" i="1" dirty="0"/>
-              <a:t>… 🙄“</a:t>
-            </a:r>
-          </a:p>
-        </p:txBody>
-      </p:sp>
-    </p:spTree>
-  </p:cSld>
-  <p:clrMapOvr>
-    <a:masterClrMapping/>
-  </p:clrMapOvr>
-</p:sld>
-</file>
-
-<file path=ppt/slides/slide14.xml><?xml version="1.0" encoding="utf-8"?>
+<file path=ppt/slides/slide16.xml><?xml version="1.0" encoding="utf-8"?>
 <p:sld xmlns:a="http://schemas.openxmlformats.org/drawingml/2006/main" xmlns:r="http://schemas.openxmlformats.org/officeDocument/2006/relationships" xmlns:p="http://schemas.openxmlformats.org/presentationml/2006/main">
   <p:cSld>
     <p:spTree>
@@ -5803,14 +6641,14 @@
           <p:nvPr>
             <p:extLst>
               <p:ext uri="{D42A27DB-BD31-4B8C-83A1-F6EECF244321}">
-                <p14:modId xmlns:p14="http://schemas.microsoft.com/office/powerpoint/2010/main" val="1844020770"/>
+                <p14:modId xmlns:p14="http://schemas.microsoft.com/office/powerpoint/2010/main" val="3720824831"/>
               </p:ext>
             </p:extLst>
           </p:nvPr>
         </p:nvGraphicFramePr>
         <p:xfrm>
-          <a:off x="457199" y="1386509"/>
-          <a:ext cx="8229601" cy="4175760"/>
+          <a:off x="467360" y="1386509"/>
+          <a:ext cx="8219440" cy="5151120"/>
         </p:xfrm>
         <a:graphic>
           <a:graphicData uri="http://schemas.openxmlformats.org/drawingml/2006/table">
@@ -5819,24 +6657,24 @@
                 <a:tableStyleId>{00A15C55-8517-42AA-B614-E9B94910E393}</a:tableStyleId>
               </a:tblPr>
               <a:tblGrid>
-                <a:gridCol w="2615603">
+                <a:gridCol w="2859500">
                   <a:extLst>
                     <a:ext uri="{9D8B030D-6E8A-4147-A177-3AD203B41FA5}">
                       <a16:colId xmlns:a16="http://schemas.microsoft.com/office/drawing/2014/main" val="20000"/>
                     </a:ext>
                   </a:extLst>
                 </a:gridCol>
-                <a:gridCol w="2496590">
+                <a:gridCol w="2490280">
                   <a:extLst>
                     <a:ext uri="{9D8B030D-6E8A-4147-A177-3AD203B41FA5}">
-                      <a16:colId xmlns:a16="http://schemas.microsoft.com/office/drawing/2014/main" val="20001"/>
+                      <a16:colId xmlns:a16="http://schemas.microsoft.com/office/drawing/2014/main" val="3880285262"/>
                     </a:ext>
                   </a:extLst>
                 </a:gridCol>
-                <a:gridCol w="3117408">
+                <a:gridCol w="2869660">
                   <a:extLst>
                     <a:ext uri="{9D8B030D-6E8A-4147-A177-3AD203B41FA5}">
-                      <a16:colId xmlns:a16="http://schemas.microsoft.com/office/drawing/2014/main" val="20002"/>
+                      <a16:colId xmlns:a16="http://schemas.microsoft.com/office/drawing/2014/main" val="1217835590"/>
                     </a:ext>
                   </a:extLst>
                 </a:gridCol>
@@ -5864,13 +6702,10 @@
                         <a:defRPr b="1"/>
                       </a:pPr>
                       <a:r>
-                        <a:rPr sz="2400" dirty="0" err="1"/>
-                        <a:t>Hauptwirkung</a:t>
-                      </a:r>
-                      <a:r>
-                        <a:rPr sz="2400" dirty="0"/>
-                        <a:t> auf</a:t>
-                      </a:r>
+                        <a:rPr lang="de-CH" sz="2400"/>
+                        <a:t>Hauptwirkung auf</a:t>
+                      </a:r>
+                      <a:endParaRPr sz="2400" dirty="0"/>
                     </a:p>
                   </a:txBody>
                   <a:tcPr/>
@@ -5884,9 +6719,10 @@
                         <a:defRPr b="1"/>
                       </a:pPr>
                       <a:r>
-                        <a:rPr sz="2400"/>
+                        <a:rPr lang="de-CH" sz="2400"/>
                         <a:t>Nutzen / Wirkung</a:t>
                       </a:r>
+                      <a:endParaRPr sz="2400" dirty="0"/>
                     </a:p>
                   </a:txBody>
                   <a:tcPr/>
@@ -5924,8 +6760,11 @@
                       </a:r>
                       <a:r>
                         <a:rPr lang="de-CH" sz="1600" b="0" dirty="0"/>
-                        <a:t>!</a:t>
-                      </a:r>
+                        <a:t>! </a:t>
+                      </a:r>
+                      <a:br>
+                        <a:rPr lang="de-CH" sz="1600" b="0" dirty="0"/>
+                      </a:br>
                       <a:endParaRPr sz="1600" b="0" dirty="0"/>
                     </a:p>
                   </a:txBody>
@@ -5940,9 +6779,10 @@
                         <a:defRPr sz="1150"/>
                       </a:pPr>
                       <a:r>
-                        <a:rPr sz="1600" dirty="0"/>
+                        <a:rPr lang="de-CH" sz="1600" dirty="0"/>
                         <a:t>SBERT</a:t>
                       </a:r>
+                      <a:endParaRPr sz="1600" b="0" dirty="0"/>
                     </a:p>
                   </a:txBody>
                   <a:tcPr/>
@@ -5956,9 +6796,10 @@
                         <a:defRPr sz="1150"/>
                       </a:pPr>
                       <a:r>
-                        <a:rPr sz="1600"/>
+                        <a:rPr lang="de-CH" sz="1600" dirty="0"/>
                         <a:t>Verbessert semantische Repräsentationen.</a:t>
                       </a:r>
+                      <a:endParaRPr sz="1600" dirty="0"/>
                     </a:p>
                   </a:txBody>
                   <a:tcPr/>
@@ -5966,6 +6807,94 @@
                 <a:extLst>
                   <a:ext uri="{0D108BD9-81ED-4DB2-BD59-A6C34878D82A}">
                     <a16:rowId xmlns:a16="http://schemas.microsoft.com/office/drawing/2014/main" val="10001"/>
+                  </a:ext>
+                </a:extLst>
+              </a:tr>
+              <a:tr h="438912">
+                <a:tc gridSpan="3">
+                  <a:txBody>
+                    <a:bodyPr/>
+                    <a:lstStyle/>
+                    <a:p>
+                      <a:pPr marL="285750" indent="-285750">
+                        <a:buFont typeface="Wingdings" panose="05000000000000000000" pitchFamily="2" charset="2"/>
+                        <a:buChar char="à"/>
+                        <a:defRPr sz="1150"/>
+                      </a:pPr>
+                      <a:r>
+                        <a:rPr lang="de-CH" sz="1600" b="0" dirty="0" err="1"/>
+                        <a:t>Vocabulary</a:t>
+                      </a:r>
+                      <a:r>
+                        <a:rPr lang="de-CH" sz="1600" b="0" dirty="0"/>
+                        <a:t> Growth </a:t>
+                      </a:r>
+                      <a:r>
+                        <a:rPr lang="de-CH" sz="1600" b="0" dirty="0" err="1"/>
+                        <a:t>Curve</a:t>
+                      </a:r>
+                      <a:r>
+                        <a:rPr lang="de-CH" sz="1600" b="0" dirty="0"/>
+                        <a:t> zur Validierung der Sprachvielfalt mit zunehmenden Daten</a:t>
+                      </a:r>
+                    </a:p>
+                    <a:p>
+                      <a:pPr marL="285750" indent="-285750">
+                        <a:buFont typeface="Wingdings" panose="05000000000000000000" pitchFamily="2" charset="2"/>
+                        <a:buChar char="à"/>
+                        <a:defRPr sz="1150"/>
+                      </a:pPr>
+                      <a:r>
+                        <a:rPr lang="de-CH" sz="1600" b="0" dirty="0" err="1"/>
+                        <a:t>Zipf’s</a:t>
+                      </a:r>
+                      <a:r>
+                        <a:rPr lang="de-CH" sz="1600" b="0" dirty="0"/>
+                        <a:t> Law zur Validierung der natürlichen Wortfrequenzverteilung</a:t>
+                      </a:r>
+                      <a:endParaRPr sz="1600" b="0" dirty="0"/>
+                    </a:p>
+                  </a:txBody>
+                  <a:tcPr>
+                    <a:solidFill>
+                      <a:schemeClr val="bg2">
+                        <a:lumMod val="75000"/>
+                      </a:schemeClr>
+                    </a:solidFill>
+                  </a:tcPr>
+                </a:tc>
+                <a:tc hMerge="1">
+                  <a:txBody>
+                    <a:bodyPr/>
+                    <a:lstStyle/>
+                    <a:p>
+                      <a:endParaRPr lang="de-CH"/>
+                    </a:p>
+                  </a:txBody>
+                  <a:tcPr/>
+                </a:tc>
+                <a:tc hMerge="1">
+                  <a:txBody>
+                    <a:bodyPr/>
+                    <a:lstStyle/>
+                    <a:p>
+                      <a:pPr>
+                        <a:defRPr sz="1150"/>
+                      </a:pPr>
+                      <a:endParaRPr sz="1600" b="0" dirty="0"/>
+                    </a:p>
+                  </a:txBody>
+                  <a:tcPr>
+                    <a:solidFill>
+                      <a:schemeClr val="bg2">
+                        <a:lumMod val="75000"/>
+                      </a:schemeClr>
+                    </a:solidFill>
+                  </a:tcPr>
+                </a:tc>
+                <a:extLst>
+                  <a:ext uri="{0D108BD9-81ED-4DB2-BD59-A6C34878D82A}">
+                    <a16:rowId xmlns:a16="http://schemas.microsoft.com/office/drawing/2014/main" val="2145466047"/>
                   </a:ext>
                 </a:extLst>
               </a:tr>
@@ -5982,391 +6911,8 @@
                         <a:rPr sz="1600" dirty="0" err="1"/>
                         <a:t>Stoppwort-Optimierung</a:t>
                       </a:r>
-                      <a:endParaRPr sz="1600" dirty="0"/>
+                      <a:endParaRPr lang="de-CH" sz="1600" dirty="0"/>
                     </a:p>
-                  </a:txBody>
-                  <a:tcPr/>
-                </a:tc>
-                <a:tc>
-                  <a:txBody>
-                    <a:bodyPr/>
-                    <a:lstStyle/>
-                    <a:p>
-                      <a:pPr>
-                        <a:defRPr sz="1150"/>
-                      </a:pPr>
-                      <a:r>
-                        <a:rPr sz="1600" dirty="0" err="1"/>
-                        <a:t>BoW</a:t>
-                      </a:r>
-                      <a:r>
-                        <a:rPr sz="1600" dirty="0"/>
-                        <a:t> / TF‑IDF</a:t>
-                      </a:r>
-                    </a:p>
-                  </a:txBody>
-                  <a:tcPr/>
-                </a:tc>
-                <a:tc>
-                  <a:txBody>
-                    <a:bodyPr/>
-                    <a:lstStyle/>
-                    <a:p>
-                      <a:pPr>
-                        <a:defRPr sz="1150"/>
-                      </a:pPr>
-                      <a:r>
-                        <a:rPr sz="1600"/>
-                        <a:t>Reduziert Rauschen, stärkt relevante Signale.</a:t>
-                      </a:r>
-                    </a:p>
-                  </a:txBody>
-                  <a:tcPr/>
-                </a:tc>
-                <a:extLst>
-                  <a:ext uri="{0D108BD9-81ED-4DB2-BD59-A6C34878D82A}">
-                    <a16:rowId xmlns:a16="http://schemas.microsoft.com/office/drawing/2014/main" val="10002"/>
-                  </a:ext>
-                </a:extLst>
-              </a:tr>
-              <a:tr h="438912">
-                <a:tc>
-                  <a:txBody>
-                    <a:bodyPr/>
-                    <a:lstStyle/>
-                    <a:p>
-                      <a:pPr>
-                        <a:defRPr sz="1150"/>
-                      </a:pPr>
-                      <a:r>
-                        <a:rPr lang="de-CH" sz="1600" dirty="0"/>
-                        <a:t>Bessere </a:t>
-                      </a:r>
-                      <a:r>
-                        <a:rPr sz="1600" dirty="0" err="1"/>
-                        <a:t>Normalisierung</a:t>
-                      </a:r>
-                      <a:r>
-                        <a:rPr sz="1600" dirty="0"/>
-                        <a:t> &amp; Lemmatization</a:t>
-                      </a:r>
-                      <a:r>
-                        <a:rPr lang="de-CH" sz="1600" dirty="0"/>
-                        <a:t>, Dialekt-Mapping (auch für SBERT!)</a:t>
-                      </a:r>
-                      <a:endParaRPr sz="1600" dirty="0"/>
-                    </a:p>
-                  </a:txBody>
-                  <a:tcPr/>
-                </a:tc>
-                <a:tc>
-                  <a:txBody>
-                    <a:bodyPr/>
-                    <a:lstStyle/>
-                    <a:p>
-                      <a:pPr>
-                        <a:defRPr sz="1150"/>
-                      </a:pPr>
-                      <a:r>
-                        <a:rPr lang="de-CH" sz="1600" dirty="0"/>
-                        <a:t>alle</a:t>
-                      </a:r>
-                      <a:endParaRPr sz="1600" dirty="0"/>
-                    </a:p>
-                  </a:txBody>
-                  <a:tcPr/>
-                </a:tc>
-                <a:tc>
-                  <a:txBody>
-                    <a:bodyPr/>
-                    <a:lstStyle/>
-                    <a:p>
-                      <a:pPr>
-                        <a:defRPr sz="1150"/>
-                      </a:pPr>
-                      <a:r>
-                        <a:rPr sz="1600" dirty="0" err="1"/>
-                        <a:t>Erkennt</a:t>
-                      </a:r>
-                      <a:r>
-                        <a:rPr sz="1600" dirty="0"/>
-                        <a:t> </a:t>
-                      </a:r>
-                      <a:r>
-                        <a:rPr sz="1600" dirty="0" err="1"/>
-                        <a:t>Varianten</a:t>
-                      </a:r>
-                      <a:r>
-                        <a:rPr sz="1600" dirty="0"/>
-                        <a:t> &amp; </a:t>
-                      </a:r>
-                      <a:r>
-                        <a:rPr sz="1600" dirty="0" err="1"/>
-                        <a:t>Schreibweisen</a:t>
-                      </a:r>
-                      <a:r>
-                        <a:rPr sz="1600" dirty="0"/>
-                        <a:t> </a:t>
-                      </a:r>
-                      <a:r>
-                        <a:rPr sz="1600" dirty="0" err="1"/>
-                        <a:t>besser</a:t>
-                      </a:r>
-                      <a:r>
-                        <a:rPr sz="1600" dirty="0"/>
-                        <a:t>.</a:t>
-                      </a:r>
-                    </a:p>
-                  </a:txBody>
-                  <a:tcPr/>
-                </a:tc>
-                <a:extLst>
-                  <a:ext uri="{0D108BD9-81ED-4DB2-BD59-A6C34878D82A}">
-                    <a16:rowId xmlns:a16="http://schemas.microsoft.com/office/drawing/2014/main" val="10003"/>
-                  </a:ext>
-                </a:extLst>
-              </a:tr>
-              <a:tr h="438912">
-                <a:tc>
-                  <a:txBody>
-                    <a:bodyPr/>
-                    <a:lstStyle/>
-                    <a:p>
-                      <a:pPr>
-                        <a:defRPr sz="1150"/>
-                      </a:pPr>
-                      <a:r>
-                        <a:rPr sz="1600" dirty="0"/>
-                        <a:t>Char‑n‑grams </a:t>
-                      </a:r>
-                      <a:r>
-                        <a:rPr sz="1600" dirty="0" err="1"/>
-                        <a:t>oder</a:t>
-                      </a:r>
-                      <a:r>
-                        <a:rPr sz="1600" dirty="0"/>
-                        <a:t> </a:t>
-                      </a:r>
-                      <a:r>
-                        <a:rPr sz="1600" dirty="0" err="1"/>
-                        <a:t>Subwords</a:t>
-                      </a:r>
-                      <a:endParaRPr sz="1600" dirty="0"/>
-                    </a:p>
-                  </a:txBody>
-                  <a:tcPr/>
-                </a:tc>
-                <a:tc>
-                  <a:txBody>
-                    <a:bodyPr/>
-                    <a:lstStyle/>
-                    <a:p>
-                      <a:pPr>
-                        <a:defRPr sz="1150"/>
-                      </a:pPr>
-                      <a:r>
-                        <a:rPr sz="1600" dirty="0" err="1"/>
-                        <a:t>BoW</a:t>
-                      </a:r>
-                      <a:r>
-                        <a:rPr sz="1600" dirty="0"/>
-                        <a:t> / TF‑IDF</a:t>
-                      </a:r>
-                    </a:p>
-                  </a:txBody>
-                  <a:tcPr/>
-                </a:tc>
-                <a:tc>
-                  <a:txBody>
-                    <a:bodyPr/>
-                    <a:lstStyle/>
-                    <a:p>
-                      <a:pPr>
-                        <a:defRPr sz="1150"/>
-                      </a:pPr>
-                      <a:r>
-                        <a:rPr sz="1600" dirty="0" err="1"/>
-                        <a:t>Erhöht</a:t>
-                      </a:r>
-                      <a:r>
-                        <a:rPr sz="1600" dirty="0"/>
-                        <a:t> </a:t>
-                      </a:r>
-                      <a:r>
-                        <a:rPr sz="1600" dirty="0" err="1"/>
-                        <a:t>Robustheit</a:t>
-                      </a:r>
-                      <a:r>
-                        <a:rPr sz="1600" dirty="0"/>
-                        <a:t> </a:t>
-                      </a:r>
-                      <a:r>
-                        <a:rPr sz="1600" dirty="0" err="1"/>
-                        <a:t>bei</a:t>
-                      </a:r>
-                      <a:r>
-                        <a:rPr sz="1600" dirty="0"/>
-                        <a:t> </a:t>
-                      </a:r>
-                      <a:r>
-                        <a:rPr sz="1600" dirty="0" err="1"/>
-                        <a:t>Tippfehlern</a:t>
-                      </a:r>
-                      <a:r>
-                        <a:rPr sz="1600" dirty="0"/>
-                        <a:t> &amp; </a:t>
-                      </a:r>
-                      <a:r>
-                        <a:rPr sz="1600" dirty="0" err="1"/>
-                        <a:t>Dialektformen</a:t>
-                      </a:r>
-                      <a:endParaRPr sz="1600" dirty="0"/>
-                    </a:p>
-                  </a:txBody>
-                  <a:tcPr/>
-                </a:tc>
-                <a:extLst>
-                  <a:ext uri="{0D108BD9-81ED-4DB2-BD59-A6C34878D82A}">
-                    <a16:rowId xmlns:a16="http://schemas.microsoft.com/office/drawing/2014/main" val="10004"/>
-                  </a:ext>
-                </a:extLst>
-              </a:tr>
-              <a:tr h="438912">
-                <a:tc>
-                  <a:txBody>
-                    <a:bodyPr/>
-                    <a:lstStyle/>
-                    <a:p>
-                      <a:pPr>
-                        <a:defRPr sz="1150"/>
-                      </a:pPr>
-                      <a:r>
-                        <a:rPr sz="1600" dirty="0"/>
-                        <a:t>N‑Gram‑</a:t>
-                      </a:r>
-                      <a:r>
-                        <a:rPr sz="1600" dirty="0" err="1"/>
-                        <a:t>Optimierung</a:t>
-                      </a:r>
-                      <a:r>
-                        <a:rPr sz="1600" dirty="0"/>
-                        <a:t> (1–3)</a:t>
-                      </a:r>
-                    </a:p>
-                  </a:txBody>
-                  <a:tcPr/>
-                </a:tc>
-                <a:tc>
-                  <a:txBody>
-                    <a:bodyPr/>
-                    <a:lstStyle/>
-                    <a:p>
-                      <a:pPr>
-                        <a:defRPr sz="1150"/>
-                      </a:pPr>
-                      <a:r>
-                        <a:rPr lang="de-CH" sz="1600" dirty="0" err="1"/>
-                        <a:t>BoW</a:t>
-                      </a:r>
-                      <a:r>
-                        <a:rPr lang="de-CH" sz="1600" dirty="0"/>
-                        <a:t> / </a:t>
-                      </a:r>
-                      <a:r>
-                        <a:rPr sz="1600" dirty="0"/>
-                        <a:t>TF‑IDF</a:t>
-                      </a:r>
-                    </a:p>
-                  </a:txBody>
-                  <a:tcPr/>
-                </a:tc>
-                <a:tc>
-                  <a:txBody>
-                    <a:bodyPr/>
-                    <a:lstStyle/>
-                    <a:p>
-                      <a:pPr>
-                        <a:defRPr sz="1150"/>
-                      </a:pPr>
-                      <a:r>
-                        <a:rPr sz="1600" dirty="0" err="1"/>
-                        <a:t>Erkennt</a:t>
-                      </a:r>
-                      <a:r>
-                        <a:rPr sz="1600" dirty="0"/>
-                        <a:t> </a:t>
-                      </a:r>
-                      <a:r>
-                        <a:rPr sz="1600" dirty="0" err="1"/>
-                        <a:t>längere</a:t>
-                      </a:r>
-                      <a:r>
-                        <a:rPr sz="1600" dirty="0"/>
-                        <a:t> </a:t>
-                      </a:r>
-                      <a:r>
-                        <a:rPr sz="1600" dirty="0" err="1"/>
-                        <a:t>Phrasen</a:t>
-                      </a:r>
-                      <a:r>
-                        <a:rPr sz="1600" dirty="0"/>
-                        <a:t> &amp; </a:t>
-                      </a:r>
-                      <a:r>
-                        <a:rPr sz="1600" dirty="0" err="1"/>
-                        <a:t>Negationen</a:t>
-                      </a:r>
-                      <a:r>
-                        <a:rPr sz="1600" dirty="0"/>
-                        <a:t> („</a:t>
-                      </a:r>
-                      <a:r>
-                        <a:rPr sz="1600" dirty="0" err="1"/>
-                        <a:t>nicht</a:t>
-                      </a:r>
-                      <a:r>
-                        <a:rPr sz="1600" dirty="0"/>
-                        <a:t> mega </a:t>
-                      </a:r>
-                      <a:r>
-                        <a:rPr sz="1600" dirty="0" err="1"/>
-                        <a:t>guet</a:t>
-                      </a:r>
-                      <a:r>
-                        <a:rPr sz="1600" dirty="0"/>
-                        <a:t>“)</a:t>
-                      </a:r>
-                    </a:p>
-                  </a:txBody>
-                  <a:tcPr/>
-                </a:tc>
-                <a:extLst>
-                  <a:ext uri="{0D108BD9-81ED-4DB2-BD59-A6C34878D82A}">
-                    <a16:rowId xmlns:a16="http://schemas.microsoft.com/office/drawing/2014/main" val="10005"/>
-                  </a:ext>
-                </a:extLst>
-              </a:tr>
-              <a:tr h="438912">
-                <a:tc>
-                  <a:txBody>
-                    <a:bodyPr/>
-                    <a:lstStyle/>
-                    <a:p>
-                      <a:pPr>
-                        <a:defRPr sz="1150"/>
-                      </a:pPr>
-                      <a:r>
-                        <a:rPr lang="de-CH" sz="1600" dirty="0"/>
-                        <a:t>Viertes Modell?</a:t>
-                      </a:r>
-                    </a:p>
-                  </a:txBody>
-                  <a:tcPr/>
-                </a:tc>
-                <a:tc>
-                  <a:txBody>
-                    <a:bodyPr/>
-                    <a:lstStyle/>
                     <a:p>
                       <a:pPr>
                         <a:defRPr sz="1150"/>
@@ -6390,6 +6936,97 @@
                       <a:pPr>
                         <a:defRPr sz="1150"/>
                       </a:pPr>
+                      <a:r>
+                        <a:rPr lang="de-CH" sz="1600"/>
+                        <a:t>BoW / TF‑IDF</a:t>
+                      </a:r>
+                      <a:endParaRPr sz="1600" dirty="0"/>
+                    </a:p>
+                  </a:txBody>
+                  <a:tcPr/>
+                </a:tc>
+                <a:tc>
+                  <a:txBody>
+                    <a:bodyPr/>
+                    <a:lstStyle/>
+                    <a:p>
+                      <a:pPr>
+                        <a:defRPr sz="1150"/>
+                      </a:pPr>
+                      <a:r>
+                        <a:rPr lang="de-DE" sz="1600"/>
+                        <a:t>Reduziert Rauschen, stärkt relevante Signale.</a:t>
+                      </a:r>
+                      <a:endParaRPr sz="1600"/>
+                    </a:p>
+                  </a:txBody>
+                  <a:tcPr/>
+                </a:tc>
+                <a:extLst>
+                  <a:ext uri="{0D108BD9-81ED-4DB2-BD59-A6C34878D82A}">
+                    <a16:rowId xmlns:a16="http://schemas.microsoft.com/office/drawing/2014/main" val="10002"/>
+                  </a:ext>
+                </a:extLst>
+              </a:tr>
+              <a:tr h="438912">
+                <a:tc>
+                  <a:txBody>
+                    <a:bodyPr/>
+                    <a:lstStyle/>
+                    <a:p>
+                      <a:pPr>
+                        <a:defRPr sz="1150"/>
+                      </a:pPr>
+                      <a:r>
+                        <a:rPr lang="de-CH" sz="1600" dirty="0"/>
+                        <a:t>Bessere </a:t>
+                      </a:r>
+                      <a:r>
+                        <a:rPr sz="1600" dirty="0" err="1"/>
+                        <a:t>Normalisierung</a:t>
+                      </a:r>
+                      <a:r>
+                        <a:rPr sz="1600" dirty="0"/>
+                        <a:t> &amp; Lemmatization</a:t>
+                      </a:r>
+                      <a:r>
+                        <a:rPr lang="de-CH" sz="1600" dirty="0"/>
+                        <a:t>, Dialekt-Mapping (auch für SBERT!)</a:t>
+                      </a:r>
+                      <a:endParaRPr sz="1600" dirty="0"/>
+                    </a:p>
+                  </a:txBody>
+                  <a:tcPr/>
+                </a:tc>
+                <a:tc>
+                  <a:txBody>
+                    <a:bodyPr/>
+                    <a:lstStyle/>
+                    <a:p>
+                      <a:pPr>
+                        <a:defRPr sz="1150"/>
+                      </a:pPr>
+                      <a:r>
+                        <a:rPr lang="de-CH" sz="1600" dirty="0"/>
+                        <a:t>alle</a:t>
+                      </a:r>
+                      <a:endParaRPr sz="1600" dirty="0"/>
+                    </a:p>
+                  </a:txBody>
+                  <a:tcPr/>
+                </a:tc>
+                <a:tc>
+                  <a:txBody>
+                    <a:bodyPr/>
+                    <a:lstStyle/>
+                    <a:p>
+                      <a:pPr>
+                        <a:defRPr sz="1150"/>
+                      </a:pPr>
+                      <a:r>
+                        <a:rPr lang="de-CH" sz="1600"/>
+                        <a:t>Erkennt Varianten &amp; Schreibweisen besser.</a:t>
+                      </a:r>
                       <a:endParaRPr sz="1600" dirty="0"/>
                     </a:p>
                   </a:txBody>
@@ -6397,7 +7034,187 @@
                 </a:tc>
                 <a:extLst>
                   <a:ext uri="{0D108BD9-81ED-4DB2-BD59-A6C34878D82A}">
-                    <a16:rowId xmlns:a16="http://schemas.microsoft.com/office/drawing/2014/main" val="1045243634"/>
+                    <a16:rowId xmlns:a16="http://schemas.microsoft.com/office/drawing/2014/main" val="10003"/>
+                  </a:ext>
+                </a:extLst>
+              </a:tr>
+              <a:tr h="438912">
+                <a:tc>
+                  <a:txBody>
+                    <a:bodyPr/>
+                    <a:lstStyle/>
+                    <a:p>
+                      <a:pPr>
+                        <a:defRPr sz="1150"/>
+                      </a:pPr>
+                      <a:r>
+                        <a:rPr sz="1600" dirty="0"/>
+                        <a:t>Char‑n‑grams </a:t>
+                      </a:r>
+                      <a:r>
+                        <a:rPr sz="1600" dirty="0" err="1"/>
+                        <a:t>oder</a:t>
+                      </a:r>
+                      <a:r>
+                        <a:rPr sz="1600" dirty="0"/>
+                        <a:t> </a:t>
+                      </a:r>
+                      <a:r>
+                        <a:rPr sz="1600" dirty="0" err="1"/>
+                        <a:t>Subwords</a:t>
+                      </a:r>
+                      <a:endParaRPr lang="de-CH" sz="1600" dirty="0"/>
+                    </a:p>
+                    <a:p>
+                      <a:pPr>
+                        <a:defRPr sz="1150"/>
+                      </a:pPr>
+                      <a:endParaRPr lang="de-CH" sz="1600" dirty="0"/>
+                    </a:p>
+                    <a:p>
+                      <a:pPr>
+                        <a:defRPr sz="1150"/>
+                      </a:pPr>
+                      <a:endParaRPr sz="1600" dirty="0"/>
+                    </a:p>
+                  </a:txBody>
+                  <a:tcPr/>
+                </a:tc>
+                <a:tc>
+                  <a:txBody>
+                    <a:bodyPr/>
+                    <a:lstStyle/>
+                    <a:p>
+                      <a:pPr>
+                        <a:defRPr sz="1150"/>
+                      </a:pPr>
+                      <a:r>
+                        <a:rPr lang="de-CH" sz="1600"/>
+                        <a:t>BoW / TF‑IDF</a:t>
+                      </a:r>
+                      <a:endParaRPr sz="1600" dirty="0"/>
+                    </a:p>
+                  </a:txBody>
+                  <a:tcPr/>
+                </a:tc>
+                <a:tc>
+                  <a:txBody>
+                    <a:bodyPr/>
+                    <a:lstStyle/>
+                    <a:p>
+                      <a:pPr>
+                        <a:defRPr sz="1150"/>
+                      </a:pPr>
+                      <a:r>
+                        <a:rPr lang="de-DE" sz="1600"/>
+                        <a:t>Erhöht Robustheit bei Tippfehlern &amp; Dialektformen</a:t>
+                      </a:r>
+                      <a:endParaRPr sz="1600" dirty="0"/>
+                    </a:p>
+                  </a:txBody>
+                  <a:tcPr/>
+                </a:tc>
+                <a:extLst>
+                  <a:ext uri="{0D108BD9-81ED-4DB2-BD59-A6C34878D82A}">
+                    <a16:rowId xmlns:a16="http://schemas.microsoft.com/office/drawing/2014/main" val="10004"/>
+                  </a:ext>
+                </a:extLst>
+              </a:tr>
+              <a:tr h="438912">
+                <a:tc>
+                  <a:txBody>
+                    <a:bodyPr/>
+                    <a:lstStyle/>
+                    <a:p>
+                      <a:pPr>
+                        <a:defRPr sz="1150"/>
+                      </a:pPr>
+                      <a:r>
+                        <a:rPr sz="1600" dirty="0"/>
+                        <a:t>N‑Gram‑</a:t>
+                      </a:r>
+                      <a:r>
+                        <a:rPr sz="1600" dirty="0" err="1"/>
+                        <a:t>Optimierung</a:t>
+                      </a:r>
+                      <a:r>
+                        <a:rPr sz="1600" dirty="0"/>
+                        <a:t> (1–3)</a:t>
+                      </a:r>
+                      <a:endParaRPr lang="de-CH" sz="1600" dirty="0"/>
+                    </a:p>
+                    <a:p>
+                      <a:pPr>
+                        <a:defRPr sz="1150"/>
+                      </a:pPr>
+                      <a:endParaRPr lang="de-CH" sz="1600" dirty="0"/>
+                    </a:p>
+                    <a:p>
+                      <a:pPr>
+                        <a:defRPr sz="1150"/>
+                      </a:pPr>
+                      <a:endParaRPr sz="1600" dirty="0"/>
+                    </a:p>
+                  </a:txBody>
+                  <a:tcPr/>
+                </a:tc>
+                <a:tc>
+                  <a:txBody>
+                    <a:bodyPr/>
+                    <a:lstStyle/>
+                    <a:p>
+                      <a:pPr>
+                        <a:defRPr sz="1150"/>
+                      </a:pPr>
+                      <a:r>
+                        <a:rPr lang="de-CH" sz="1600" dirty="0" err="1"/>
+                        <a:t>BoW</a:t>
+                      </a:r>
+                      <a:r>
+                        <a:rPr lang="de-CH" sz="1600" dirty="0"/>
+                        <a:t> / TF‑IDF</a:t>
+                      </a:r>
+                      <a:endParaRPr sz="1600" dirty="0"/>
+                    </a:p>
+                  </a:txBody>
+                  <a:tcPr/>
+                </a:tc>
+                <a:tc>
+                  <a:txBody>
+                    <a:bodyPr/>
+                    <a:lstStyle/>
+                    <a:p>
+                      <a:pPr>
+                        <a:defRPr sz="1150"/>
+                      </a:pPr>
+                      <a:r>
+                        <a:rPr lang="de-DE" sz="1600" dirty="0"/>
+                        <a:t>Erkennt längere Phrasen &amp; Negationen („nicht </a:t>
+                      </a:r>
+                      <a:r>
+                        <a:rPr lang="de-DE" sz="1600" dirty="0" err="1"/>
+                        <a:t>mega</a:t>
+                      </a:r>
+                      <a:r>
+                        <a:rPr lang="de-DE" sz="1600" dirty="0"/>
+                        <a:t> </a:t>
+                      </a:r>
+                      <a:r>
+                        <a:rPr lang="de-DE" sz="1600" dirty="0" err="1"/>
+                        <a:t>guet</a:t>
+                      </a:r>
+                      <a:r>
+                        <a:rPr lang="de-DE" sz="1600" dirty="0"/>
+                        <a:t>“)</a:t>
+                      </a:r>
+                      <a:endParaRPr sz="1600" dirty="0"/>
+                    </a:p>
+                  </a:txBody>
+                  <a:tcPr/>
+                </a:tc>
+                <a:extLst>
+                  <a:ext uri="{0D108BD9-81ED-4DB2-BD59-A6C34878D82A}">
+                    <a16:rowId xmlns:a16="http://schemas.microsoft.com/office/drawing/2014/main" val="10005"/>
                   </a:ext>
                 </a:extLst>
               </a:tr>
@@ -6602,7 +7419,7 @@
         <p:spPr/>
         <p:txBody>
           <a:bodyPr>
-            <a:normAutofit/>
+            <a:normAutofit lnSpcReduction="10000"/>
           </a:bodyPr>
           <a:lstStyle/>
           <a:p>
@@ -6614,6 +7431,13 @@
               <a:rPr dirty="0" err="1"/>
               <a:t>Datensatz</a:t>
             </a:r>
+            <a:endParaRPr lang="de-CH" dirty="0"/>
+          </a:p>
+          <a:p>
+            <a:r>
+              <a:rPr lang="de-CH" dirty="0"/>
+              <a:t>Modelle</a:t>
+            </a:r>
             <a:endParaRPr dirty="0"/>
           </a:p>
           <a:p>
@@ -6629,14 +7453,7 @@
               <a:rPr dirty="0" err="1"/>
               <a:t>Analyse</a:t>
             </a:r>
-            <a:r>
-              <a:rPr lang="de-CH" dirty="0"/>
-              <a:t> </a:t>
-            </a:r>
-            <a:r>
-              <a:rPr dirty="0"/>
-              <a:t>(N‑Grams)</a:t>
-            </a:r>
+            <a:endParaRPr dirty="0"/>
           </a:p>
           <a:p>
             <a:r>
@@ -6968,9 +7785,10 @@
               <a:defRPr b="1"/>
             </a:pPr>
             <a:r>
-              <a:rPr dirty="0"/>
-              <a:t>Setup</a:t>
-            </a:r>
+              <a:rPr lang="de-CH" dirty="0"/>
+              <a:t>Datensatz</a:t>
+            </a:r>
+            <a:endParaRPr dirty="0"/>
           </a:p>
           <a:p>
             <a:pPr lvl="1"/>
@@ -7151,10 +7969,812 @@
   <p:clrMapOvr>
     <a:masterClrMapping/>
   </p:clrMapOvr>
+  <p:timing>
+    <p:tnLst>
+      <p:par>
+        <p:cTn id="1" dur="indefinite" restart="never" nodeType="tmRoot">
+          <p:childTnLst>
+            <p:seq concurrent="1" nextAc="seek">
+              <p:cTn id="2" dur="indefinite" nodeType="mainSeq">
+                <p:childTnLst>
+                  <p:par>
+                    <p:cTn id="3" fill="hold">
+                      <p:stCondLst>
+                        <p:cond delay="indefinite"/>
+                      </p:stCondLst>
+                      <p:childTnLst>
+                        <p:par>
+                          <p:cTn id="4" fill="hold">
+                            <p:stCondLst>
+                              <p:cond delay="0"/>
+                            </p:stCondLst>
+                            <p:childTnLst>
+                              <p:par>
+                                <p:cTn id="5" presetID="1" presetClass="entr" presetSubtype="0" fill="hold" grpId="0" nodeType="clickEffect">
+                                  <p:stCondLst>
+                                    <p:cond delay="0"/>
+                                  </p:stCondLst>
+                                  <p:childTnLst>
+                                    <p:set>
+                                      <p:cBhvr>
+                                        <p:cTn id="6" dur="1" fill="hold">
+                                          <p:stCondLst>
+                                            <p:cond delay="0"/>
+                                          </p:stCondLst>
+                                        </p:cTn>
+                                        <p:tgtEl>
+                                          <p:spTgt spid="4">
+                                            <p:txEl>
+                                              <p:pRg st="0" end="0"/>
+                                            </p:txEl>
+                                          </p:spTgt>
+                                        </p:tgtEl>
+                                        <p:attrNameLst>
+                                          <p:attrName>style.visibility</p:attrName>
+                                        </p:attrNameLst>
+                                      </p:cBhvr>
+                                      <p:to>
+                                        <p:strVal val="visible"/>
+                                      </p:to>
+                                    </p:set>
+                                  </p:childTnLst>
+                                </p:cTn>
+                              </p:par>
+                              <p:par>
+                                <p:cTn id="7" presetID="1" presetClass="entr" presetSubtype="0" fill="hold" grpId="0" nodeType="withEffect">
+                                  <p:stCondLst>
+                                    <p:cond delay="0"/>
+                                  </p:stCondLst>
+                                  <p:childTnLst>
+                                    <p:set>
+                                      <p:cBhvr>
+                                        <p:cTn id="8" dur="1" fill="hold">
+                                          <p:stCondLst>
+                                            <p:cond delay="0"/>
+                                          </p:stCondLst>
+                                        </p:cTn>
+                                        <p:tgtEl>
+                                          <p:spTgt spid="4">
+                                            <p:txEl>
+                                              <p:pRg st="1" end="1"/>
+                                            </p:txEl>
+                                          </p:spTgt>
+                                        </p:tgtEl>
+                                        <p:attrNameLst>
+                                          <p:attrName>style.visibility</p:attrName>
+                                        </p:attrNameLst>
+                                      </p:cBhvr>
+                                      <p:to>
+                                        <p:strVal val="visible"/>
+                                      </p:to>
+                                    </p:set>
+                                  </p:childTnLst>
+                                </p:cTn>
+                              </p:par>
+                              <p:par>
+                                <p:cTn id="9" presetID="1" presetClass="entr" presetSubtype="0" fill="hold" grpId="0" nodeType="withEffect">
+                                  <p:stCondLst>
+                                    <p:cond delay="0"/>
+                                  </p:stCondLst>
+                                  <p:childTnLst>
+                                    <p:set>
+                                      <p:cBhvr>
+                                        <p:cTn id="10" dur="1" fill="hold">
+                                          <p:stCondLst>
+                                            <p:cond delay="0"/>
+                                          </p:stCondLst>
+                                        </p:cTn>
+                                        <p:tgtEl>
+                                          <p:spTgt spid="4">
+                                            <p:txEl>
+                                              <p:pRg st="3" end="3"/>
+                                            </p:txEl>
+                                          </p:spTgt>
+                                        </p:tgtEl>
+                                        <p:attrNameLst>
+                                          <p:attrName>style.visibility</p:attrName>
+                                        </p:attrNameLst>
+                                      </p:cBhvr>
+                                      <p:to>
+                                        <p:strVal val="visible"/>
+                                      </p:to>
+                                    </p:set>
+                                  </p:childTnLst>
+                                </p:cTn>
+                              </p:par>
+                              <p:par>
+                                <p:cTn id="11" presetID="1" presetClass="entr" presetSubtype="0" fill="hold" grpId="0" nodeType="withEffect">
+                                  <p:stCondLst>
+                                    <p:cond delay="0"/>
+                                  </p:stCondLst>
+                                  <p:childTnLst>
+                                    <p:set>
+                                      <p:cBhvr>
+                                        <p:cTn id="12" dur="1" fill="hold">
+                                          <p:stCondLst>
+                                            <p:cond delay="0"/>
+                                          </p:stCondLst>
+                                        </p:cTn>
+                                        <p:tgtEl>
+                                          <p:spTgt spid="4">
+                                            <p:txEl>
+                                              <p:pRg st="4" end="4"/>
+                                            </p:txEl>
+                                          </p:spTgt>
+                                        </p:tgtEl>
+                                        <p:attrNameLst>
+                                          <p:attrName>style.visibility</p:attrName>
+                                        </p:attrNameLst>
+                                      </p:cBhvr>
+                                      <p:to>
+                                        <p:strVal val="visible"/>
+                                      </p:to>
+                                    </p:set>
+                                  </p:childTnLst>
+                                </p:cTn>
+                              </p:par>
+                              <p:par>
+                                <p:cTn id="13" presetID="1" presetClass="entr" presetSubtype="0" fill="hold" grpId="0" nodeType="withEffect">
+                                  <p:stCondLst>
+                                    <p:cond delay="0"/>
+                                  </p:stCondLst>
+                                  <p:childTnLst>
+                                    <p:set>
+                                      <p:cBhvr>
+                                        <p:cTn id="14" dur="1" fill="hold">
+                                          <p:stCondLst>
+                                            <p:cond delay="0"/>
+                                          </p:stCondLst>
+                                        </p:cTn>
+                                        <p:tgtEl>
+                                          <p:spTgt spid="4">
+                                            <p:txEl>
+                                              <p:pRg st="5" end="5"/>
+                                            </p:txEl>
+                                          </p:spTgt>
+                                        </p:tgtEl>
+                                        <p:attrNameLst>
+                                          <p:attrName>style.visibility</p:attrName>
+                                        </p:attrNameLst>
+                                      </p:cBhvr>
+                                      <p:to>
+                                        <p:strVal val="visible"/>
+                                      </p:to>
+                                    </p:set>
+                                  </p:childTnLst>
+                                </p:cTn>
+                              </p:par>
+                              <p:par>
+                                <p:cTn id="15" presetID="1" presetClass="entr" presetSubtype="0" fill="hold" grpId="0" nodeType="withEffect">
+                                  <p:stCondLst>
+                                    <p:cond delay="0"/>
+                                  </p:stCondLst>
+                                  <p:childTnLst>
+                                    <p:set>
+                                      <p:cBhvr>
+                                        <p:cTn id="16" dur="1" fill="hold">
+                                          <p:stCondLst>
+                                            <p:cond delay="0"/>
+                                          </p:stCondLst>
+                                        </p:cTn>
+                                        <p:tgtEl>
+                                          <p:spTgt spid="4">
+                                            <p:txEl>
+                                              <p:pRg st="6" end="6"/>
+                                            </p:txEl>
+                                          </p:spTgt>
+                                        </p:tgtEl>
+                                        <p:attrNameLst>
+                                          <p:attrName>style.visibility</p:attrName>
+                                        </p:attrNameLst>
+                                      </p:cBhvr>
+                                      <p:to>
+                                        <p:strVal val="visible"/>
+                                      </p:to>
+                                    </p:set>
+                                  </p:childTnLst>
+                                </p:cTn>
+                              </p:par>
+                              <p:par>
+                                <p:cTn id="17" presetID="1" presetClass="entr" presetSubtype="0" fill="hold" grpId="0" nodeType="withEffect">
+                                  <p:stCondLst>
+                                    <p:cond delay="0"/>
+                                  </p:stCondLst>
+                                  <p:childTnLst>
+                                    <p:set>
+                                      <p:cBhvr>
+                                        <p:cTn id="18" dur="1" fill="hold">
+                                          <p:stCondLst>
+                                            <p:cond delay="0"/>
+                                          </p:stCondLst>
+                                        </p:cTn>
+                                        <p:tgtEl>
+                                          <p:spTgt spid="4">
+                                            <p:txEl>
+                                              <p:pRg st="7" end="7"/>
+                                            </p:txEl>
+                                          </p:spTgt>
+                                        </p:tgtEl>
+                                        <p:attrNameLst>
+                                          <p:attrName>style.visibility</p:attrName>
+                                        </p:attrNameLst>
+                                      </p:cBhvr>
+                                      <p:to>
+                                        <p:strVal val="visible"/>
+                                      </p:to>
+                                    </p:set>
+                                  </p:childTnLst>
+                                </p:cTn>
+                              </p:par>
+                              <p:par>
+                                <p:cTn id="19" presetID="1" presetClass="entr" presetSubtype="0" fill="hold" grpId="0" nodeType="withEffect">
+                                  <p:stCondLst>
+                                    <p:cond delay="0"/>
+                                  </p:stCondLst>
+                                  <p:childTnLst>
+                                    <p:set>
+                                      <p:cBhvr>
+                                        <p:cTn id="20" dur="1" fill="hold">
+                                          <p:stCondLst>
+                                            <p:cond delay="0"/>
+                                          </p:stCondLst>
+                                        </p:cTn>
+                                        <p:tgtEl>
+                                          <p:spTgt spid="4">
+                                            <p:txEl>
+                                              <p:pRg st="8" end="8"/>
+                                            </p:txEl>
+                                          </p:spTgt>
+                                        </p:tgtEl>
+                                        <p:attrNameLst>
+                                          <p:attrName>style.visibility</p:attrName>
+                                        </p:attrNameLst>
+                                      </p:cBhvr>
+                                      <p:to>
+                                        <p:strVal val="visible"/>
+                                      </p:to>
+                                    </p:set>
+                                  </p:childTnLst>
+                                </p:cTn>
+                              </p:par>
+                              <p:par>
+                                <p:cTn id="21" presetID="1" presetClass="entr" presetSubtype="0" fill="hold" grpId="0" nodeType="withEffect">
+                                  <p:stCondLst>
+                                    <p:cond delay="0"/>
+                                  </p:stCondLst>
+                                  <p:childTnLst>
+                                    <p:set>
+                                      <p:cBhvr>
+                                        <p:cTn id="22" dur="1" fill="hold">
+                                          <p:stCondLst>
+                                            <p:cond delay="0"/>
+                                          </p:stCondLst>
+                                        </p:cTn>
+                                        <p:tgtEl>
+                                          <p:spTgt spid="4">
+                                            <p:txEl>
+                                              <p:pRg st="9" end="9"/>
+                                            </p:txEl>
+                                          </p:spTgt>
+                                        </p:tgtEl>
+                                        <p:attrNameLst>
+                                          <p:attrName>style.visibility</p:attrName>
+                                        </p:attrNameLst>
+                                      </p:cBhvr>
+                                      <p:to>
+                                        <p:strVal val="visible"/>
+                                      </p:to>
+                                    </p:set>
+                                  </p:childTnLst>
+                                </p:cTn>
+                              </p:par>
+                              <p:par>
+                                <p:cTn id="23" presetID="1" presetClass="entr" presetSubtype="0" fill="hold" grpId="0" nodeType="withEffect">
+                                  <p:stCondLst>
+                                    <p:cond delay="0"/>
+                                  </p:stCondLst>
+                                  <p:childTnLst>
+                                    <p:set>
+                                      <p:cBhvr>
+                                        <p:cTn id="24" dur="1" fill="hold">
+                                          <p:stCondLst>
+                                            <p:cond delay="0"/>
+                                          </p:stCondLst>
+                                        </p:cTn>
+                                        <p:tgtEl>
+                                          <p:spTgt spid="4">
+                                            <p:txEl>
+                                              <p:pRg st="11" end="11"/>
+                                            </p:txEl>
+                                          </p:spTgt>
+                                        </p:tgtEl>
+                                        <p:attrNameLst>
+                                          <p:attrName>style.visibility</p:attrName>
+                                        </p:attrNameLst>
+                                      </p:cBhvr>
+                                      <p:to>
+                                        <p:strVal val="visible"/>
+                                      </p:to>
+                                    </p:set>
+                                  </p:childTnLst>
+                                </p:cTn>
+                              </p:par>
+                            </p:childTnLst>
+                          </p:cTn>
+                        </p:par>
+                      </p:childTnLst>
+                    </p:cTn>
+                  </p:par>
+                </p:childTnLst>
+              </p:cTn>
+              <p:prevCondLst>
+                <p:cond evt="onPrev" delay="0">
+                  <p:tgtEl>
+                    <p:sldTgt/>
+                  </p:tgtEl>
+                </p:cond>
+              </p:prevCondLst>
+              <p:nextCondLst>
+                <p:cond evt="onNext" delay="0">
+                  <p:tgtEl>
+                    <p:sldTgt/>
+                  </p:tgtEl>
+                </p:cond>
+              </p:nextCondLst>
+            </p:seq>
+          </p:childTnLst>
+        </p:cTn>
+      </p:par>
+    </p:tnLst>
+    <p:bldLst>
+      <p:bldP spid="4" grpId="0" build="p"/>
+    </p:bldLst>
+  </p:timing>
 </p:sld>
 </file>
 
 <file path=ppt/slides/slide5.xml><?xml version="1.0" encoding="utf-8"?>
+<p:sld xmlns:a="http://schemas.openxmlformats.org/drawingml/2006/main" xmlns:r="http://schemas.openxmlformats.org/officeDocument/2006/relationships" xmlns:p="http://schemas.openxmlformats.org/presentationml/2006/main">
+  <p:cSld>
+    <p:spTree>
+      <p:nvGrpSpPr>
+        <p:cNvPr id="1" name="">
+          <a:extLst>
+            <a:ext uri="{FF2B5EF4-FFF2-40B4-BE49-F238E27FC236}">
+              <a16:creationId xmlns:a16="http://schemas.microsoft.com/office/drawing/2014/main" id="{C177047E-A9CB-FABC-700C-8E0180A19E51}"/>
+            </a:ext>
+          </a:extLst>
+        </p:cNvPr>
+        <p:cNvGrpSpPr/>
+        <p:nvPr/>
+      </p:nvGrpSpPr>
+      <p:grpSpPr>
+        <a:xfrm>
+          <a:off x="0" y="0"/>
+          <a:ext cx="0" cy="0"/>
+          <a:chOff x="0" y="0"/>
+          <a:chExt cx="0" cy="0"/>
+        </a:xfrm>
+      </p:grpSpPr>
+      <p:sp>
+        <p:nvSpPr>
+          <p:cNvPr id="2" name="Title 1">
+            <a:extLst>
+              <a:ext uri="{FF2B5EF4-FFF2-40B4-BE49-F238E27FC236}">
+                <a16:creationId xmlns:a16="http://schemas.microsoft.com/office/drawing/2014/main" id="{DEA4B9E5-2A4C-BA8F-E762-8B004D38D707}"/>
+              </a:ext>
+            </a:extLst>
+          </p:cNvPr>
+          <p:cNvSpPr>
+            <a:spLocks noGrp="1"/>
+          </p:cNvSpPr>
+          <p:nvPr>
+            <p:ph type="title"/>
+          </p:nvPr>
+        </p:nvSpPr>
+        <p:spPr/>
+        <p:txBody>
+          <a:bodyPr/>
+          <a:lstStyle/>
+          <a:p>
+            <a:r>
+              <a:rPr lang="de-CH" dirty="0"/>
+              <a:t>Modelle</a:t>
+            </a:r>
+            <a:endParaRPr dirty="0"/>
+          </a:p>
+        </p:txBody>
+      </p:sp>
+      <p:sp>
+        <p:nvSpPr>
+          <p:cNvPr id="4" name="Content Placeholder 3">
+            <a:extLst>
+              <a:ext uri="{FF2B5EF4-FFF2-40B4-BE49-F238E27FC236}">
+                <a16:creationId xmlns:a16="http://schemas.microsoft.com/office/drawing/2014/main" id="{DE253816-7C28-CE6D-0CE9-487A6C4333C0}"/>
+              </a:ext>
+            </a:extLst>
+          </p:cNvPr>
+          <p:cNvSpPr>
+            <a:spLocks noGrp="1"/>
+          </p:cNvSpPr>
+          <p:nvPr>
+            <p:ph sz="half" idx="2"/>
+          </p:nvPr>
+        </p:nvSpPr>
+        <p:spPr>
+          <a:xfrm>
+            <a:off x="7256022" y="3189372"/>
+            <a:ext cx="1771247" cy="1199102"/>
+          </a:xfrm>
+        </p:spPr>
+        <p:txBody>
+          <a:bodyPr>
+            <a:normAutofit fontScale="92500" lnSpcReduction="10000"/>
+          </a:bodyPr>
+          <a:lstStyle/>
+          <a:p>
+            <a:pPr marL="0" indent="0" algn="ctr">
+              <a:buNone/>
+              <a:defRPr b="1"/>
+            </a:pPr>
+            <a:r>
+              <a:rPr lang="de-CH" sz="2000" dirty="0"/>
+              <a:t>(</a:t>
+            </a:r>
+            <a:r>
+              <a:rPr lang="de-CH" sz="2000" dirty="0" err="1"/>
+              <a:t>multinomiale</a:t>
+            </a:r>
+            <a:r>
+              <a:rPr lang="de-CH" sz="2000" dirty="0"/>
+              <a:t>) logistische Regression als Klassifikator</a:t>
+            </a:r>
+          </a:p>
+          <a:p>
+            <a:pPr marL="457200" lvl="1" indent="0" algn="ctr">
+              <a:buNone/>
+            </a:pPr>
+            <a:endParaRPr lang="de-CH" sz="2000" dirty="0"/>
+          </a:p>
+          <a:p>
+            <a:pPr lvl="1" algn="ctr"/>
+            <a:endParaRPr lang="de-CH" sz="2000" dirty="0"/>
+          </a:p>
+        </p:txBody>
+      </p:sp>
+      <p:sp>
+        <p:nvSpPr>
+          <p:cNvPr id="5" name="Geschweifte Klammer rechts 4">
+            <a:extLst>
+              <a:ext uri="{FF2B5EF4-FFF2-40B4-BE49-F238E27FC236}">
+                <a16:creationId xmlns:a16="http://schemas.microsoft.com/office/drawing/2014/main" id="{F87BCD9C-A941-69C8-7446-ACC6CA2F0EA5}"/>
+              </a:ext>
+            </a:extLst>
+          </p:cNvPr>
+          <p:cNvSpPr/>
+          <p:nvPr/>
+        </p:nvSpPr>
+        <p:spPr>
+          <a:xfrm>
+            <a:off x="6254073" y="1293779"/>
+            <a:ext cx="1001949" cy="4866430"/>
+          </a:xfrm>
+          <a:prstGeom prst="rightBrace">
+            <a:avLst/>
+          </a:prstGeom>
+        </p:spPr>
+        <p:style>
+          <a:lnRef idx="2">
+            <a:schemeClr val="accent1"/>
+          </a:lnRef>
+          <a:fillRef idx="0">
+            <a:schemeClr val="accent1"/>
+          </a:fillRef>
+          <a:effectRef idx="1">
+            <a:schemeClr val="accent1"/>
+          </a:effectRef>
+          <a:fontRef idx="minor">
+            <a:schemeClr val="tx1"/>
+          </a:fontRef>
+        </p:style>
+        <p:txBody>
+          <a:bodyPr rtlCol="0" anchor="ctr"/>
+          <a:lstStyle/>
+          <a:p>
+            <a:pPr algn="ctr"/>
+            <a:endParaRPr lang="de-CH" dirty="0"/>
+          </a:p>
+        </p:txBody>
+      </p:sp>
+      <p:sp>
+        <p:nvSpPr>
+          <p:cNvPr id="9" name="Inhaltsplatzhalter 8">
+            <a:extLst>
+              <a:ext uri="{FF2B5EF4-FFF2-40B4-BE49-F238E27FC236}">
+                <a16:creationId xmlns:a16="http://schemas.microsoft.com/office/drawing/2014/main" id="{2376C88F-A319-FE57-1B2A-4F2F17304F3D}"/>
+              </a:ext>
+            </a:extLst>
+          </p:cNvPr>
+          <p:cNvSpPr>
+            <a:spLocks noGrp="1"/>
+          </p:cNvSpPr>
+          <p:nvPr>
+            <p:ph sz="half" idx="1"/>
+          </p:nvPr>
+        </p:nvSpPr>
+        <p:spPr>
+          <a:xfrm>
+            <a:off x="457199" y="1417638"/>
+            <a:ext cx="5904689" cy="4708525"/>
+          </a:xfrm>
+        </p:spPr>
+        <p:txBody>
+          <a:bodyPr>
+            <a:normAutofit fontScale="92500" lnSpcReduction="10000"/>
+          </a:bodyPr>
+          <a:lstStyle/>
+          <a:p>
+            <a:r>
+              <a:rPr lang="de-CH" sz="2600" b="1" dirty="0" err="1"/>
+              <a:t>BoW</a:t>
+            </a:r>
+            <a:r>
+              <a:rPr lang="de-CH" sz="2600" dirty="0"/>
+              <a:t> 	</a:t>
+            </a:r>
+            <a:r>
+              <a:rPr lang="de-CH" sz="1700" dirty="0"/>
+              <a:t>(«Bag </a:t>
+            </a:r>
+            <a:r>
+              <a:rPr lang="de-CH" sz="1700" dirty="0" err="1"/>
+              <a:t>of</a:t>
+            </a:r>
+            <a:r>
+              <a:rPr lang="de-CH" sz="1700" dirty="0"/>
+              <a:t> Words») </a:t>
+            </a:r>
+          </a:p>
+          <a:p>
+            <a:pPr lvl="1"/>
+            <a:r>
+              <a:rPr lang="de-CH" sz="1900" dirty="0"/>
+              <a:t>Methode, die zählt, wie oft Wörter (oder N-</a:t>
+            </a:r>
+            <a:r>
+              <a:rPr lang="de-CH" sz="1900" dirty="0" err="1"/>
+              <a:t>Gamme</a:t>
+            </a:r>
+            <a:r>
+              <a:rPr lang="de-CH" sz="1900" dirty="0"/>
+              <a:t>) in einem Datensatz (hier: alle Chatnachrichten) vorkommen, unabhängig vom Kontext</a:t>
+            </a:r>
+          </a:p>
+          <a:p>
+            <a:endParaRPr lang="de-CH" sz="2600" dirty="0"/>
+          </a:p>
+          <a:p>
+            <a:r>
+              <a:rPr lang="de-CH" sz="2600" b="1" dirty="0"/>
+              <a:t>TF-IDF</a:t>
+            </a:r>
+            <a:r>
+              <a:rPr lang="de-CH" sz="2600" dirty="0"/>
+              <a:t> 	</a:t>
+            </a:r>
+            <a:r>
+              <a:rPr lang="de-CH" sz="1700" dirty="0"/>
+              <a:t>(«Term </a:t>
+            </a:r>
+            <a:r>
+              <a:rPr lang="de-CH" sz="1700" dirty="0" err="1"/>
+              <a:t>Frequency</a:t>
+            </a:r>
+            <a:r>
+              <a:rPr lang="de-CH" sz="1700" dirty="0"/>
+              <a:t> Inverse </a:t>
+            </a:r>
+            <a:r>
+              <a:rPr lang="de-CH" sz="1700" dirty="0" err="1"/>
+              <a:t>Document</a:t>
+            </a:r>
+            <a:r>
+              <a:rPr lang="de-CH" sz="1700" dirty="0"/>
+              <a:t> </a:t>
+            </a:r>
+            <a:r>
+              <a:rPr lang="de-CH" sz="1700" dirty="0" err="1"/>
+              <a:t>Frequency</a:t>
+            </a:r>
+            <a:r>
+              <a:rPr lang="de-CH" sz="1700" dirty="0"/>
+              <a:t>»</a:t>
+            </a:r>
+          </a:p>
+          <a:p>
+            <a:pPr lvl="1"/>
+            <a:r>
+              <a:rPr lang="de-CH" sz="1900" dirty="0"/>
+              <a:t>Baut auf </a:t>
+            </a:r>
+            <a:r>
+              <a:rPr lang="de-CH" sz="1900" dirty="0" err="1"/>
+              <a:t>BoW</a:t>
+            </a:r>
+            <a:r>
+              <a:rPr lang="de-CH" sz="1900" dirty="0"/>
+              <a:t> auf und gewichtet die Wörter (oder N-Gramme) zusätzlich nach ihrer Wichtigkeit im Datensatz (hier: alle Chatnachrichten) </a:t>
+            </a:r>
+          </a:p>
+          <a:p>
+            <a:pPr marL="0" indent="0">
+              <a:buNone/>
+            </a:pPr>
+            <a:endParaRPr lang="de-CH" sz="2600" dirty="0"/>
+          </a:p>
+          <a:p>
+            <a:r>
+              <a:rPr lang="de-CH" sz="2600" b="1" dirty="0"/>
+              <a:t>SBERT</a:t>
+            </a:r>
+            <a:r>
+              <a:rPr lang="de-CH" sz="2600" dirty="0"/>
+              <a:t> 	</a:t>
+            </a:r>
+            <a:r>
+              <a:rPr lang="de-CH" sz="1700" dirty="0"/>
+              <a:t>(«</a:t>
+            </a:r>
+            <a:r>
+              <a:rPr lang="de-CH" sz="1700" dirty="0" err="1"/>
+              <a:t>Sentence</a:t>
+            </a:r>
+            <a:r>
+              <a:rPr lang="de-CH" sz="1700" dirty="0"/>
+              <a:t> </a:t>
+            </a:r>
+            <a:r>
+              <a:rPr lang="de-CH" sz="1700" dirty="0" err="1"/>
+              <a:t>Bidirectional</a:t>
+            </a:r>
+            <a:r>
+              <a:rPr lang="de-CH" sz="1700" dirty="0"/>
+              <a:t> Encoder </a:t>
+            </a:r>
+            <a:r>
+              <a:rPr lang="de-CH" sz="1700" dirty="0" err="1"/>
+              <a:t>Representations</a:t>
+            </a:r>
+            <a:r>
+              <a:rPr lang="de-CH" sz="1700" dirty="0"/>
+              <a:t> 			</a:t>
+            </a:r>
+            <a:r>
+              <a:rPr lang="de-CH" sz="1700" dirty="0" err="1"/>
+              <a:t>from</a:t>
+            </a:r>
+            <a:r>
+              <a:rPr lang="de-CH" sz="1700" dirty="0"/>
+              <a:t> Transformers»)</a:t>
+            </a:r>
+            <a:endParaRPr lang="de-CH" sz="2600" dirty="0"/>
+          </a:p>
+          <a:p>
+            <a:pPr lvl="1"/>
+            <a:r>
+              <a:rPr lang="de-CH" sz="1900" dirty="0"/>
+              <a:t>Vortrainiertes neuronales Sprachmodell, das darauf optimiert ist, ganze Sätze oder Texte als semantische Vektoren (</a:t>
+            </a:r>
+            <a:r>
+              <a:rPr lang="de-CH" sz="1900" dirty="0" err="1"/>
+              <a:t>Embeddings</a:t>
+            </a:r>
+            <a:r>
+              <a:rPr lang="de-CH" sz="1900" dirty="0"/>
+              <a:t>) darzustellen</a:t>
+            </a:r>
+          </a:p>
+          <a:p>
+            <a:endParaRPr lang="de-CH" sz="2400" dirty="0"/>
+          </a:p>
+        </p:txBody>
+      </p:sp>
+    </p:spTree>
+    <p:extLst>
+      <p:ext uri="{BB962C8B-B14F-4D97-AF65-F5344CB8AC3E}">
+        <p14:creationId xmlns:p14="http://schemas.microsoft.com/office/powerpoint/2010/main" val="2471419403"/>
+      </p:ext>
+    </p:extLst>
+  </p:cSld>
+  <p:clrMapOvr>
+    <a:masterClrMapping/>
+  </p:clrMapOvr>
+  <p:timing>
+    <p:tnLst>
+      <p:par>
+        <p:cTn id="1" dur="indefinite" restart="never" nodeType="tmRoot">
+          <p:childTnLst>
+            <p:seq concurrent="1" nextAc="seek">
+              <p:cTn id="2" dur="indefinite" nodeType="mainSeq">
+                <p:childTnLst>
+                  <p:par>
+                    <p:cTn id="3" fill="hold">
+                      <p:stCondLst>
+                        <p:cond delay="indefinite"/>
+                      </p:stCondLst>
+                      <p:childTnLst>
+                        <p:par>
+                          <p:cTn id="4" fill="hold">
+                            <p:stCondLst>
+                              <p:cond delay="0"/>
+                            </p:stCondLst>
+                            <p:childTnLst>
+                              <p:par>
+                                <p:cTn id="5" presetID="1" presetClass="entr" presetSubtype="0" fill="hold" grpId="0" nodeType="clickEffect">
+                                  <p:stCondLst>
+                                    <p:cond delay="0"/>
+                                  </p:stCondLst>
+                                  <p:childTnLst>
+                                    <p:set>
+                                      <p:cBhvr>
+                                        <p:cTn id="6" dur="1" fill="hold">
+                                          <p:stCondLst>
+                                            <p:cond delay="0"/>
+                                          </p:stCondLst>
+                                        </p:cTn>
+                                        <p:tgtEl>
+                                          <p:spTgt spid="4">
+                                            <p:txEl>
+                                              <p:pRg st="0" end="0"/>
+                                            </p:txEl>
+                                          </p:spTgt>
+                                        </p:tgtEl>
+                                        <p:attrNameLst>
+                                          <p:attrName>style.visibility</p:attrName>
+                                        </p:attrNameLst>
+                                      </p:cBhvr>
+                                      <p:to>
+                                        <p:strVal val="visible"/>
+                                      </p:to>
+                                    </p:set>
+                                  </p:childTnLst>
+                                </p:cTn>
+                              </p:par>
+                            </p:childTnLst>
+                          </p:cTn>
+                        </p:par>
+                      </p:childTnLst>
+                    </p:cTn>
+                  </p:par>
+                </p:childTnLst>
+              </p:cTn>
+              <p:prevCondLst>
+                <p:cond evt="onPrev" delay="0">
+                  <p:tgtEl>
+                    <p:sldTgt/>
+                  </p:tgtEl>
+                </p:cond>
+              </p:prevCondLst>
+              <p:nextCondLst>
+                <p:cond evt="onNext" delay="0">
+                  <p:tgtEl>
+                    <p:sldTgt/>
+                  </p:tgtEl>
+                </p:cond>
+              </p:nextCondLst>
+            </p:seq>
+          </p:childTnLst>
+        </p:cTn>
+      </p:par>
+    </p:tnLst>
+    <p:bldLst>
+      <p:bldP spid="4" grpId="0" build="p"/>
+    </p:bldLst>
+  </p:timing>
+</p:sld>
+</file>
+
+<file path=ppt/slides/slide6.xml><?xml version="1.0" encoding="utf-8"?>
 <p:sld xmlns:a="http://schemas.openxmlformats.org/drawingml/2006/main" xmlns:r="http://schemas.openxmlformats.org/officeDocument/2006/relationships" xmlns:p="http://schemas.openxmlformats.org/presentationml/2006/main">
   <p:cSld>
     <p:spTree>
@@ -7249,7 +8869,7 @@
 </p:sld>
 </file>
 
-<file path=ppt/slides/slide6.xml><?xml version="1.0" encoding="utf-8"?>
+<file path=ppt/slides/slide7.xml><?xml version="1.0" encoding="utf-8"?>
 <p:sld xmlns:a="http://schemas.openxmlformats.org/drawingml/2006/main" xmlns:r="http://schemas.openxmlformats.org/officeDocument/2006/relationships" xmlns:p="http://schemas.openxmlformats.org/presentationml/2006/main">
   <p:cSld>
     <p:spTree>
@@ -7323,7 +8943,7 @@
         </p:blipFill>
         <p:spPr>
           <a:xfrm>
-            <a:off x="558800" y="1417638"/>
+            <a:off x="558800" y="1370006"/>
             <a:ext cx="1695687" cy="4982270"/>
           </a:xfrm>
           <a:prstGeom prst="rect">
@@ -7353,7 +8973,7 @@
         </p:blipFill>
         <p:spPr>
           <a:xfrm>
-            <a:off x="2657208" y="1417638"/>
+            <a:off x="2767691" y="1370006"/>
             <a:ext cx="1914792" cy="4448796"/>
           </a:xfrm>
           <a:prstGeom prst="rect">
@@ -7383,7 +9003,7 @@
         </p:blipFill>
         <p:spPr>
           <a:xfrm>
-            <a:off x="5195687" y="1370006"/>
+            <a:off x="5250929" y="1370006"/>
             <a:ext cx="2867425" cy="4544059"/>
           </a:xfrm>
           <a:prstGeom prst="rect">
@@ -7405,8 +9025,8 @@
         </p:nvSpPr>
         <p:spPr>
           <a:xfrm>
-            <a:off x="4883842" y="5866434"/>
-            <a:ext cx="3491113" cy="923330"/>
+            <a:off x="5195687" y="5890259"/>
+            <a:ext cx="3116058" cy="830997"/>
           </a:xfrm>
           <a:prstGeom prst="rect">
             <a:avLst/>
@@ -7420,24 +9040,24 @@
           <a:lstStyle/>
           <a:p>
             <a:r>
-              <a:rPr lang="de-CH" dirty="0"/>
+              <a:rPr lang="de-CH" sz="1600" i="1" dirty="0"/>
               <a:t>PMI: </a:t>
             </a:r>
             <a:r>
-              <a:rPr lang="de-CH" dirty="0" err="1"/>
+              <a:rPr lang="de-CH" sz="1600" i="1" dirty="0" err="1"/>
               <a:t>Pointwise</a:t>
             </a:r>
             <a:r>
-              <a:rPr lang="de-CH" dirty="0"/>
+              <a:rPr lang="de-CH" sz="1600" i="1" dirty="0"/>
               <a:t> Mutual Information /  Wie stark </a:t>
             </a:r>
             <a:r>
-              <a:rPr lang="de-DE" dirty="0"/>
+              <a:rPr lang="de-DE" sz="1600" i="1" dirty="0"/>
               <a:t>Wörter gemeinsam auf</a:t>
             </a:r>
             <a:r>
-              <a:rPr lang="de-CH" dirty="0"/>
-              <a:t>treten, verglichen mit Zufall.</a:t>
+              <a:rPr lang="de-CH" sz="1600" i="1" dirty="0"/>
+              <a:t>treten, verglichen mit Zufall</a:t>
             </a:r>
           </a:p>
         </p:txBody>
@@ -7452,10 +9072,160 @@
   <p:clrMapOvr>
     <a:masterClrMapping/>
   </p:clrMapOvr>
+  <p:timing>
+    <p:tnLst>
+      <p:par>
+        <p:cTn id="1" dur="indefinite" restart="never" nodeType="tmRoot">
+          <p:childTnLst>
+            <p:seq concurrent="1" nextAc="seek">
+              <p:cTn id="2" dur="indefinite" nodeType="mainSeq">
+                <p:childTnLst>
+                  <p:par>
+                    <p:cTn id="3" fill="hold">
+                      <p:stCondLst>
+                        <p:cond delay="indefinite"/>
+                      </p:stCondLst>
+                      <p:childTnLst>
+                        <p:par>
+                          <p:cTn id="4" fill="hold">
+                            <p:stCondLst>
+                              <p:cond delay="0"/>
+                            </p:stCondLst>
+                            <p:childTnLst>
+                              <p:par>
+                                <p:cTn id="5" presetID="1" presetClass="entr" presetSubtype="0" fill="hold" nodeType="clickEffect">
+                                  <p:stCondLst>
+                                    <p:cond delay="0"/>
+                                  </p:stCondLst>
+                                  <p:childTnLst>
+                                    <p:set>
+                                      <p:cBhvr>
+                                        <p:cTn id="6" dur="1" fill="hold">
+                                          <p:stCondLst>
+                                            <p:cond delay="0"/>
+                                          </p:stCondLst>
+                                        </p:cTn>
+                                        <p:tgtEl>
+                                          <p:spTgt spid="9"/>
+                                        </p:tgtEl>
+                                        <p:attrNameLst>
+                                          <p:attrName>style.visibility</p:attrName>
+                                        </p:attrNameLst>
+                                      </p:cBhvr>
+                                      <p:to>
+                                        <p:strVal val="visible"/>
+                                      </p:to>
+                                    </p:set>
+                                  </p:childTnLst>
+                                </p:cTn>
+                              </p:par>
+                            </p:childTnLst>
+                          </p:cTn>
+                        </p:par>
+                      </p:childTnLst>
+                    </p:cTn>
+                  </p:par>
+                  <p:par>
+                    <p:cTn id="7" fill="hold">
+                      <p:stCondLst>
+                        <p:cond delay="indefinite"/>
+                      </p:stCondLst>
+                      <p:childTnLst>
+                        <p:par>
+                          <p:cTn id="8" fill="hold">
+                            <p:stCondLst>
+                              <p:cond delay="0"/>
+                            </p:stCondLst>
+                            <p:childTnLst>
+                              <p:par>
+                                <p:cTn id="9" presetID="1" presetClass="entr" presetSubtype="0" fill="hold" nodeType="clickEffect">
+                                  <p:stCondLst>
+                                    <p:cond delay="0"/>
+                                  </p:stCondLst>
+                                  <p:childTnLst>
+                                    <p:set>
+                                      <p:cBhvr>
+                                        <p:cTn id="10" dur="1" fill="hold">
+                                          <p:stCondLst>
+                                            <p:cond delay="0"/>
+                                          </p:stCondLst>
+                                        </p:cTn>
+                                        <p:tgtEl>
+                                          <p:spTgt spid="12"/>
+                                        </p:tgtEl>
+                                        <p:attrNameLst>
+                                          <p:attrName>style.visibility</p:attrName>
+                                        </p:attrNameLst>
+                                      </p:cBhvr>
+                                      <p:to>
+                                        <p:strVal val="visible"/>
+                                      </p:to>
+                                    </p:set>
+                                  </p:childTnLst>
+                                </p:cTn>
+                              </p:par>
+                              <p:par>
+                                <p:cTn id="11" presetID="1" presetClass="entr" presetSubtype="0" fill="hold" grpId="0" nodeType="withEffect">
+                                  <p:stCondLst>
+                                    <p:cond delay="0"/>
+                                  </p:stCondLst>
+                                  <p:childTnLst>
+                                    <p:set>
+                                      <p:cBhvr>
+                                        <p:cTn id="12" dur="1" fill="hold">
+                                          <p:stCondLst>
+                                            <p:cond delay="0"/>
+                                          </p:stCondLst>
+                                        </p:cTn>
+                                        <p:tgtEl>
+                                          <p:spTgt spid="16"/>
+                                        </p:tgtEl>
+                                        <p:attrNameLst>
+                                          <p:attrName>style.visibility</p:attrName>
+                                        </p:attrNameLst>
+                                      </p:cBhvr>
+                                      <p:to>
+                                        <p:strVal val="visible"/>
+                                      </p:to>
+                                    </p:set>
+                                  </p:childTnLst>
+                                </p:cTn>
+                              </p:par>
+                            </p:childTnLst>
+                          </p:cTn>
+                        </p:par>
+                      </p:childTnLst>
+                    </p:cTn>
+                  </p:par>
+                </p:childTnLst>
+              </p:cTn>
+              <p:prevCondLst>
+                <p:cond evt="onPrev" delay="0">
+                  <p:tgtEl>
+                    <p:sldTgt/>
+                  </p:tgtEl>
+                </p:cond>
+              </p:prevCondLst>
+              <p:nextCondLst>
+                <p:cond evt="onNext" delay="0">
+                  <p:tgtEl>
+                    <p:sldTgt/>
+                  </p:tgtEl>
+                </p:cond>
+              </p:nextCondLst>
+            </p:seq>
+          </p:childTnLst>
+        </p:cTn>
+      </p:par>
+    </p:tnLst>
+    <p:bldLst>
+      <p:bldP spid="16" grpId="0"/>
+    </p:bldLst>
+  </p:timing>
 </p:sld>
 </file>
 
-<file path=ppt/slides/slide7.xml><?xml version="1.0" encoding="utf-8"?>
+<file path=ppt/slides/slide8.xml><?xml version="1.0" encoding="utf-8"?>
 <p:sld xmlns:a="http://schemas.openxmlformats.org/drawingml/2006/main" xmlns:r="http://schemas.openxmlformats.org/officeDocument/2006/relationships" xmlns:p="http://schemas.openxmlformats.org/presentationml/2006/main">
   <p:cSld>
     <p:spTree>
@@ -8350,7 +10120,7 @@
 </p:sld>
 </file>
 
-<file path=ppt/slides/slide8.xml><?xml version="1.0" encoding="utf-8"?>
+<file path=ppt/slides/slide9.xml><?xml version="1.0" encoding="utf-8"?>
 <p:sld xmlns:a="http://schemas.openxmlformats.org/drawingml/2006/main" xmlns:r="http://schemas.openxmlformats.org/officeDocument/2006/relationships" xmlns:p="http://schemas.openxmlformats.org/presentationml/2006/main">
   <p:cSld>
     <p:spTree>
@@ -8835,102 +10605,6 @@
     <p:extLst>
       <p:ext uri="{BB962C8B-B14F-4D97-AF65-F5344CB8AC3E}">
         <p14:creationId xmlns:p14="http://schemas.microsoft.com/office/powerpoint/2010/main" val="1291605493"/>
-      </p:ext>
-    </p:extLst>
-  </p:cSld>
-  <p:clrMapOvr>
-    <a:masterClrMapping/>
-  </p:clrMapOvr>
-</p:sld>
-</file>
-
-<file path=ppt/slides/slide9.xml><?xml version="1.0" encoding="utf-8"?>
-<p:sld xmlns:a="http://schemas.openxmlformats.org/drawingml/2006/main" xmlns:r="http://schemas.openxmlformats.org/officeDocument/2006/relationships" xmlns:p="http://schemas.openxmlformats.org/presentationml/2006/main">
-  <p:cSld>
-    <p:spTree>
-      <p:nvGrpSpPr>
-        <p:cNvPr id="1" name="">
-          <a:extLst>
-            <a:ext uri="{FF2B5EF4-FFF2-40B4-BE49-F238E27FC236}">
-              <a16:creationId xmlns:a16="http://schemas.microsoft.com/office/drawing/2014/main" id="{6A14F892-AD9E-243A-DDA2-66E77D60793E}"/>
-            </a:ext>
-          </a:extLst>
-        </p:cNvPr>
-        <p:cNvGrpSpPr/>
-        <p:nvPr/>
-      </p:nvGrpSpPr>
-      <p:grpSpPr>
-        <a:xfrm>
-          <a:off x="0" y="0"/>
-          <a:ext cx="0" cy="0"/>
-          <a:chOff x="0" y="0"/>
-          <a:chExt cx="0" cy="0"/>
-        </a:xfrm>
-      </p:grpSpPr>
-      <p:sp>
-        <p:nvSpPr>
-          <p:cNvPr id="2" name="Title 1">
-            <a:extLst>
-              <a:ext uri="{FF2B5EF4-FFF2-40B4-BE49-F238E27FC236}">
-                <a16:creationId xmlns:a16="http://schemas.microsoft.com/office/drawing/2014/main" id="{BFAE6AC6-70BA-E8DD-68BD-BC2C2CEDCA6B}"/>
-              </a:ext>
-            </a:extLst>
-          </p:cNvPr>
-          <p:cNvSpPr>
-            <a:spLocks noGrp="1"/>
-          </p:cNvSpPr>
-          <p:nvPr>
-            <p:ph type="title"/>
-          </p:nvPr>
-        </p:nvSpPr>
-        <p:spPr/>
-        <p:txBody>
-          <a:bodyPr/>
-          <a:lstStyle/>
-          <a:p>
-            <a:r>
-              <a:rPr lang="de-CH" dirty="0"/>
-              <a:t>Visualisierung</a:t>
-            </a:r>
-            <a:endParaRPr dirty="0"/>
-          </a:p>
-        </p:txBody>
-      </p:sp>
-      <p:pic>
-        <p:nvPicPr>
-          <p:cNvPr id="6" name="Grafik 5" descr="Ein Bild, das Diagramm, Text, Reihe enthält.&#10;&#10;KI-generierte Inhalte können fehlerhaft sein.">
-            <a:extLst>
-              <a:ext uri="{FF2B5EF4-FFF2-40B4-BE49-F238E27FC236}">
-                <a16:creationId xmlns:a16="http://schemas.microsoft.com/office/drawing/2014/main" id="{13042DC0-1614-6744-68D9-DB0C91BAD0EB}"/>
-              </a:ext>
-            </a:extLst>
-          </p:cNvPr>
-          <p:cNvPicPr>
-            <a:picLocks noChangeAspect="1"/>
-          </p:cNvPicPr>
-          <p:nvPr/>
-        </p:nvPicPr>
-        <p:blipFill>
-          <a:blip r:embed="rId3"/>
-          <a:srcRect l="11702" r="7446"/>
-          <a:stretch>
-            <a:fillRect/>
-          </a:stretch>
-        </p:blipFill>
-        <p:spPr>
-          <a:xfrm>
-            <a:off x="1643974" y="1227209"/>
-            <a:ext cx="6070060" cy="5630791"/>
-          </a:xfrm>
-          <a:prstGeom prst="rect">
-            <a:avLst/>
-          </a:prstGeom>
-        </p:spPr>
-      </p:pic>
-    </p:spTree>
-    <p:extLst>
-      <p:ext uri="{BB962C8B-B14F-4D97-AF65-F5344CB8AC3E}">
-        <p14:creationId xmlns:p14="http://schemas.microsoft.com/office/powerpoint/2010/main" val="606213314"/>
       </p:ext>
     </p:extLst>
   </p:cSld>
